--- a/Presentation/CAS Presentation.pptx
+++ b/Presentation/CAS Presentation.pptx
@@ -11,15 +11,19 @@
     <p:sldId id="259" r:id="rId5"/>
     <p:sldId id="260" r:id="rId6"/>
     <p:sldId id="261" r:id="rId7"/>
-    <p:sldId id="262" r:id="rId8"/>
-    <p:sldId id="263" r:id="rId9"/>
-    <p:sldId id="264" r:id="rId10"/>
-    <p:sldId id="265" r:id="rId11"/>
-    <p:sldId id="266" r:id="rId12"/>
-    <p:sldId id="267" r:id="rId13"/>
-    <p:sldId id="269" r:id="rId14"/>
-    <p:sldId id="270" r:id="rId15"/>
-    <p:sldId id="268" r:id="rId16"/>
+    <p:sldId id="271" r:id="rId8"/>
+    <p:sldId id="272" r:id="rId9"/>
+    <p:sldId id="262" r:id="rId10"/>
+    <p:sldId id="263" r:id="rId11"/>
+    <p:sldId id="264" r:id="rId12"/>
+    <p:sldId id="273" r:id="rId13"/>
+    <p:sldId id="265" r:id="rId14"/>
+    <p:sldId id="274" r:id="rId15"/>
+    <p:sldId id="275" r:id="rId16"/>
+    <p:sldId id="267" r:id="rId17"/>
+    <p:sldId id="269" r:id="rId18"/>
+    <p:sldId id="270" r:id="rId19"/>
+    <p:sldId id="268" r:id="rId20"/>
   </p:sldIdLst>
   <p:sldSz cx="12192000" cy="6858000"/>
   <p:notesSz cx="6858000" cy="9144000"/>
@@ -118,6 +122,11 @@
       </a:defRPr>
     </a:lvl9pPr>
   </p:defaultTextStyle>
+  <p:extLst>
+    <p:ext uri="{EFAFB233-063F-42B5-8137-9DF3F51BA10A}">
+      <p15:sldGuideLst xmlns:p15="http://schemas.microsoft.com/office/powerpoint/2012/main"/>
+    </p:ext>
+  </p:extLst>
 </p:presentation>
 </file>
 
@@ -3450,13 +3459,13 @@
   <p:clrMapOvr>
     <a:masterClrMapping/>
   </p:clrMapOvr>
-  <mc:AlternateContent xmlns:mc="http://schemas.openxmlformats.org/markup-compatibility/2006">
-    <mc:Choice xmlns:p159="http://schemas.microsoft.com/office/powerpoint/2015/09/main" Requires="p159">
+  <mc:AlternateContent xmlns:mc="http://schemas.openxmlformats.org/markup-compatibility/2006" xmlns:p159="http://schemas.microsoft.com/office/powerpoint/2015/09/main">
+    <mc:Choice Requires="p159">
       <p:transition xmlns:p14="http://schemas.microsoft.com/office/powerpoint/2010/main" spd="slow" p14:dur="2000">
         <p159:morph option="byObject"/>
       </p:transition>
     </mc:Choice>
-    <mc:Fallback>
+    <mc:Fallback xmlns="">
       <p:transition spd="slow">
         <p:fade/>
       </p:transition>
@@ -3505,7 +3514,7 @@
           <a:p>
             <a:r>
               <a:rPr lang="en-US" dirty="0"/>
-              <a:t>Decision Tree:</a:t>
+              <a:t>Logistic Regression:</a:t>
             </a:r>
             <a:endParaRPr lang="en-IN" dirty="0"/>
           </a:p>
@@ -3532,27 +3541,1297 @@
           <a:bodyPr/>
           <a:lstStyle/>
           <a:p>
-            <a:endParaRPr lang="en-IN"/>
+            <a:r>
+              <a:rPr lang="en-US" dirty="0"/>
+              <a:t>Logistic Regression Classifier</a:t>
+            </a:r>
+          </a:p>
+          <a:p>
+            <a:r>
+              <a:rPr lang="en-US" dirty="0"/>
+              <a:t>Scikit-Learn Library</a:t>
+            </a:r>
+          </a:p>
+          <a:p>
+            <a:r>
+              <a:rPr lang="en-US" dirty="0"/>
+              <a:t>Parameters: C = 0.01 (Regularization Strength), Solver = “</a:t>
+            </a:r>
+            <a:r>
+              <a:rPr lang="en-US" dirty="0" err="1"/>
+              <a:t>liblinear</a:t>
+            </a:r>
+            <a:r>
+              <a:rPr lang="en-US" dirty="0"/>
+              <a:t>”</a:t>
+            </a:r>
+          </a:p>
+          <a:p>
+            <a:r>
+              <a:rPr lang="en-US" dirty="0"/>
+              <a:t> Classification Report:</a:t>
+            </a:r>
+            <a:endParaRPr lang="en-IN" dirty="0"/>
           </a:p>
         </p:txBody>
       </p:sp>
+      <p:graphicFrame>
+        <p:nvGraphicFramePr>
+          <p:cNvPr id="5" name="Table 4">
+            <a:extLst>
+              <a:ext uri="{FF2B5EF4-FFF2-40B4-BE49-F238E27FC236}">
+                <a16:creationId xmlns:a16="http://schemas.microsoft.com/office/drawing/2014/main" id="{1EC3415F-32CC-4325-8A89-C7FA30F648CC}"/>
+              </a:ext>
+            </a:extLst>
+          </p:cNvPr>
+          <p:cNvGraphicFramePr>
+            <a:graphicFrameLocks noGrp="1"/>
+          </p:cNvGraphicFramePr>
+          <p:nvPr>
+            <p:extLst>
+              <p:ext uri="{D42A27DB-BD31-4B8C-83A1-F6EECF244321}">
+                <p14:modId xmlns:p14="http://schemas.microsoft.com/office/powerpoint/2010/main" val="573205760"/>
+              </p:ext>
+            </p:extLst>
+          </p:nvPr>
+        </p:nvGraphicFramePr>
+        <p:xfrm>
+          <a:off x="4526732" y="3429000"/>
+          <a:ext cx="6827068" cy="3119007"/>
+        </p:xfrm>
+        <a:graphic>
+          <a:graphicData uri="http://schemas.openxmlformats.org/drawingml/2006/table">
+            <a:tbl>
+              <a:tblPr firstRow="1" firstCol="1" bandRow="1">
+                <a:tableStyleId>{5C22544A-7EE6-4342-B048-85BDC9FD1C3A}</a:tableStyleId>
+              </a:tblPr>
+              <a:tblGrid>
+                <a:gridCol w="1365114">
+                  <a:extLst>
+                    <a:ext uri="{9D8B030D-6E8A-4147-A177-3AD203B41FA5}">
+                      <a16:colId xmlns:a16="http://schemas.microsoft.com/office/drawing/2014/main" val="774010099"/>
+                    </a:ext>
+                  </a:extLst>
+                </a:gridCol>
+                <a:gridCol w="1365114">
+                  <a:extLst>
+                    <a:ext uri="{9D8B030D-6E8A-4147-A177-3AD203B41FA5}">
+                      <a16:colId xmlns:a16="http://schemas.microsoft.com/office/drawing/2014/main" val="895292014"/>
+                    </a:ext>
+                  </a:extLst>
+                </a:gridCol>
+                <a:gridCol w="1365114">
+                  <a:extLst>
+                    <a:ext uri="{9D8B030D-6E8A-4147-A177-3AD203B41FA5}">
+                      <a16:colId xmlns:a16="http://schemas.microsoft.com/office/drawing/2014/main" val="853106959"/>
+                    </a:ext>
+                  </a:extLst>
+                </a:gridCol>
+                <a:gridCol w="1365114">
+                  <a:extLst>
+                    <a:ext uri="{9D8B030D-6E8A-4147-A177-3AD203B41FA5}">
+                      <a16:colId xmlns:a16="http://schemas.microsoft.com/office/drawing/2014/main" val="2721022697"/>
+                    </a:ext>
+                  </a:extLst>
+                </a:gridCol>
+                <a:gridCol w="1366612">
+                  <a:extLst>
+                    <a:ext uri="{9D8B030D-6E8A-4147-A177-3AD203B41FA5}">
+                      <a16:colId xmlns:a16="http://schemas.microsoft.com/office/drawing/2014/main" val="4132509793"/>
+                    </a:ext>
+                  </a:extLst>
+                </a:gridCol>
+              </a:tblGrid>
+              <a:tr h="423462">
+                <a:tc>
+                  <a:txBody>
+                    <a:bodyPr/>
+                    <a:lstStyle/>
+                    <a:p>
+                      <a:pPr algn="ctr">
+                        <a:lnSpc>
+                          <a:spcPct val="107000"/>
+                        </a:lnSpc>
+                        <a:spcBef>
+                          <a:spcPts val="600"/>
+                        </a:spcBef>
+                        <a:spcAft>
+                          <a:spcPts val="800"/>
+                        </a:spcAft>
+                      </a:pPr>
+                      <a:r>
+                        <a:rPr lang="en-IN" sz="1400">
+                          <a:effectLst/>
+                        </a:rPr>
+                        <a:t> </a:t>
+                      </a:r>
+                      <a:endParaRPr lang="en-IN" sz="1100">
+                        <a:effectLst/>
+                        <a:latin typeface="Calibri" panose="020F0502020204030204" pitchFamily="34" charset="0"/>
+                        <a:ea typeface="Calibri" panose="020F0502020204030204" pitchFamily="34" charset="0"/>
+                        <a:cs typeface="Times New Roman" panose="02020603050405020304" pitchFamily="18" charset="0"/>
+                      </a:endParaRPr>
+                    </a:p>
+                  </a:txBody>
+                  <a:tcPr marL="68580" marR="68580" marT="0" marB="0"/>
+                </a:tc>
+                <a:tc>
+                  <a:txBody>
+                    <a:bodyPr/>
+                    <a:lstStyle/>
+                    <a:p>
+                      <a:pPr algn="ctr">
+                        <a:lnSpc>
+                          <a:spcPct val="107000"/>
+                        </a:lnSpc>
+                        <a:spcBef>
+                          <a:spcPts val="600"/>
+                        </a:spcBef>
+                        <a:spcAft>
+                          <a:spcPts val="800"/>
+                        </a:spcAft>
+                      </a:pPr>
+                      <a:r>
+                        <a:rPr lang="en-IN" sz="1400">
+                          <a:effectLst/>
+                        </a:rPr>
+                        <a:t>Precision</a:t>
+                      </a:r>
+                      <a:endParaRPr lang="en-IN" sz="1100">
+                        <a:effectLst/>
+                        <a:latin typeface="Calibri" panose="020F0502020204030204" pitchFamily="34" charset="0"/>
+                        <a:ea typeface="Calibri" panose="020F0502020204030204" pitchFamily="34" charset="0"/>
+                        <a:cs typeface="Times New Roman" panose="02020603050405020304" pitchFamily="18" charset="0"/>
+                      </a:endParaRPr>
+                    </a:p>
+                  </a:txBody>
+                  <a:tcPr marL="68580" marR="68580" marT="0" marB="0"/>
+                </a:tc>
+                <a:tc>
+                  <a:txBody>
+                    <a:bodyPr/>
+                    <a:lstStyle/>
+                    <a:p>
+                      <a:pPr algn="ctr">
+                        <a:lnSpc>
+                          <a:spcPct val="107000"/>
+                        </a:lnSpc>
+                        <a:spcBef>
+                          <a:spcPts val="600"/>
+                        </a:spcBef>
+                        <a:spcAft>
+                          <a:spcPts val="800"/>
+                        </a:spcAft>
+                      </a:pPr>
+                      <a:r>
+                        <a:rPr lang="en-IN" sz="1400" dirty="0">
+                          <a:effectLst/>
+                        </a:rPr>
+                        <a:t>Recall</a:t>
+                      </a:r>
+                      <a:endParaRPr lang="en-IN" sz="1100" dirty="0">
+                        <a:effectLst/>
+                        <a:latin typeface="Calibri" panose="020F0502020204030204" pitchFamily="34" charset="0"/>
+                        <a:ea typeface="Calibri" panose="020F0502020204030204" pitchFamily="34" charset="0"/>
+                        <a:cs typeface="Times New Roman" panose="02020603050405020304" pitchFamily="18" charset="0"/>
+                      </a:endParaRPr>
+                    </a:p>
+                  </a:txBody>
+                  <a:tcPr marL="68580" marR="68580" marT="0" marB="0"/>
+                </a:tc>
+                <a:tc>
+                  <a:txBody>
+                    <a:bodyPr/>
+                    <a:lstStyle/>
+                    <a:p>
+                      <a:pPr algn="ctr">
+                        <a:lnSpc>
+                          <a:spcPct val="107000"/>
+                        </a:lnSpc>
+                        <a:spcBef>
+                          <a:spcPts val="600"/>
+                        </a:spcBef>
+                        <a:spcAft>
+                          <a:spcPts val="800"/>
+                        </a:spcAft>
+                      </a:pPr>
+                      <a:r>
+                        <a:rPr lang="en-IN" sz="1400" dirty="0">
+                          <a:effectLst/>
+                        </a:rPr>
+                        <a:t>F1 Score</a:t>
+                      </a:r>
+                      <a:endParaRPr lang="en-IN" sz="1100" dirty="0">
+                        <a:effectLst/>
+                        <a:latin typeface="Calibri" panose="020F0502020204030204" pitchFamily="34" charset="0"/>
+                        <a:ea typeface="Calibri" panose="020F0502020204030204" pitchFamily="34" charset="0"/>
+                        <a:cs typeface="Times New Roman" panose="02020603050405020304" pitchFamily="18" charset="0"/>
+                      </a:endParaRPr>
+                    </a:p>
+                  </a:txBody>
+                  <a:tcPr marL="68580" marR="68580" marT="0" marB="0"/>
+                </a:tc>
+                <a:tc>
+                  <a:txBody>
+                    <a:bodyPr/>
+                    <a:lstStyle/>
+                    <a:p>
+                      <a:pPr algn="ctr">
+                        <a:lnSpc>
+                          <a:spcPct val="107000"/>
+                        </a:lnSpc>
+                        <a:spcBef>
+                          <a:spcPts val="600"/>
+                        </a:spcBef>
+                        <a:spcAft>
+                          <a:spcPts val="800"/>
+                        </a:spcAft>
+                      </a:pPr>
+                      <a:r>
+                        <a:rPr lang="en-IN" sz="1400">
+                          <a:effectLst/>
+                        </a:rPr>
+                        <a:t>Support</a:t>
+                      </a:r>
+                      <a:endParaRPr lang="en-IN" sz="1100">
+                        <a:effectLst/>
+                        <a:latin typeface="Calibri" panose="020F0502020204030204" pitchFamily="34" charset="0"/>
+                        <a:ea typeface="Calibri" panose="020F0502020204030204" pitchFamily="34" charset="0"/>
+                        <a:cs typeface="Times New Roman" panose="02020603050405020304" pitchFamily="18" charset="0"/>
+                      </a:endParaRPr>
+                    </a:p>
+                  </a:txBody>
+                  <a:tcPr marL="68580" marR="68580" marT="0" marB="0"/>
+                </a:tc>
+                <a:extLst>
+                  <a:ext uri="{0D108BD9-81ED-4DB2-BD59-A6C34878D82A}">
+                    <a16:rowId xmlns:a16="http://schemas.microsoft.com/office/drawing/2014/main" val="625997461"/>
+                  </a:ext>
+                </a:extLst>
+              </a:tr>
+              <a:tr h="447233">
+                <a:tc>
+                  <a:txBody>
+                    <a:bodyPr/>
+                    <a:lstStyle/>
+                    <a:p>
+                      <a:pPr algn="ctr">
+                        <a:lnSpc>
+                          <a:spcPct val="107000"/>
+                        </a:lnSpc>
+                        <a:spcBef>
+                          <a:spcPts val="600"/>
+                        </a:spcBef>
+                        <a:spcAft>
+                          <a:spcPts val="800"/>
+                        </a:spcAft>
+                      </a:pPr>
+                      <a:r>
+                        <a:rPr lang="en-IN" sz="1200">
+                          <a:effectLst/>
+                        </a:rPr>
+                        <a:t>0</a:t>
+                      </a:r>
+                      <a:endParaRPr lang="en-IN" sz="1100">
+                        <a:effectLst/>
+                        <a:latin typeface="Calibri" panose="020F0502020204030204" pitchFamily="34" charset="0"/>
+                        <a:ea typeface="Calibri" panose="020F0502020204030204" pitchFamily="34" charset="0"/>
+                        <a:cs typeface="Times New Roman" panose="02020603050405020304" pitchFamily="18" charset="0"/>
+                      </a:endParaRPr>
+                    </a:p>
+                  </a:txBody>
+                  <a:tcPr marL="68580" marR="68580" marT="0" marB="0"/>
+                </a:tc>
+                <a:tc>
+                  <a:txBody>
+                    <a:bodyPr/>
+                    <a:lstStyle/>
+                    <a:p>
+                      <a:pPr algn="ctr">
+                        <a:lnSpc>
+                          <a:spcPct val="107000"/>
+                        </a:lnSpc>
+                        <a:spcBef>
+                          <a:spcPts val="600"/>
+                        </a:spcBef>
+                        <a:spcAft>
+                          <a:spcPts val="800"/>
+                        </a:spcAft>
+                      </a:pPr>
+                      <a:r>
+                        <a:rPr lang="en-IN" sz="1200">
+                          <a:effectLst/>
+                        </a:rPr>
+                        <a:t>0.82</a:t>
+                      </a:r>
+                      <a:endParaRPr lang="en-IN" sz="1100">
+                        <a:effectLst/>
+                        <a:latin typeface="Calibri" panose="020F0502020204030204" pitchFamily="34" charset="0"/>
+                        <a:ea typeface="Calibri" panose="020F0502020204030204" pitchFamily="34" charset="0"/>
+                        <a:cs typeface="Times New Roman" panose="02020603050405020304" pitchFamily="18" charset="0"/>
+                      </a:endParaRPr>
+                    </a:p>
+                  </a:txBody>
+                  <a:tcPr marL="68580" marR="68580" marT="0" marB="0"/>
+                </a:tc>
+                <a:tc>
+                  <a:txBody>
+                    <a:bodyPr/>
+                    <a:lstStyle/>
+                    <a:p>
+                      <a:pPr algn="ctr">
+                        <a:lnSpc>
+                          <a:spcPct val="107000"/>
+                        </a:lnSpc>
+                        <a:spcBef>
+                          <a:spcPts val="600"/>
+                        </a:spcBef>
+                        <a:spcAft>
+                          <a:spcPts val="800"/>
+                        </a:spcAft>
+                      </a:pPr>
+                      <a:r>
+                        <a:rPr lang="en-IN" sz="1200">
+                          <a:effectLst/>
+                        </a:rPr>
+                        <a:t>0.63</a:t>
+                      </a:r>
+                      <a:endParaRPr lang="en-IN" sz="1100">
+                        <a:effectLst/>
+                        <a:latin typeface="Calibri" panose="020F0502020204030204" pitchFamily="34" charset="0"/>
+                        <a:ea typeface="Calibri" panose="020F0502020204030204" pitchFamily="34" charset="0"/>
+                        <a:cs typeface="Times New Roman" panose="02020603050405020304" pitchFamily="18" charset="0"/>
+                      </a:endParaRPr>
+                    </a:p>
+                  </a:txBody>
+                  <a:tcPr marL="68580" marR="68580" marT="0" marB="0"/>
+                </a:tc>
+                <a:tc>
+                  <a:txBody>
+                    <a:bodyPr/>
+                    <a:lstStyle/>
+                    <a:p>
+                      <a:pPr algn="ctr">
+                        <a:lnSpc>
+                          <a:spcPct val="107000"/>
+                        </a:lnSpc>
+                        <a:spcBef>
+                          <a:spcPts val="600"/>
+                        </a:spcBef>
+                        <a:spcAft>
+                          <a:spcPts val="800"/>
+                        </a:spcAft>
+                      </a:pPr>
+                      <a:r>
+                        <a:rPr lang="en-IN" sz="1200">
+                          <a:effectLst/>
+                        </a:rPr>
+                        <a:t>0.71</a:t>
+                      </a:r>
+                      <a:endParaRPr lang="en-IN" sz="1100">
+                        <a:effectLst/>
+                        <a:latin typeface="Calibri" panose="020F0502020204030204" pitchFamily="34" charset="0"/>
+                        <a:ea typeface="Calibri" panose="020F0502020204030204" pitchFamily="34" charset="0"/>
+                        <a:cs typeface="Times New Roman" panose="02020603050405020304" pitchFamily="18" charset="0"/>
+                      </a:endParaRPr>
+                    </a:p>
+                  </a:txBody>
+                  <a:tcPr marL="68580" marR="68580" marT="0" marB="0"/>
+                </a:tc>
+                <a:tc>
+                  <a:txBody>
+                    <a:bodyPr/>
+                    <a:lstStyle/>
+                    <a:p>
+                      <a:pPr algn="ctr">
+                        <a:lnSpc>
+                          <a:spcPct val="107000"/>
+                        </a:lnSpc>
+                        <a:spcBef>
+                          <a:spcPts val="600"/>
+                        </a:spcBef>
+                        <a:spcAft>
+                          <a:spcPts val="800"/>
+                        </a:spcAft>
+                      </a:pPr>
+                      <a:r>
+                        <a:rPr lang="en-IN" sz="1200">
+                          <a:effectLst/>
+                        </a:rPr>
+                        <a:t>27345</a:t>
+                      </a:r>
+                      <a:endParaRPr lang="en-IN" sz="1100">
+                        <a:effectLst/>
+                        <a:latin typeface="Calibri" panose="020F0502020204030204" pitchFamily="34" charset="0"/>
+                        <a:ea typeface="Calibri" panose="020F0502020204030204" pitchFamily="34" charset="0"/>
+                        <a:cs typeface="Times New Roman" panose="02020603050405020304" pitchFamily="18" charset="0"/>
+                      </a:endParaRPr>
+                    </a:p>
+                  </a:txBody>
+                  <a:tcPr marL="68580" marR="68580" marT="0" marB="0"/>
+                </a:tc>
+                <a:extLst>
+                  <a:ext uri="{0D108BD9-81ED-4DB2-BD59-A6C34878D82A}">
+                    <a16:rowId xmlns:a16="http://schemas.microsoft.com/office/drawing/2014/main" val="2348795900"/>
+                  </a:ext>
+                </a:extLst>
+              </a:tr>
+              <a:tr h="423462">
+                <a:tc>
+                  <a:txBody>
+                    <a:bodyPr/>
+                    <a:lstStyle/>
+                    <a:p>
+                      <a:pPr algn="ctr">
+                        <a:lnSpc>
+                          <a:spcPct val="107000"/>
+                        </a:lnSpc>
+                        <a:spcBef>
+                          <a:spcPts val="600"/>
+                        </a:spcBef>
+                        <a:spcAft>
+                          <a:spcPts val="800"/>
+                        </a:spcAft>
+                      </a:pPr>
+                      <a:r>
+                        <a:rPr lang="en-IN" sz="1200">
+                          <a:effectLst/>
+                        </a:rPr>
+                        <a:t>1</a:t>
+                      </a:r>
+                      <a:endParaRPr lang="en-IN" sz="1100">
+                        <a:effectLst/>
+                        <a:latin typeface="Calibri" panose="020F0502020204030204" pitchFamily="34" charset="0"/>
+                        <a:ea typeface="Calibri" panose="020F0502020204030204" pitchFamily="34" charset="0"/>
+                        <a:cs typeface="Times New Roman" panose="02020603050405020304" pitchFamily="18" charset="0"/>
+                      </a:endParaRPr>
+                    </a:p>
+                  </a:txBody>
+                  <a:tcPr marL="68580" marR="68580" marT="0" marB="0"/>
+                </a:tc>
+                <a:tc>
+                  <a:txBody>
+                    <a:bodyPr/>
+                    <a:lstStyle/>
+                    <a:p>
+                      <a:pPr algn="ctr">
+                        <a:lnSpc>
+                          <a:spcPct val="107000"/>
+                        </a:lnSpc>
+                        <a:spcBef>
+                          <a:spcPts val="600"/>
+                        </a:spcBef>
+                        <a:spcAft>
+                          <a:spcPts val="800"/>
+                        </a:spcAft>
+                      </a:pPr>
+                      <a:r>
+                        <a:rPr lang="en-IN" sz="1200" dirty="0">
+                          <a:effectLst/>
+                        </a:rPr>
+                        <a:t>0.43</a:t>
+                      </a:r>
+                      <a:endParaRPr lang="en-IN" sz="1100" dirty="0">
+                        <a:effectLst/>
+                        <a:latin typeface="Calibri" panose="020F0502020204030204" pitchFamily="34" charset="0"/>
+                        <a:ea typeface="Calibri" panose="020F0502020204030204" pitchFamily="34" charset="0"/>
+                        <a:cs typeface="Times New Roman" panose="02020603050405020304" pitchFamily="18" charset="0"/>
+                      </a:endParaRPr>
+                    </a:p>
+                  </a:txBody>
+                  <a:tcPr marL="68580" marR="68580" marT="0" marB="0"/>
+                </a:tc>
+                <a:tc>
+                  <a:txBody>
+                    <a:bodyPr/>
+                    <a:lstStyle/>
+                    <a:p>
+                      <a:pPr algn="ctr">
+                        <a:lnSpc>
+                          <a:spcPct val="107000"/>
+                        </a:lnSpc>
+                        <a:spcBef>
+                          <a:spcPts val="600"/>
+                        </a:spcBef>
+                        <a:spcAft>
+                          <a:spcPts val="800"/>
+                        </a:spcAft>
+                      </a:pPr>
+                      <a:r>
+                        <a:rPr lang="en-IN" sz="1200">
+                          <a:effectLst/>
+                        </a:rPr>
+                        <a:t>0.67</a:t>
+                      </a:r>
+                      <a:endParaRPr lang="en-IN" sz="1100">
+                        <a:effectLst/>
+                        <a:latin typeface="Calibri" panose="020F0502020204030204" pitchFamily="34" charset="0"/>
+                        <a:ea typeface="Calibri" panose="020F0502020204030204" pitchFamily="34" charset="0"/>
+                        <a:cs typeface="Times New Roman" panose="02020603050405020304" pitchFamily="18" charset="0"/>
+                      </a:endParaRPr>
+                    </a:p>
+                  </a:txBody>
+                  <a:tcPr marL="68580" marR="68580" marT="0" marB="0"/>
+                </a:tc>
+                <a:tc>
+                  <a:txBody>
+                    <a:bodyPr/>
+                    <a:lstStyle/>
+                    <a:p>
+                      <a:pPr algn="ctr">
+                        <a:lnSpc>
+                          <a:spcPct val="107000"/>
+                        </a:lnSpc>
+                        <a:spcBef>
+                          <a:spcPts val="600"/>
+                        </a:spcBef>
+                        <a:spcAft>
+                          <a:spcPts val="800"/>
+                        </a:spcAft>
+                      </a:pPr>
+                      <a:r>
+                        <a:rPr lang="en-IN" sz="1200">
+                          <a:effectLst/>
+                        </a:rPr>
+                        <a:t>0.52</a:t>
+                      </a:r>
+                      <a:endParaRPr lang="en-IN" sz="1100">
+                        <a:effectLst/>
+                        <a:latin typeface="Calibri" panose="020F0502020204030204" pitchFamily="34" charset="0"/>
+                        <a:ea typeface="Calibri" panose="020F0502020204030204" pitchFamily="34" charset="0"/>
+                        <a:cs typeface="Times New Roman" panose="02020603050405020304" pitchFamily="18" charset="0"/>
+                      </a:endParaRPr>
+                    </a:p>
+                  </a:txBody>
+                  <a:tcPr marL="68580" marR="68580" marT="0" marB="0"/>
+                </a:tc>
+                <a:tc>
+                  <a:txBody>
+                    <a:bodyPr/>
+                    <a:lstStyle/>
+                    <a:p>
+                      <a:pPr algn="ctr">
+                        <a:lnSpc>
+                          <a:spcPct val="107000"/>
+                        </a:lnSpc>
+                        <a:spcBef>
+                          <a:spcPts val="600"/>
+                        </a:spcBef>
+                        <a:spcAft>
+                          <a:spcPts val="800"/>
+                        </a:spcAft>
+                      </a:pPr>
+                      <a:r>
+                        <a:rPr lang="en-IN" sz="1200">
+                          <a:effectLst/>
+                        </a:rPr>
+                        <a:t>11590</a:t>
+                      </a:r>
+                      <a:endParaRPr lang="en-IN" sz="1100">
+                        <a:effectLst/>
+                        <a:latin typeface="Calibri" panose="020F0502020204030204" pitchFamily="34" charset="0"/>
+                        <a:ea typeface="Calibri" panose="020F0502020204030204" pitchFamily="34" charset="0"/>
+                        <a:cs typeface="Times New Roman" panose="02020603050405020304" pitchFamily="18" charset="0"/>
+                      </a:endParaRPr>
+                    </a:p>
+                  </a:txBody>
+                  <a:tcPr marL="68580" marR="68580" marT="0" marB="0"/>
+                </a:tc>
+                <a:extLst>
+                  <a:ext uri="{0D108BD9-81ED-4DB2-BD59-A6C34878D82A}">
+                    <a16:rowId xmlns:a16="http://schemas.microsoft.com/office/drawing/2014/main" val="731500226"/>
+                  </a:ext>
+                </a:extLst>
+              </a:tr>
+              <a:tr h="447233">
+                <a:tc>
+                  <a:txBody>
+                    <a:bodyPr/>
+                    <a:lstStyle/>
+                    <a:p>
+                      <a:pPr algn="ctr">
+                        <a:lnSpc>
+                          <a:spcPct val="107000"/>
+                        </a:lnSpc>
+                        <a:spcBef>
+                          <a:spcPts val="600"/>
+                        </a:spcBef>
+                        <a:spcAft>
+                          <a:spcPts val="800"/>
+                        </a:spcAft>
+                      </a:pPr>
+                      <a:r>
+                        <a:rPr lang="en-IN" sz="1200">
+                          <a:effectLst/>
+                        </a:rPr>
+                        <a:t>Accuracy</a:t>
+                      </a:r>
+                      <a:endParaRPr lang="en-IN" sz="1100">
+                        <a:effectLst/>
+                        <a:latin typeface="Calibri" panose="020F0502020204030204" pitchFamily="34" charset="0"/>
+                        <a:ea typeface="Calibri" panose="020F0502020204030204" pitchFamily="34" charset="0"/>
+                        <a:cs typeface="Times New Roman" panose="02020603050405020304" pitchFamily="18" charset="0"/>
+                      </a:endParaRPr>
+                    </a:p>
+                  </a:txBody>
+                  <a:tcPr marL="68580" marR="68580" marT="0" marB="0"/>
+                </a:tc>
+                <a:tc>
+                  <a:txBody>
+                    <a:bodyPr/>
+                    <a:lstStyle/>
+                    <a:p>
+                      <a:pPr algn="ctr">
+                        <a:lnSpc>
+                          <a:spcPct val="107000"/>
+                        </a:lnSpc>
+                        <a:spcBef>
+                          <a:spcPts val="600"/>
+                        </a:spcBef>
+                        <a:spcAft>
+                          <a:spcPts val="800"/>
+                        </a:spcAft>
+                      </a:pPr>
+                      <a:r>
+                        <a:rPr lang="en-IN" sz="1200">
+                          <a:effectLst/>
+                        </a:rPr>
+                        <a:t> </a:t>
+                      </a:r>
+                      <a:endParaRPr lang="en-IN" sz="1100">
+                        <a:effectLst/>
+                        <a:latin typeface="Calibri" panose="020F0502020204030204" pitchFamily="34" charset="0"/>
+                        <a:ea typeface="Calibri" panose="020F0502020204030204" pitchFamily="34" charset="0"/>
+                        <a:cs typeface="Times New Roman" panose="02020603050405020304" pitchFamily="18" charset="0"/>
+                      </a:endParaRPr>
+                    </a:p>
+                  </a:txBody>
+                  <a:tcPr marL="68580" marR="68580" marT="0" marB="0"/>
+                </a:tc>
+                <a:tc>
+                  <a:txBody>
+                    <a:bodyPr/>
+                    <a:lstStyle/>
+                    <a:p>
+                      <a:pPr algn="ctr">
+                        <a:lnSpc>
+                          <a:spcPct val="107000"/>
+                        </a:lnSpc>
+                        <a:spcBef>
+                          <a:spcPts val="600"/>
+                        </a:spcBef>
+                        <a:spcAft>
+                          <a:spcPts val="800"/>
+                        </a:spcAft>
+                      </a:pPr>
+                      <a:r>
+                        <a:rPr lang="en-IN" sz="1200">
+                          <a:effectLst/>
+                        </a:rPr>
+                        <a:t> </a:t>
+                      </a:r>
+                      <a:endParaRPr lang="en-IN" sz="1100">
+                        <a:effectLst/>
+                        <a:latin typeface="Calibri" panose="020F0502020204030204" pitchFamily="34" charset="0"/>
+                        <a:ea typeface="Calibri" panose="020F0502020204030204" pitchFamily="34" charset="0"/>
+                        <a:cs typeface="Times New Roman" panose="02020603050405020304" pitchFamily="18" charset="0"/>
+                      </a:endParaRPr>
+                    </a:p>
+                  </a:txBody>
+                  <a:tcPr marL="68580" marR="68580" marT="0" marB="0"/>
+                </a:tc>
+                <a:tc>
+                  <a:txBody>
+                    <a:bodyPr/>
+                    <a:lstStyle/>
+                    <a:p>
+                      <a:pPr algn="ctr">
+                        <a:lnSpc>
+                          <a:spcPct val="107000"/>
+                        </a:lnSpc>
+                        <a:spcBef>
+                          <a:spcPts val="600"/>
+                        </a:spcBef>
+                        <a:spcAft>
+                          <a:spcPts val="800"/>
+                        </a:spcAft>
+                      </a:pPr>
+                      <a:r>
+                        <a:rPr lang="en-IN" sz="1200">
+                          <a:effectLst/>
+                        </a:rPr>
+                        <a:t>0.64</a:t>
+                      </a:r>
+                      <a:endParaRPr lang="en-IN" sz="1100">
+                        <a:effectLst/>
+                        <a:latin typeface="Calibri" panose="020F0502020204030204" pitchFamily="34" charset="0"/>
+                        <a:ea typeface="Calibri" panose="020F0502020204030204" pitchFamily="34" charset="0"/>
+                        <a:cs typeface="Times New Roman" panose="02020603050405020304" pitchFamily="18" charset="0"/>
+                      </a:endParaRPr>
+                    </a:p>
+                  </a:txBody>
+                  <a:tcPr marL="68580" marR="68580" marT="0" marB="0"/>
+                </a:tc>
+                <a:tc>
+                  <a:txBody>
+                    <a:bodyPr/>
+                    <a:lstStyle/>
+                    <a:p>
+                      <a:pPr algn="ctr">
+                        <a:lnSpc>
+                          <a:spcPct val="107000"/>
+                        </a:lnSpc>
+                        <a:spcBef>
+                          <a:spcPts val="600"/>
+                        </a:spcBef>
+                        <a:spcAft>
+                          <a:spcPts val="800"/>
+                        </a:spcAft>
+                      </a:pPr>
+                      <a:r>
+                        <a:rPr lang="en-IN" sz="1200">
+                          <a:effectLst/>
+                        </a:rPr>
+                        <a:t>38935</a:t>
+                      </a:r>
+                      <a:endParaRPr lang="en-IN" sz="1100">
+                        <a:effectLst/>
+                        <a:latin typeface="Calibri" panose="020F0502020204030204" pitchFamily="34" charset="0"/>
+                        <a:ea typeface="Calibri" panose="020F0502020204030204" pitchFamily="34" charset="0"/>
+                        <a:cs typeface="Times New Roman" panose="02020603050405020304" pitchFamily="18" charset="0"/>
+                      </a:endParaRPr>
+                    </a:p>
+                  </a:txBody>
+                  <a:tcPr marL="68580" marR="68580" marT="0" marB="0"/>
+                </a:tc>
+                <a:extLst>
+                  <a:ext uri="{0D108BD9-81ED-4DB2-BD59-A6C34878D82A}">
+                    <a16:rowId xmlns:a16="http://schemas.microsoft.com/office/drawing/2014/main" val="1204736600"/>
+                  </a:ext>
+                </a:extLst>
+              </a:tr>
+              <a:tr h="423462">
+                <a:tc>
+                  <a:txBody>
+                    <a:bodyPr/>
+                    <a:lstStyle/>
+                    <a:p>
+                      <a:pPr algn="ctr">
+                        <a:lnSpc>
+                          <a:spcPct val="107000"/>
+                        </a:lnSpc>
+                        <a:spcBef>
+                          <a:spcPts val="600"/>
+                        </a:spcBef>
+                        <a:spcAft>
+                          <a:spcPts val="800"/>
+                        </a:spcAft>
+                      </a:pPr>
+                      <a:r>
+                        <a:rPr lang="en-IN" sz="1200">
+                          <a:effectLst/>
+                        </a:rPr>
+                        <a:t>Macro average</a:t>
+                      </a:r>
+                      <a:endParaRPr lang="en-IN" sz="1100">
+                        <a:effectLst/>
+                        <a:latin typeface="Calibri" panose="020F0502020204030204" pitchFamily="34" charset="0"/>
+                        <a:ea typeface="Calibri" panose="020F0502020204030204" pitchFamily="34" charset="0"/>
+                        <a:cs typeface="Times New Roman" panose="02020603050405020304" pitchFamily="18" charset="0"/>
+                      </a:endParaRPr>
+                    </a:p>
+                  </a:txBody>
+                  <a:tcPr marL="68580" marR="68580" marT="0" marB="0"/>
+                </a:tc>
+                <a:tc>
+                  <a:txBody>
+                    <a:bodyPr/>
+                    <a:lstStyle/>
+                    <a:p>
+                      <a:pPr algn="ctr">
+                        <a:lnSpc>
+                          <a:spcPct val="107000"/>
+                        </a:lnSpc>
+                        <a:spcBef>
+                          <a:spcPts val="600"/>
+                        </a:spcBef>
+                        <a:spcAft>
+                          <a:spcPts val="800"/>
+                        </a:spcAft>
+                      </a:pPr>
+                      <a:r>
+                        <a:rPr lang="en-IN" sz="1200">
+                          <a:effectLst/>
+                        </a:rPr>
+                        <a:t>0.62</a:t>
+                      </a:r>
+                      <a:endParaRPr lang="en-IN" sz="1100">
+                        <a:effectLst/>
+                        <a:latin typeface="Calibri" panose="020F0502020204030204" pitchFamily="34" charset="0"/>
+                        <a:ea typeface="Calibri" panose="020F0502020204030204" pitchFamily="34" charset="0"/>
+                        <a:cs typeface="Times New Roman" panose="02020603050405020304" pitchFamily="18" charset="0"/>
+                      </a:endParaRPr>
+                    </a:p>
+                  </a:txBody>
+                  <a:tcPr marL="68580" marR="68580" marT="0" marB="0"/>
+                </a:tc>
+                <a:tc>
+                  <a:txBody>
+                    <a:bodyPr/>
+                    <a:lstStyle/>
+                    <a:p>
+                      <a:pPr algn="ctr">
+                        <a:lnSpc>
+                          <a:spcPct val="107000"/>
+                        </a:lnSpc>
+                        <a:spcBef>
+                          <a:spcPts val="600"/>
+                        </a:spcBef>
+                        <a:spcAft>
+                          <a:spcPts val="800"/>
+                        </a:spcAft>
+                      </a:pPr>
+                      <a:r>
+                        <a:rPr lang="en-IN" sz="1200">
+                          <a:effectLst/>
+                        </a:rPr>
+                        <a:t>0.65</a:t>
+                      </a:r>
+                      <a:endParaRPr lang="en-IN" sz="1100">
+                        <a:effectLst/>
+                        <a:latin typeface="Calibri" panose="020F0502020204030204" pitchFamily="34" charset="0"/>
+                        <a:ea typeface="Calibri" panose="020F0502020204030204" pitchFamily="34" charset="0"/>
+                        <a:cs typeface="Times New Roman" panose="02020603050405020304" pitchFamily="18" charset="0"/>
+                      </a:endParaRPr>
+                    </a:p>
+                  </a:txBody>
+                  <a:tcPr marL="68580" marR="68580" marT="0" marB="0"/>
+                </a:tc>
+                <a:tc>
+                  <a:txBody>
+                    <a:bodyPr/>
+                    <a:lstStyle/>
+                    <a:p>
+                      <a:pPr algn="ctr">
+                        <a:lnSpc>
+                          <a:spcPct val="107000"/>
+                        </a:lnSpc>
+                        <a:spcBef>
+                          <a:spcPts val="600"/>
+                        </a:spcBef>
+                        <a:spcAft>
+                          <a:spcPts val="800"/>
+                        </a:spcAft>
+                      </a:pPr>
+                      <a:r>
+                        <a:rPr lang="en-IN" sz="1200">
+                          <a:effectLst/>
+                        </a:rPr>
+                        <a:t>0.62</a:t>
+                      </a:r>
+                      <a:endParaRPr lang="en-IN" sz="1100">
+                        <a:effectLst/>
+                        <a:latin typeface="Calibri" panose="020F0502020204030204" pitchFamily="34" charset="0"/>
+                        <a:ea typeface="Calibri" panose="020F0502020204030204" pitchFamily="34" charset="0"/>
+                        <a:cs typeface="Times New Roman" panose="02020603050405020304" pitchFamily="18" charset="0"/>
+                      </a:endParaRPr>
+                    </a:p>
+                  </a:txBody>
+                  <a:tcPr marL="68580" marR="68580" marT="0" marB="0"/>
+                </a:tc>
+                <a:tc>
+                  <a:txBody>
+                    <a:bodyPr/>
+                    <a:lstStyle/>
+                    <a:p>
+                      <a:pPr algn="ctr">
+                        <a:lnSpc>
+                          <a:spcPct val="107000"/>
+                        </a:lnSpc>
+                        <a:spcBef>
+                          <a:spcPts val="600"/>
+                        </a:spcBef>
+                        <a:spcAft>
+                          <a:spcPts val="800"/>
+                        </a:spcAft>
+                      </a:pPr>
+                      <a:r>
+                        <a:rPr lang="en-IN" sz="1200">
+                          <a:effectLst/>
+                        </a:rPr>
+                        <a:t>38935</a:t>
+                      </a:r>
+                      <a:endParaRPr lang="en-IN" sz="1100">
+                        <a:effectLst/>
+                        <a:latin typeface="Calibri" panose="020F0502020204030204" pitchFamily="34" charset="0"/>
+                        <a:ea typeface="Calibri" panose="020F0502020204030204" pitchFamily="34" charset="0"/>
+                        <a:cs typeface="Times New Roman" panose="02020603050405020304" pitchFamily="18" charset="0"/>
+                      </a:endParaRPr>
+                    </a:p>
+                  </a:txBody>
+                  <a:tcPr marL="68580" marR="68580" marT="0" marB="0"/>
+                </a:tc>
+                <a:extLst>
+                  <a:ext uri="{0D108BD9-81ED-4DB2-BD59-A6C34878D82A}">
+                    <a16:rowId xmlns:a16="http://schemas.microsoft.com/office/drawing/2014/main" val="396137257"/>
+                  </a:ext>
+                </a:extLst>
+              </a:tr>
+              <a:tr h="530693">
+                <a:tc>
+                  <a:txBody>
+                    <a:bodyPr/>
+                    <a:lstStyle/>
+                    <a:p>
+                      <a:pPr algn="ctr">
+                        <a:lnSpc>
+                          <a:spcPct val="107000"/>
+                        </a:lnSpc>
+                        <a:spcBef>
+                          <a:spcPts val="600"/>
+                        </a:spcBef>
+                        <a:spcAft>
+                          <a:spcPts val="800"/>
+                        </a:spcAft>
+                      </a:pPr>
+                      <a:r>
+                        <a:rPr lang="en-IN" sz="1200">
+                          <a:effectLst/>
+                        </a:rPr>
+                        <a:t>Weighted average</a:t>
+                      </a:r>
+                      <a:endParaRPr lang="en-IN" sz="1100">
+                        <a:effectLst/>
+                        <a:latin typeface="Calibri" panose="020F0502020204030204" pitchFamily="34" charset="0"/>
+                        <a:ea typeface="Calibri" panose="020F0502020204030204" pitchFamily="34" charset="0"/>
+                        <a:cs typeface="Times New Roman" panose="02020603050405020304" pitchFamily="18" charset="0"/>
+                      </a:endParaRPr>
+                    </a:p>
+                  </a:txBody>
+                  <a:tcPr marL="68580" marR="68580" marT="0" marB="0"/>
+                </a:tc>
+                <a:tc>
+                  <a:txBody>
+                    <a:bodyPr/>
+                    <a:lstStyle/>
+                    <a:p>
+                      <a:pPr algn="ctr">
+                        <a:lnSpc>
+                          <a:spcPct val="107000"/>
+                        </a:lnSpc>
+                        <a:spcBef>
+                          <a:spcPts val="600"/>
+                        </a:spcBef>
+                        <a:spcAft>
+                          <a:spcPts val="800"/>
+                        </a:spcAft>
+                      </a:pPr>
+                      <a:r>
+                        <a:rPr lang="en-IN" sz="1200">
+                          <a:effectLst/>
+                        </a:rPr>
+                        <a:t>0.70</a:t>
+                      </a:r>
+                      <a:endParaRPr lang="en-IN" sz="1100">
+                        <a:effectLst/>
+                        <a:latin typeface="Calibri" panose="020F0502020204030204" pitchFamily="34" charset="0"/>
+                        <a:ea typeface="Calibri" panose="020F0502020204030204" pitchFamily="34" charset="0"/>
+                        <a:cs typeface="Times New Roman" panose="02020603050405020304" pitchFamily="18" charset="0"/>
+                      </a:endParaRPr>
+                    </a:p>
+                  </a:txBody>
+                  <a:tcPr marL="68580" marR="68580" marT="0" marB="0"/>
+                </a:tc>
+                <a:tc>
+                  <a:txBody>
+                    <a:bodyPr/>
+                    <a:lstStyle/>
+                    <a:p>
+                      <a:pPr algn="ctr">
+                        <a:lnSpc>
+                          <a:spcPct val="107000"/>
+                        </a:lnSpc>
+                        <a:spcBef>
+                          <a:spcPts val="600"/>
+                        </a:spcBef>
+                        <a:spcAft>
+                          <a:spcPts val="800"/>
+                        </a:spcAft>
+                      </a:pPr>
+                      <a:r>
+                        <a:rPr lang="en-IN" sz="1200">
+                          <a:effectLst/>
+                        </a:rPr>
+                        <a:t>0.64</a:t>
+                      </a:r>
+                      <a:endParaRPr lang="en-IN" sz="1100">
+                        <a:effectLst/>
+                        <a:latin typeface="Calibri" panose="020F0502020204030204" pitchFamily="34" charset="0"/>
+                        <a:ea typeface="Calibri" panose="020F0502020204030204" pitchFamily="34" charset="0"/>
+                        <a:cs typeface="Times New Roman" panose="02020603050405020304" pitchFamily="18" charset="0"/>
+                      </a:endParaRPr>
+                    </a:p>
+                  </a:txBody>
+                  <a:tcPr marL="68580" marR="68580" marT="0" marB="0"/>
+                </a:tc>
+                <a:tc>
+                  <a:txBody>
+                    <a:bodyPr/>
+                    <a:lstStyle/>
+                    <a:p>
+                      <a:pPr algn="ctr">
+                        <a:lnSpc>
+                          <a:spcPct val="107000"/>
+                        </a:lnSpc>
+                        <a:spcBef>
+                          <a:spcPts val="600"/>
+                        </a:spcBef>
+                        <a:spcAft>
+                          <a:spcPts val="800"/>
+                        </a:spcAft>
+                      </a:pPr>
+                      <a:r>
+                        <a:rPr lang="en-IN" sz="1200">
+                          <a:effectLst/>
+                        </a:rPr>
+                        <a:t>0.65</a:t>
+                      </a:r>
+                      <a:endParaRPr lang="en-IN" sz="1100">
+                        <a:effectLst/>
+                        <a:latin typeface="Calibri" panose="020F0502020204030204" pitchFamily="34" charset="0"/>
+                        <a:ea typeface="Calibri" panose="020F0502020204030204" pitchFamily="34" charset="0"/>
+                        <a:cs typeface="Times New Roman" panose="02020603050405020304" pitchFamily="18" charset="0"/>
+                      </a:endParaRPr>
+                    </a:p>
+                  </a:txBody>
+                  <a:tcPr marL="68580" marR="68580" marT="0" marB="0"/>
+                </a:tc>
+                <a:tc>
+                  <a:txBody>
+                    <a:bodyPr/>
+                    <a:lstStyle/>
+                    <a:p>
+                      <a:pPr algn="ctr">
+                        <a:lnSpc>
+                          <a:spcPct val="107000"/>
+                        </a:lnSpc>
+                        <a:spcBef>
+                          <a:spcPts val="600"/>
+                        </a:spcBef>
+                        <a:spcAft>
+                          <a:spcPts val="800"/>
+                        </a:spcAft>
+                      </a:pPr>
+                      <a:r>
+                        <a:rPr lang="en-IN" sz="1200">
+                          <a:effectLst/>
+                        </a:rPr>
+                        <a:t>38935</a:t>
+                      </a:r>
+                      <a:endParaRPr lang="en-IN" sz="1100">
+                        <a:effectLst/>
+                        <a:latin typeface="Calibri" panose="020F0502020204030204" pitchFamily="34" charset="0"/>
+                        <a:ea typeface="Calibri" panose="020F0502020204030204" pitchFamily="34" charset="0"/>
+                        <a:cs typeface="Times New Roman" panose="02020603050405020304" pitchFamily="18" charset="0"/>
+                      </a:endParaRPr>
+                    </a:p>
+                  </a:txBody>
+                  <a:tcPr marL="68580" marR="68580" marT="0" marB="0"/>
+                </a:tc>
+                <a:extLst>
+                  <a:ext uri="{0D108BD9-81ED-4DB2-BD59-A6C34878D82A}">
+                    <a16:rowId xmlns:a16="http://schemas.microsoft.com/office/drawing/2014/main" val="3714488481"/>
+                  </a:ext>
+                </a:extLst>
+              </a:tr>
+              <a:tr h="423462">
+                <a:tc>
+                  <a:txBody>
+                    <a:bodyPr/>
+                    <a:lstStyle/>
+                    <a:p>
+                      <a:pPr algn="ctr">
+                        <a:lnSpc>
+                          <a:spcPct val="107000"/>
+                        </a:lnSpc>
+                        <a:spcBef>
+                          <a:spcPts val="600"/>
+                        </a:spcBef>
+                        <a:spcAft>
+                          <a:spcPts val="800"/>
+                        </a:spcAft>
+                      </a:pPr>
+                      <a:r>
+                        <a:rPr lang="en-IN" sz="1200">
+                          <a:effectLst/>
+                        </a:rPr>
+                        <a:t>Log loss</a:t>
+                      </a:r>
+                      <a:endParaRPr lang="en-IN" sz="1100">
+                        <a:effectLst/>
+                        <a:latin typeface="Calibri" panose="020F0502020204030204" pitchFamily="34" charset="0"/>
+                        <a:ea typeface="Calibri" panose="020F0502020204030204" pitchFamily="34" charset="0"/>
+                        <a:cs typeface="Times New Roman" panose="02020603050405020304" pitchFamily="18" charset="0"/>
+                      </a:endParaRPr>
+                    </a:p>
+                  </a:txBody>
+                  <a:tcPr marL="68580" marR="68580" marT="0" marB="0"/>
+                </a:tc>
+                <a:tc>
+                  <a:txBody>
+                    <a:bodyPr/>
+                    <a:lstStyle/>
+                    <a:p>
+                      <a:pPr algn="ctr">
+                        <a:lnSpc>
+                          <a:spcPct val="107000"/>
+                        </a:lnSpc>
+                        <a:spcBef>
+                          <a:spcPts val="600"/>
+                        </a:spcBef>
+                        <a:spcAft>
+                          <a:spcPts val="800"/>
+                        </a:spcAft>
+                      </a:pPr>
+                      <a:r>
+                        <a:rPr lang="en-IN" sz="1200">
+                          <a:effectLst/>
+                        </a:rPr>
+                        <a:t> </a:t>
+                      </a:r>
+                      <a:endParaRPr lang="en-IN" sz="1100">
+                        <a:effectLst/>
+                        <a:latin typeface="Calibri" panose="020F0502020204030204" pitchFamily="34" charset="0"/>
+                        <a:ea typeface="Calibri" panose="020F0502020204030204" pitchFamily="34" charset="0"/>
+                        <a:cs typeface="Times New Roman" panose="02020603050405020304" pitchFamily="18" charset="0"/>
+                      </a:endParaRPr>
+                    </a:p>
+                  </a:txBody>
+                  <a:tcPr marL="68580" marR="68580" marT="0" marB="0"/>
+                </a:tc>
+                <a:tc>
+                  <a:txBody>
+                    <a:bodyPr/>
+                    <a:lstStyle/>
+                    <a:p>
+                      <a:pPr algn="ctr">
+                        <a:lnSpc>
+                          <a:spcPct val="107000"/>
+                        </a:lnSpc>
+                        <a:spcBef>
+                          <a:spcPts val="600"/>
+                        </a:spcBef>
+                        <a:spcAft>
+                          <a:spcPts val="800"/>
+                        </a:spcAft>
+                      </a:pPr>
+                      <a:r>
+                        <a:rPr lang="en-IN" sz="1200">
+                          <a:effectLst/>
+                        </a:rPr>
+                        <a:t> </a:t>
+                      </a:r>
+                      <a:endParaRPr lang="en-IN" sz="1100">
+                        <a:effectLst/>
+                        <a:latin typeface="Calibri" panose="020F0502020204030204" pitchFamily="34" charset="0"/>
+                        <a:ea typeface="Calibri" panose="020F0502020204030204" pitchFamily="34" charset="0"/>
+                        <a:cs typeface="Times New Roman" panose="02020603050405020304" pitchFamily="18" charset="0"/>
+                      </a:endParaRPr>
+                    </a:p>
+                  </a:txBody>
+                  <a:tcPr marL="68580" marR="68580" marT="0" marB="0"/>
+                </a:tc>
+                <a:tc>
+                  <a:txBody>
+                    <a:bodyPr/>
+                    <a:lstStyle/>
+                    <a:p>
+                      <a:pPr algn="ctr">
+                        <a:lnSpc>
+                          <a:spcPct val="107000"/>
+                        </a:lnSpc>
+                        <a:spcBef>
+                          <a:spcPts val="600"/>
+                        </a:spcBef>
+                        <a:spcAft>
+                          <a:spcPts val="800"/>
+                        </a:spcAft>
+                      </a:pPr>
+                      <a:r>
+                        <a:rPr lang="en-IN" sz="1200">
+                          <a:effectLst/>
+                        </a:rPr>
+                        <a:t>0.63</a:t>
+                      </a:r>
+                      <a:endParaRPr lang="en-IN" sz="1100">
+                        <a:effectLst/>
+                        <a:latin typeface="Calibri" panose="020F0502020204030204" pitchFamily="34" charset="0"/>
+                        <a:ea typeface="Calibri" panose="020F0502020204030204" pitchFamily="34" charset="0"/>
+                        <a:cs typeface="Times New Roman" panose="02020603050405020304" pitchFamily="18" charset="0"/>
+                      </a:endParaRPr>
+                    </a:p>
+                  </a:txBody>
+                  <a:tcPr marL="68580" marR="68580" marT="0" marB="0"/>
+                </a:tc>
+                <a:tc>
+                  <a:txBody>
+                    <a:bodyPr/>
+                    <a:lstStyle/>
+                    <a:p>
+                      <a:pPr algn="ctr">
+                        <a:lnSpc>
+                          <a:spcPct val="107000"/>
+                        </a:lnSpc>
+                        <a:spcBef>
+                          <a:spcPts val="600"/>
+                        </a:spcBef>
+                        <a:spcAft>
+                          <a:spcPts val="800"/>
+                        </a:spcAft>
+                      </a:pPr>
+                      <a:r>
+                        <a:rPr lang="en-IN" sz="1200" dirty="0">
+                          <a:effectLst/>
+                        </a:rPr>
+                        <a:t> </a:t>
+                      </a:r>
+                      <a:endParaRPr lang="en-IN" sz="1100" dirty="0">
+                        <a:effectLst/>
+                        <a:latin typeface="Calibri" panose="020F0502020204030204" pitchFamily="34" charset="0"/>
+                        <a:ea typeface="Calibri" panose="020F0502020204030204" pitchFamily="34" charset="0"/>
+                        <a:cs typeface="Times New Roman" panose="02020603050405020304" pitchFamily="18" charset="0"/>
+                      </a:endParaRPr>
+                    </a:p>
+                  </a:txBody>
+                  <a:tcPr marL="68580" marR="68580" marT="0" marB="0"/>
+                </a:tc>
+                <a:extLst>
+                  <a:ext uri="{0D108BD9-81ED-4DB2-BD59-A6C34878D82A}">
+                    <a16:rowId xmlns:a16="http://schemas.microsoft.com/office/drawing/2014/main" val="291664279"/>
+                  </a:ext>
+                </a:extLst>
+              </a:tr>
+            </a:tbl>
+          </a:graphicData>
+        </a:graphic>
+      </p:graphicFrame>
     </p:spTree>
     <p:extLst>
       <p:ext uri="{BB962C8B-B14F-4D97-AF65-F5344CB8AC3E}">
-        <p14:creationId xmlns:p14="http://schemas.microsoft.com/office/powerpoint/2010/main" val="1818111110"/>
+        <p14:creationId xmlns:p14="http://schemas.microsoft.com/office/powerpoint/2010/main" val="1908697213"/>
       </p:ext>
     </p:extLst>
   </p:cSld>
   <p:clrMapOvr>
     <a:masterClrMapping/>
   </p:clrMapOvr>
-  <mc:AlternateContent xmlns:mc="http://schemas.openxmlformats.org/markup-compatibility/2006">
-    <mc:Choice xmlns:p159="http://schemas.microsoft.com/office/powerpoint/2015/09/main" Requires="p159">
+  <mc:AlternateContent xmlns:mc="http://schemas.openxmlformats.org/markup-compatibility/2006" xmlns:p159="http://schemas.microsoft.com/office/powerpoint/2015/09/main">
+    <mc:Choice Requires="p159">
       <p:transition xmlns:p14="http://schemas.microsoft.com/office/powerpoint/2010/main" spd="slow" p14:dur="2000">
         <p159:morph option="byObject"/>
       </p:transition>
     </mc:Choice>
-    <mc:Fallback>
+    <mc:Fallback xmlns="">
       <p:transition spd="slow">
         <p:fade/>
       </p:transition>
@@ -3564,6 +4843,25 @@
 <file path=ppt/slides/slide11.xml><?xml version="1.0" encoding="utf-8"?>
 <p:sld xmlns:a="http://schemas.openxmlformats.org/drawingml/2006/main" xmlns:r="http://schemas.openxmlformats.org/officeDocument/2006/relationships" xmlns:p="http://schemas.openxmlformats.org/presentationml/2006/main">
   <p:cSld>
+    <p:bg>
+      <p:bgPr>
+        <a:gradFill rotWithShape="1">
+          <a:gsLst>
+            <a:gs pos="0">
+              <a:schemeClr val="tx1"/>
+            </a:gs>
+            <a:gs pos="50000">
+              <a:schemeClr val="tx1"/>
+            </a:gs>
+            <a:gs pos="100000">
+              <a:schemeClr val="tx1"/>
+            </a:gs>
+          </a:gsLst>
+          <a:lin ang="5400000" scaled="0"/>
+        </a:gradFill>
+        <a:effectLst/>
+      </p:bgPr>
+    </p:bg>
     <p:spTree>
       <p:nvGrpSpPr>
         <p:cNvPr id="1" name=""/>
@@ -3578,73 +4876,112 @@
           <a:chExt cx="0" cy="0"/>
         </a:xfrm>
       </p:grpSpPr>
+      <p:pic>
+        <p:nvPicPr>
+          <p:cNvPr id="4" name="Picture 3">
+            <a:extLst>
+              <a:ext uri="{FF2B5EF4-FFF2-40B4-BE49-F238E27FC236}">
+                <a16:creationId xmlns:a16="http://schemas.microsoft.com/office/drawing/2014/main" id="{5A101DA4-7249-4C23-BEA6-020CBD897B9B}"/>
+              </a:ext>
+            </a:extLst>
+          </p:cNvPr>
+          <p:cNvPicPr/>
+          <p:nvPr/>
+        </p:nvPicPr>
+        <p:blipFill>
+          <a:blip r:embed="rId2">
+            <a:extLst>
+              <a:ext uri="{28A0092B-C50C-407E-A947-70E740481C1C}">
+                <a14:useLocalDpi xmlns:a14="http://schemas.microsoft.com/office/drawing/2010/main" val="0"/>
+              </a:ext>
+            </a:extLst>
+          </a:blip>
+          <a:srcRect/>
+          <a:stretch>
+            <a:fillRect/>
+          </a:stretch>
+        </p:blipFill>
+        <p:spPr bwMode="auto">
+          <a:xfrm>
+            <a:off x="1588957" y="314792"/>
+            <a:ext cx="8379502" cy="6250899"/>
+          </a:xfrm>
+          <a:prstGeom prst="rect">
+            <a:avLst/>
+          </a:prstGeom>
+          <a:noFill/>
+          <a:ln>
+            <a:noFill/>
+          </a:ln>
+        </p:spPr>
+      </p:pic>
       <p:sp>
         <p:nvSpPr>
-          <p:cNvPr id="2" name="Title 1">
-            <a:extLst>
-              <a:ext uri="{FF2B5EF4-FFF2-40B4-BE49-F238E27FC236}">
-                <a16:creationId xmlns:a16="http://schemas.microsoft.com/office/drawing/2014/main" id="{3664C017-D707-42F6-BF82-6B6C3A666635}"/>
-              </a:ext>
-            </a:extLst>
-          </p:cNvPr>
-          <p:cNvSpPr>
-            <a:spLocks noGrp="1"/>
-          </p:cNvSpPr>
-          <p:nvPr>
-            <p:ph type="title"/>
-          </p:nvPr>
+          <p:cNvPr id="5" name="Rectangle 4">
+            <a:extLst>
+              <a:ext uri="{FF2B5EF4-FFF2-40B4-BE49-F238E27FC236}">
+                <a16:creationId xmlns:a16="http://schemas.microsoft.com/office/drawing/2014/main" id="{12743D4E-606E-47A7-9345-7CFA4A1BFD4F}"/>
+              </a:ext>
+            </a:extLst>
+          </p:cNvPr>
+          <p:cNvSpPr/>
+          <p:nvPr/>
         </p:nvSpPr>
-        <p:spPr/>
+        <p:spPr>
+          <a:xfrm>
+            <a:off x="1588957" y="314792"/>
+            <a:ext cx="4362138" cy="524657"/>
+          </a:xfrm>
+          <a:prstGeom prst="rect">
+            <a:avLst/>
+          </a:prstGeom>
+        </p:spPr>
+        <p:style>
+          <a:lnRef idx="2">
+            <a:schemeClr val="accent1">
+              <a:shade val="50000"/>
+            </a:schemeClr>
+          </a:lnRef>
+          <a:fillRef idx="1">
+            <a:schemeClr val="accent1"/>
+          </a:fillRef>
+          <a:effectRef idx="0">
+            <a:schemeClr val="accent1"/>
+          </a:effectRef>
+          <a:fontRef idx="minor">
+            <a:schemeClr val="lt1"/>
+          </a:fontRef>
+        </p:style>
         <p:txBody>
-          <a:bodyPr/>
+          <a:bodyPr rtlCol="0" anchor="ctr"/>
           <a:lstStyle/>
           <a:p>
-            <a:endParaRPr lang="en-IN"/>
-          </a:p>
-        </p:txBody>
-      </p:sp>
-      <p:sp>
-        <p:nvSpPr>
-          <p:cNvPr id="3" name="Content Placeholder 2">
-            <a:extLst>
-              <a:ext uri="{FF2B5EF4-FFF2-40B4-BE49-F238E27FC236}">
-                <a16:creationId xmlns:a16="http://schemas.microsoft.com/office/drawing/2014/main" id="{E0341AA2-E753-4161-B67C-81AD778DC8BF}"/>
-              </a:ext>
-            </a:extLst>
-          </p:cNvPr>
-          <p:cNvSpPr>
-            <a:spLocks noGrp="1"/>
-          </p:cNvSpPr>
-          <p:nvPr>
-            <p:ph idx="1"/>
-          </p:nvPr>
-        </p:nvSpPr>
-        <p:spPr/>
-        <p:txBody>
-          <a:bodyPr/>
-          <a:lstStyle/>
-          <a:p>
-            <a:endParaRPr lang="en-IN"/>
+            <a:pPr algn="ctr"/>
+            <a:r>
+              <a:rPr lang="en-US" sz="2400" b="1" dirty="0"/>
+              <a:t>Confusion Matrix</a:t>
+            </a:r>
+            <a:endParaRPr lang="en-IN" b="1" dirty="0"/>
           </a:p>
         </p:txBody>
       </p:sp>
     </p:spTree>
     <p:extLst>
       <p:ext uri="{BB962C8B-B14F-4D97-AF65-F5344CB8AC3E}">
-        <p14:creationId xmlns:p14="http://schemas.microsoft.com/office/powerpoint/2010/main" val="3754313646"/>
+        <p14:creationId xmlns:p14="http://schemas.microsoft.com/office/powerpoint/2010/main" val="212726525"/>
       </p:ext>
     </p:extLst>
   </p:cSld>
   <p:clrMapOvr>
     <a:masterClrMapping/>
   </p:clrMapOvr>
-  <mc:AlternateContent xmlns:mc="http://schemas.openxmlformats.org/markup-compatibility/2006">
-    <mc:Choice xmlns:p159="http://schemas.microsoft.com/office/powerpoint/2015/09/main" Requires="p159">
+  <mc:AlternateContent xmlns:mc="http://schemas.openxmlformats.org/markup-compatibility/2006" xmlns:p159="http://schemas.microsoft.com/office/powerpoint/2015/09/main">
+    <mc:Choice Requires="p159">
       <p:transition xmlns:p14="http://schemas.microsoft.com/office/powerpoint/2010/main" spd="slow" p14:dur="2000">
         <p159:morph option="byObject"/>
       </p:transition>
     </mc:Choice>
-    <mc:Fallback>
+    <mc:Fallback xmlns="">
       <p:transition spd="slow">
         <p:fade/>
       </p:transition>
@@ -3693,7 +5030,7 @@
           <a:p>
             <a:r>
               <a:rPr lang="en-US" dirty="0"/>
-              <a:t>Results:</a:t>
+              <a:t>Model Evaluation:</a:t>
             </a:r>
             <a:endParaRPr lang="en-IN" dirty="0"/>
           </a:p>
@@ -3720,14 +5057,51 @@
           <a:bodyPr/>
           <a:lstStyle/>
           <a:p>
-            <a:endParaRPr lang="en-IN"/>
+            <a:endParaRPr lang="en-US" dirty="0"/>
+          </a:p>
+          <a:p>
+            <a:r>
+              <a:rPr lang="en-US" dirty="0"/>
+              <a:t>Accuracy Score: </a:t>
+            </a:r>
+            <a:r>
+              <a:rPr lang="en-US" b="1" dirty="0"/>
+              <a:t>0.63850006420958</a:t>
+            </a:r>
+          </a:p>
+          <a:p>
+            <a:endParaRPr lang="en-US" dirty="0"/>
+          </a:p>
+          <a:p>
+            <a:r>
+              <a:rPr lang="en-US" dirty="0"/>
+              <a:t>F1 – Score: </a:t>
+            </a:r>
+            <a:r>
+              <a:rPr lang="en-IN" b="1" dirty="0"/>
+              <a:t>0.5240912933220624</a:t>
+            </a:r>
+            <a:endParaRPr lang="en-US" b="1" dirty="0"/>
+          </a:p>
+          <a:p>
+            <a:endParaRPr lang="en-IN" dirty="0"/>
+          </a:p>
+          <a:p>
+            <a:r>
+              <a:rPr lang="en-IN" dirty="0"/>
+              <a:t>Log Loss: </a:t>
+            </a:r>
+            <a:r>
+              <a:rPr lang="en-IN" b="1" dirty="0"/>
+              <a:t>0.6311264004171047</a:t>
+            </a:r>
           </a:p>
         </p:txBody>
       </p:sp>
     </p:spTree>
     <p:extLst>
       <p:ext uri="{BB962C8B-B14F-4D97-AF65-F5344CB8AC3E}">
-        <p14:creationId xmlns:p14="http://schemas.microsoft.com/office/powerpoint/2010/main" val="779334792"/>
+        <p14:creationId xmlns:p14="http://schemas.microsoft.com/office/powerpoint/2010/main" val="4179605247"/>
       </p:ext>
     </p:extLst>
   </p:cSld>
@@ -3789,7 +5163,7 @@
           <a:p>
             <a:r>
               <a:rPr lang="en-US" dirty="0"/>
-              <a:t>Discussion:</a:t>
+              <a:t>Decision Tree:</a:t>
             </a:r>
             <a:endParaRPr lang="en-IN" dirty="0"/>
           </a:p>
@@ -3816,27 +5190,1134 @@
           <a:bodyPr/>
           <a:lstStyle/>
           <a:p>
-            <a:endParaRPr lang="en-IN"/>
+            <a:r>
+              <a:rPr lang="en-US" dirty="0"/>
+              <a:t>Decision Tree Classifier</a:t>
+            </a:r>
+          </a:p>
+          <a:p>
+            <a:r>
+              <a:rPr lang="en-US" dirty="0"/>
+              <a:t>Scikit-Learn Library</a:t>
+            </a:r>
+          </a:p>
+          <a:p>
+            <a:r>
+              <a:rPr lang="en-US" dirty="0"/>
+              <a:t>Parameters: Criterion = “entropy”, </a:t>
+            </a:r>
+            <a:r>
+              <a:rPr lang="en-US" dirty="0" err="1"/>
+              <a:t>max_depth</a:t>
+            </a:r>
+            <a:r>
+              <a:rPr lang="en-US" dirty="0"/>
+              <a:t> = 4</a:t>
+            </a:r>
+          </a:p>
+          <a:p>
+            <a:r>
+              <a:rPr lang="en-US" dirty="0"/>
+              <a:t>Classification Report:</a:t>
+            </a:r>
+          </a:p>
+          <a:p>
+            <a:pPr marL="0" indent="0">
+              <a:buNone/>
+            </a:pPr>
+            <a:endParaRPr lang="en-US" dirty="0"/>
+          </a:p>
+          <a:p>
+            <a:endParaRPr lang="en-IN" dirty="0"/>
           </a:p>
         </p:txBody>
       </p:sp>
+      <p:graphicFrame>
+        <p:nvGraphicFramePr>
+          <p:cNvPr id="4" name="Table 3">
+            <a:extLst>
+              <a:ext uri="{FF2B5EF4-FFF2-40B4-BE49-F238E27FC236}">
+                <a16:creationId xmlns:a16="http://schemas.microsoft.com/office/drawing/2014/main" id="{04DF19B0-8B29-477A-BA1A-F64C4094944E}"/>
+              </a:ext>
+            </a:extLst>
+          </p:cNvPr>
+          <p:cNvGraphicFramePr>
+            <a:graphicFrameLocks noGrp="1"/>
+          </p:cNvGraphicFramePr>
+          <p:nvPr>
+            <p:extLst>
+              <p:ext uri="{D42A27DB-BD31-4B8C-83A1-F6EECF244321}">
+                <p14:modId xmlns:p14="http://schemas.microsoft.com/office/powerpoint/2010/main" val="1495325714"/>
+              </p:ext>
+            </p:extLst>
+          </p:nvPr>
+        </p:nvGraphicFramePr>
+        <p:xfrm>
+          <a:off x="4631661" y="3429000"/>
+          <a:ext cx="6722139" cy="3211644"/>
+        </p:xfrm>
+        <a:graphic>
+          <a:graphicData uri="http://schemas.openxmlformats.org/drawingml/2006/table">
+            <a:tbl>
+              <a:tblPr firstRow="1" firstCol="1" bandRow="1">
+                <a:tableStyleId>{5C22544A-7EE6-4342-B048-85BDC9FD1C3A}</a:tableStyleId>
+              </a:tblPr>
+              <a:tblGrid>
+                <a:gridCol w="1344133">
+                  <a:extLst>
+                    <a:ext uri="{9D8B030D-6E8A-4147-A177-3AD203B41FA5}">
+                      <a16:colId xmlns:a16="http://schemas.microsoft.com/office/drawing/2014/main" val="1447737588"/>
+                    </a:ext>
+                  </a:extLst>
+                </a:gridCol>
+                <a:gridCol w="1344133">
+                  <a:extLst>
+                    <a:ext uri="{9D8B030D-6E8A-4147-A177-3AD203B41FA5}">
+                      <a16:colId xmlns:a16="http://schemas.microsoft.com/office/drawing/2014/main" val="2977457053"/>
+                    </a:ext>
+                  </a:extLst>
+                </a:gridCol>
+                <a:gridCol w="1344133">
+                  <a:extLst>
+                    <a:ext uri="{9D8B030D-6E8A-4147-A177-3AD203B41FA5}">
+                      <a16:colId xmlns:a16="http://schemas.microsoft.com/office/drawing/2014/main" val="2592967958"/>
+                    </a:ext>
+                  </a:extLst>
+                </a:gridCol>
+                <a:gridCol w="1344133">
+                  <a:extLst>
+                    <a:ext uri="{9D8B030D-6E8A-4147-A177-3AD203B41FA5}">
+                      <a16:colId xmlns:a16="http://schemas.microsoft.com/office/drawing/2014/main" val="399456897"/>
+                    </a:ext>
+                  </a:extLst>
+                </a:gridCol>
+                <a:gridCol w="1345607">
+                  <a:extLst>
+                    <a:ext uri="{9D8B030D-6E8A-4147-A177-3AD203B41FA5}">
+                      <a16:colId xmlns:a16="http://schemas.microsoft.com/office/drawing/2014/main" val="2366752115"/>
+                    </a:ext>
+                  </a:extLst>
+                </a:gridCol>
+              </a:tblGrid>
+              <a:tr h="504540">
+                <a:tc>
+                  <a:txBody>
+                    <a:bodyPr/>
+                    <a:lstStyle/>
+                    <a:p>
+                      <a:pPr algn="ctr">
+                        <a:lnSpc>
+                          <a:spcPct val="107000"/>
+                        </a:lnSpc>
+                        <a:spcBef>
+                          <a:spcPts val="600"/>
+                        </a:spcBef>
+                        <a:spcAft>
+                          <a:spcPts val="800"/>
+                        </a:spcAft>
+                      </a:pPr>
+                      <a:r>
+                        <a:rPr lang="en-IN" sz="1400">
+                          <a:effectLst/>
+                        </a:rPr>
+                        <a:t> </a:t>
+                      </a:r>
+                      <a:endParaRPr lang="en-IN" sz="1100">
+                        <a:effectLst/>
+                        <a:latin typeface="Calibri" panose="020F0502020204030204" pitchFamily="34" charset="0"/>
+                        <a:ea typeface="Calibri" panose="020F0502020204030204" pitchFamily="34" charset="0"/>
+                        <a:cs typeface="Times New Roman" panose="02020603050405020304" pitchFamily="18" charset="0"/>
+                      </a:endParaRPr>
+                    </a:p>
+                  </a:txBody>
+                  <a:tcPr marL="68580" marR="68580" marT="0" marB="0"/>
+                </a:tc>
+                <a:tc>
+                  <a:txBody>
+                    <a:bodyPr/>
+                    <a:lstStyle/>
+                    <a:p>
+                      <a:pPr algn="ctr">
+                        <a:lnSpc>
+                          <a:spcPct val="107000"/>
+                        </a:lnSpc>
+                        <a:spcBef>
+                          <a:spcPts val="600"/>
+                        </a:spcBef>
+                        <a:spcAft>
+                          <a:spcPts val="800"/>
+                        </a:spcAft>
+                      </a:pPr>
+                      <a:r>
+                        <a:rPr lang="en-IN" sz="1400">
+                          <a:effectLst/>
+                        </a:rPr>
+                        <a:t>Precision</a:t>
+                      </a:r>
+                      <a:endParaRPr lang="en-IN" sz="1100">
+                        <a:effectLst/>
+                        <a:latin typeface="Calibri" panose="020F0502020204030204" pitchFamily="34" charset="0"/>
+                        <a:ea typeface="Calibri" panose="020F0502020204030204" pitchFamily="34" charset="0"/>
+                        <a:cs typeface="Times New Roman" panose="02020603050405020304" pitchFamily="18" charset="0"/>
+                      </a:endParaRPr>
+                    </a:p>
+                  </a:txBody>
+                  <a:tcPr marL="68580" marR="68580" marT="0" marB="0"/>
+                </a:tc>
+                <a:tc>
+                  <a:txBody>
+                    <a:bodyPr/>
+                    <a:lstStyle/>
+                    <a:p>
+                      <a:pPr algn="ctr">
+                        <a:spcBef>
+                          <a:spcPts val="600"/>
+                        </a:spcBef>
+                      </a:pPr>
+                      <a:r>
+                        <a:rPr lang="en-IN" sz="1100">
+                          <a:effectLst/>
+                        </a:rPr>
+                        <a:t>Recall</a:t>
+                      </a:r>
+                      <a:endParaRPr lang="en-IN" sz="1100" b="1">
+                        <a:solidFill>
+                          <a:srgbClr val="E7E6E6"/>
+                        </a:solidFill>
+                        <a:effectLst/>
+                        <a:latin typeface="Calibri" panose="020F0502020204030204" pitchFamily="34" charset="0"/>
+                        <a:cs typeface="Times New Roman" panose="02020603050405020304" pitchFamily="18" charset="0"/>
+                      </a:endParaRPr>
+                    </a:p>
+                  </a:txBody>
+                  <a:tcPr marL="68580" marR="68580" marT="0" marB="0"/>
+                </a:tc>
+                <a:tc>
+                  <a:txBody>
+                    <a:bodyPr/>
+                    <a:lstStyle/>
+                    <a:p>
+                      <a:pPr algn="ctr">
+                        <a:lnSpc>
+                          <a:spcPct val="107000"/>
+                        </a:lnSpc>
+                        <a:spcBef>
+                          <a:spcPts val="600"/>
+                        </a:spcBef>
+                        <a:spcAft>
+                          <a:spcPts val="800"/>
+                        </a:spcAft>
+                      </a:pPr>
+                      <a:r>
+                        <a:rPr lang="en-IN" sz="1400">
+                          <a:effectLst/>
+                        </a:rPr>
+                        <a:t>F1 Score</a:t>
+                      </a:r>
+                      <a:endParaRPr lang="en-IN" sz="1100">
+                        <a:effectLst/>
+                        <a:latin typeface="Calibri" panose="020F0502020204030204" pitchFamily="34" charset="0"/>
+                        <a:ea typeface="Calibri" panose="020F0502020204030204" pitchFamily="34" charset="0"/>
+                        <a:cs typeface="Times New Roman" panose="02020603050405020304" pitchFamily="18" charset="0"/>
+                      </a:endParaRPr>
+                    </a:p>
+                  </a:txBody>
+                  <a:tcPr marL="68580" marR="68580" marT="0" marB="0"/>
+                </a:tc>
+                <a:tc>
+                  <a:txBody>
+                    <a:bodyPr/>
+                    <a:lstStyle/>
+                    <a:p>
+                      <a:pPr algn="ctr">
+                        <a:lnSpc>
+                          <a:spcPct val="107000"/>
+                        </a:lnSpc>
+                        <a:spcBef>
+                          <a:spcPts val="600"/>
+                        </a:spcBef>
+                        <a:spcAft>
+                          <a:spcPts val="800"/>
+                        </a:spcAft>
+                      </a:pPr>
+                      <a:r>
+                        <a:rPr lang="en-IN" sz="1400">
+                          <a:effectLst/>
+                        </a:rPr>
+                        <a:t>Support</a:t>
+                      </a:r>
+                      <a:endParaRPr lang="en-IN" sz="1100">
+                        <a:effectLst/>
+                        <a:latin typeface="Calibri" panose="020F0502020204030204" pitchFamily="34" charset="0"/>
+                        <a:ea typeface="Calibri" panose="020F0502020204030204" pitchFamily="34" charset="0"/>
+                        <a:cs typeface="Times New Roman" panose="02020603050405020304" pitchFamily="18" charset="0"/>
+                      </a:endParaRPr>
+                    </a:p>
+                  </a:txBody>
+                  <a:tcPr marL="68580" marR="68580" marT="0" marB="0"/>
+                </a:tc>
+                <a:extLst>
+                  <a:ext uri="{0D108BD9-81ED-4DB2-BD59-A6C34878D82A}">
+                    <a16:rowId xmlns:a16="http://schemas.microsoft.com/office/drawing/2014/main" val="1801492262"/>
+                  </a:ext>
+                </a:extLst>
+              </a:tr>
+              <a:tr h="532862">
+                <a:tc>
+                  <a:txBody>
+                    <a:bodyPr/>
+                    <a:lstStyle/>
+                    <a:p>
+                      <a:pPr algn="ctr">
+                        <a:lnSpc>
+                          <a:spcPct val="107000"/>
+                        </a:lnSpc>
+                        <a:spcBef>
+                          <a:spcPts val="600"/>
+                        </a:spcBef>
+                        <a:spcAft>
+                          <a:spcPts val="800"/>
+                        </a:spcAft>
+                      </a:pPr>
+                      <a:r>
+                        <a:rPr lang="en-IN" sz="1200">
+                          <a:effectLst/>
+                        </a:rPr>
+                        <a:t>0</a:t>
+                      </a:r>
+                      <a:endParaRPr lang="en-IN" sz="1100">
+                        <a:effectLst/>
+                        <a:latin typeface="Calibri" panose="020F0502020204030204" pitchFamily="34" charset="0"/>
+                        <a:ea typeface="Calibri" panose="020F0502020204030204" pitchFamily="34" charset="0"/>
+                        <a:cs typeface="Times New Roman" panose="02020603050405020304" pitchFamily="18" charset="0"/>
+                      </a:endParaRPr>
+                    </a:p>
+                  </a:txBody>
+                  <a:tcPr marL="68580" marR="68580" marT="0" marB="0"/>
+                </a:tc>
+                <a:tc>
+                  <a:txBody>
+                    <a:bodyPr/>
+                    <a:lstStyle/>
+                    <a:p>
+                      <a:pPr algn="ctr">
+                        <a:lnSpc>
+                          <a:spcPct val="107000"/>
+                        </a:lnSpc>
+                        <a:spcBef>
+                          <a:spcPts val="600"/>
+                        </a:spcBef>
+                        <a:spcAft>
+                          <a:spcPts val="800"/>
+                        </a:spcAft>
+                      </a:pPr>
+                      <a:r>
+                        <a:rPr lang="en-IN" sz="1200">
+                          <a:effectLst/>
+                        </a:rPr>
+                        <a:t>0.84</a:t>
+                      </a:r>
+                      <a:endParaRPr lang="en-IN" sz="1100">
+                        <a:effectLst/>
+                        <a:latin typeface="Calibri" panose="020F0502020204030204" pitchFamily="34" charset="0"/>
+                        <a:ea typeface="Calibri" panose="020F0502020204030204" pitchFamily="34" charset="0"/>
+                        <a:cs typeface="Times New Roman" panose="02020603050405020304" pitchFamily="18" charset="0"/>
+                      </a:endParaRPr>
+                    </a:p>
+                  </a:txBody>
+                  <a:tcPr marL="68580" marR="68580" marT="0" marB="0"/>
+                </a:tc>
+                <a:tc>
+                  <a:txBody>
+                    <a:bodyPr/>
+                    <a:lstStyle/>
+                    <a:p>
+                      <a:pPr algn="ctr">
+                        <a:lnSpc>
+                          <a:spcPct val="107000"/>
+                        </a:lnSpc>
+                        <a:spcBef>
+                          <a:spcPts val="600"/>
+                        </a:spcBef>
+                        <a:spcAft>
+                          <a:spcPts val="800"/>
+                        </a:spcAft>
+                      </a:pPr>
+                      <a:r>
+                        <a:rPr lang="en-IN" sz="1200">
+                          <a:effectLst/>
+                        </a:rPr>
+                        <a:t>0.57</a:t>
+                      </a:r>
+                      <a:endParaRPr lang="en-IN" sz="1100">
+                        <a:effectLst/>
+                        <a:latin typeface="Calibri" panose="020F0502020204030204" pitchFamily="34" charset="0"/>
+                        <a:ea typeface="Calibri" panose="020F0502020204030204" pitchFamily="34" charset="0"/>
+                        <a:cs typeface="Times New Roman" panose="02020603050405020304" pitchFamily="18" charset="0"/>
+                      </a:endParaRPr>
+                    </a:p>
+                  </a:txBody>
+                  <a:tcPr marL="68580" marR="68580" marT="0" marB="0"/>
+                </a:tc>
+                <a:tc>
+                  <a:txBody>
+                    <a:bodyPr/>
+                    <a:lstStyle/>
+                    <a:p>
+                      <a:pPr algn="ctr">
+                        <a:lnSpc>
+                          <a:spcPct val="107000"/>
+                        </a:lnSpc>
+                        <a:spcBef>
+                          <a:spcPts val="600"/>
+                        </a:spcBef>
+                        <a:spcAft>
+                          <a:spcPts val="800"/>
+                        </a:spcAft>
+                      </a:pPr>
+                      <a:r>
+                        <a:rPr lang="en-IN" sz="1200">
+                          <a:effectLst/>
+                        </a:rPr>
+                        <a:t>0.68</a:t>
+                      </a:r>
+                      <a:endParaRPr lang="en-IN" sz="1100">
+                        <a:effectLst/>
+                        <a:latin typeface="Calibri" panose="020F0502020204030204" pitchFamily="34" charset="0"/>
+                        <a:ea typeface="Calibri" panose="020F0502020204030204" pitchFamily="34" charset="0"/>
+                        <a:cs typeface="Times New Roman" panose="02020603050405020304" pitchFamily="18" charset="0"/>
+                      </a:endParaRPr>
+                    </a:p>
+                  </a:txBody>
+                  <a:tcPr marL="68580" marR="68580" marT="0" marB="0"/>
+                </a:tc>
+                <a:tc>
+                  <a:txBody>
+                    <a:bodyPr/>
+                    <a:lstStyle/>
+                    <a:p>
+                      <a:pPr algn="ctr">
+                        <a:lnSpc>
+                          <a:spcPct val="107000"/>
+                        </a:lnSpc>
+                        <a:spcBef>
+                          <a:spcPts val="600"/>
+                        </a:spcBef>
+                        <a:spcAft>
+                          <a:spcPts val="800"/>
+                        </a:spcAft>
+                      </a:pPr>
+                      <a:r>
+                        <a:rPr lang="en-IN" sz="1200">
+                          <a:effectLst/>
+                        </a:rPr>
+                        <a:t>27345</a:t>
+                      </a:r>
+                      <a:endParaRPr lang="en-IN" sz="1100">
+                        <a:effectLst/>
+                        <a:latin typeface="Calibri" panose="020F0502020204030204" pitchFamily="34" charset="0"/>
+                        <a:ea typeface="Calibri" panose="020F0502020204030204" pitchFamily="34" charset="0"/>
+                        <a:cs typeface="Times New Roman" panose="02020603050405020304" pitchFamily="18" charset="0"/>
+                      </a:endParaRPr>
+                    </a:p>
+                  </a:txBody>
+                  <a:tcPr marL="68580" marR="68580" marT="0" marB="0"/>
+                </a:tc>
+                <a:extLst>
+                  <a:ext uri="{0D108BD9-81ED-4DB2-BD59-A6C34878D82A}">
+                    <a16:rowId xmlns:a16="http://schemas.microsoft.com/office/drawing/2014/main" val="4252641384"/>
+                  </a:ext>
+                </a:extLst>
+              </a:tr>
+              <a:tr h="504540">
+                <a:tc>
+                  <a:txBody>
+                    <a:bodyPr/>
+                    <a:lstStyle/>
+                    <a:p>
+                      <a:pPr algn="ctr">
+                        <a:lnSpc>
+                          <a:spcPct val="107000"/>
+                        </a:lnSpc>
+                        <a:spcBef>
+                          <a:spcPts val="600"/>
+                        </a:spcBef>
+                        <a:spcAft>
+                          <a:spcPts val="800"/>
+                        </a:spcAft>
+                      </a:pPr>
+                      <a:r>
+                        <a:rPr lang="en-IN" sz="1200">
+                          <a:effectLst/>
+                        </a:rPr>
+                        <a:t>1</a:t>
+                      </a:r>
+                      <a:endParaRPr lang="en-IN" sz="1100">
+                        <a:effectLst/>
+                        <a:latin typeface="Calibri" panose="020F0502020204030204" pitchFamily="34" charset="0"/>
+                        <a:ea typeface="Calibri" panose="020F0502020204030204" pitchFamily="34" charset="0"/>
+                        <a:cs typeface="Times New Roman" panose="02020603050405020304" pitchFamily="18" charset="0"/>
+                      </a:endParaRPr>
+                    </a:p>
+                  </a:txBody>
+                  <a:tcPr marL="68580" marR="68580" marT="0" marB="0"/>
+                </a:tc>
+                <a:tc>
+                  <a:txBody>
+                    <a:bodyPr/>
+                    <a:lstStyle/>
+                    <a:p>
+                      <a:pPr algn="ctr">
+                        <a:lnSpc>
+                          <a:spcPct val="107000"/>
+                        </a:lnSpc>
+                        <a:spcBef>
+                          <a:spcPts val="600"/>
+                        </a:spcBef>
+                        <a:spcAft>
+                          <a:spcPts val="800"/>
+                        </a:spcAft>
+                      </a:pPr>
+                      <a:r>
+                        <a:rPr lang="en-IN" sz="1200">
+                          <a:effectLst/>
+                        </a:rPr>
+                        <a:t>0.43</a:t>
+                      </a:r>
+                      <a:endParaRPr lang="en-IN" sz="1100">
+                        <a:effectLst/>
+                        <a:latin typeface="Calibri" panose="020F0502020204030204" pitchFamily="34" charset="0"/>
+                        <a:ea typeface="Calibri" panose="020F0502020204030204" pitchFamily="34" charset="0"/>
+                        <a:cs typeface="Times New Roman" panose="02020603050405020304" pitchFamily="18" charset="0"/>
+                      </a:endParaRPr>
+                    </a:p>
+                  </a:txBody>
+                  <a:tcPr marL="68580" marR="68580" marT="0" marB="0"/>
+                </a:tc>
+                <a:tc>
+                  <a:txBody>
+                    <a:bodyPr/>
+                    <a:lstStyle/>
+                    <a:p>
+                      <a:pPr algn="ctr">
+                        <a:lnSpc>
+                          <a:spcPct val="107000"/>
+                        </a:lnSpc>
+                        <a:spcBef>
+                          <a:spcPts val="600"/>
+                        </a:spcBef>
+                        <a:spcAft>
+                          <a:spcPts val="800"/>
+                        </a:spcAft>
+                      </a:pPr>
+                      <a:r>
+                        <a:rPr lang="en-IN" sz="1200">
+                          <a:effectLst/>
+                        </a:rPr>
+                        <a:t>0.74</a:t>
+                      </a:r>
+                      <a:endParaRPr lang="en-IN" sz="1100">
+                        <a:effectLst/>
+                        <a:latin typeface="Calibri" panose="020F0502020204030204" pitchFamily="34" charset="0"/>
+                        <a:ea typeface="Calibri" panose="020F0502020204030204" pitchFamily="34" charset="0"/>
+                        <a:cs typeface="Times New Roman" panose="02020603050405020304" pitchFamily="18" charset="0"/>
+                      </a:endParaRPr>
+                    </a:p>
+                  </a:txBody>
+                  <a:tcPr marL="68580" marR="68580" marT="0" marB="0"/>
+                </a:tc>
+                <a:tc>
+                  <a:txBody>
+                    <a:bodyPr/>
+                    <a:lstStyle/>
+                    <a:p>
+                      <a:pPr algn="ctr">
+                        <a:lnSpc>
+                          <a:spcPct val="107000"/>
+                        </a:lnSpc>
+                        <a:spcBef>
+                          <a:spcPts val="600"/>
+                        </a:spcBef>
+                        <a:spcAft>
+                          <a:spcPts val="800"/>
+                        </a:spcAft>
+                      </a:pPr>
+                      <a:r>
+                        <a:rPr lang="en-IN" sz="1200">
+                          <a:effectLst/>
+                        </a:rPr>
+                        <a:t>0.54</a:t>
+                      </a:r>
+                      <a:endParaRPr lang="en-IN" sz="1100">
+                        <a:effectLst/>
+                        <a:latin typeface="Calibri" panose="020F0502020204030204" pitchFamily="34" charset="0"/>
+                        <a:ea typeface="Calibri" panose="020F0502020204030204" pitchFamily="34" charset="0"/>
+                        <a:cs typeface="Times New Roman" panose="02020603050405020304" pitchFamily="18" charset="0"/>
+                      </a:endParaRPr>
+                    </a:p>
+                  </a:txBody>
+                  <a:tcPr marL="68580" marR="68580" marT="0" marB="0"/>
+                </a:tc>
+                <a:tc>
+                  <a:txBody>
+                    <a:bodyPr/>
+                    <a:lstStyle/>
+                    <a:p>
+                      <a:pPr algn="ctr">
+                        <a:lnSpc>
+                          <a:spcPct val="107000"/>
+                        </a:lnSpc>
+                        <a:spcBef>
+                          <a:spcPts val="600"/>
+                        </a:spcBef>
+                        <a:spcAft>
+                          <a:spcPts val="800"/>
+                        </a:spcAft>
+                      </a:pPr>
+                      <a:r>
+                        <a:rPr lang="en-IN" sz="1200">
+                          <a:effectLst/>
+                        </a:rPr>
+                        <a:t>11590</a:t>
+                      </a:r>
+                      <a:endParaRPr lang="en-IN" sz="1100">
+                        <a:effectLst/>
+                        <a:latin typeface="Calibri" panose="020F0502020204030204" pitchFamily="34" charset="0"/>
+                        <a:ea typeface="Calibri" panose="020F0502020204030204" pitchFamily="34" charset="0"/>
+                        <a:cs typeface="Times New Roman" panose="02020603050405020304" pitchFamily="18" charset="0"/>
+                      </a:endParaRPr>
+                    </a:p>
+                  </a:txBody>
+                  <a:tcPr marL="68580" marR="68580" marT="0" marB="0"/>
+                </a:tc>
+                <a:extLst>
+                  <a:ext uri="{0D108BD9-81ED-4DB2-BD59-A6C34878D82A}">
+                    <a16:rowId xmlns:a16="http://schemas.microsoft.com/office/drawing/2014/main" val="3988676532"/>
+                  </a:ext>
+                </a:extLst>
+              </a:tr>
+              <a:tr h="532862">
+                <a:tc>
+                  <a:txBody>
+                    <a:bodyPr/>
+                    <a:lstStyle/>
+                    <a:p>
+                      <a:pPr algn="ctr">
+                        <a:lnSpc>
+                          <a:spcPct val="107000"/>
+                        </a:lnSpc>
+                        <a:spcBef>
+                          <a:spcPts val="600"/>
+                        </a:spcBef>
+                        <a:spcAft>
+                          <a:spcPts val="800"/>
+                        </a:spcAft>
+                      </a:pPr>
+                      <a:r>
+                        <a:rPr lang="en-IN" sz="1200">
+                          <a:effectLst/>
+                        </a:rPr>
+                        <a:t>Accuracy</a:t>
+                      </a:r>
+                      <a:endParaRPr lang="en-IN" sz="1100">
+                        <a:effectLst/>
+                        <a:latin typeface="Calibri" panose="020F0502020204030204" pitchFamily="34" charset="0"/>
+                        <a:ea typeface="Calibri" panose="020F0502020204030204" pitchFamily="34" charset="0"/>
+                        <a:cs typeface="Times New Roman" panose="02020603050405020304" pitchFamily="18" charset="0"/>
+                      </a:endParaRPr>
+                    </a:p>
+                  </a:txBody>
+                  <a:tcPr marL="68580" marR="68580" marT="0" marB="0"/>
+                </a:tc>
+                <a:tc>
+                  <a:txBody>
+                    <a:bodyPr/>
+                    <a:lstStyle/>
+                    <a:p>
+                      <a:pPr algn="ctr">
+                        <a:lnSpc>
+                          <a:spcPct val="107000"/>
+                        </a:lnSpc>
+                        <a:spcBef>
+                          <a:spcPts val="600"/>
+                        </a:spcBef>
+                        <a:spcAft>
+                          <a:spcPts val="800"/>
+                        </a:spcAft>
+                      </a:pPr>
+                      <a:r>
+                        <a:rPr lang="en-IN" sz="1200">
+                          <a:effectLst/>
+                        </a:rPr>
+                        <a:t> </a:t>
+                      </a:r>
+                      <a:endParaRPr lang="en-IN" sz="1100">
+                        <a:effectLst/>
+                        <a:latin typeface="Calibri" panose="020F0502020204030204" pitchFamily="34" charset="0"/>
+                        <a:ea typeface="Calibri" panose="020F0502020204030204" pitchFamily="34" charset="0"/>
+                        <a:cs typeface="Times New Roman" panose="02020603050405020304" pitchFamily="18" charset="0"/>
+                      </a:endParaRPr>
+                    </a:p>
+                  </a:txBody>
+                  <a:tcPr marL="68580" marR="68580" marT="0" marB="0"/>
+                </a:tc>
+                <a:tc>
+                  <a:txBody>
+                    <a:bodyPr/>
+                    <a:lstStyle/>
+                    <a:p>
+                      <a:pPr algn="ctr">
+                        <a:lnSpc>
+                          <a:spcPct val="107000"/>
+                        </a:lnSpc>
+                        <a:spcBef>
+                          <a:spcPts val="600"/>
+                        </a:spcBef>
+                        <a:spcAft>
+                          <a:spcPts val="800"/>
+                        </a:spcAft>
+                      </a:pPr>
+                      <a:r>
+                        <a:rPr lang="en-IN" sz="1200">
+                          <a:effectLst/>
+                        </a:rPr>
+                        <a:t> </a:t>
+                      </a:r>
+                      <a:endParaRPr lang="en-IN" sz="1100">
+                        <a:effectLst/>
+                        <a:latin typeface="Calibri" panose="020F0502020204030204" pitchFamily="34" charset="0"/>
+                        <a:ea typeface="Calibri" panose="020F0502020204030204" pitchFamily="34" charset="0"/>
+                        <a:cs typeface="Times New Roman" panose="02020603050405020304" pitchFamily="18" charset="0"/>
+                      </a:endParaRPr>
+                    </a:p>
+                  </a:txBody>
+                  <a:tcPr marL="68580" marR="68580" marT="0" marB="0"/>
+                </a:tc>
+                <a:tc>
+                  <a:txBody>
+                    <a:bodyPr/>
+                    <a:lstStyle/>
+                    <a:p>
+                      <a:pPr algn="ctr">
+                        <a:lnSpc>
+                          <a:spcPct val="107000"/>
+                        </a:lnSpc>
+                        <a:spcBef>
+                          <a:spcPts val="600"/>
+                        </a:spcBef>
+                        <a:spcAft>
+                          <a:spcPts val="800"/>
+                        </a:spcAft>
+                      </a:pPr>
+                      <a:r>
+                        <a:rPr lang="en-IN" sz="1200">
+                          <a:effectLst/>
+                        </a:rPr>
+                        <a:t>0.63</a:t>
+                      </a:r>
+                      <a:endParaRPr lang="en-IN" sz="1100">
+                        <a:effectLst/>
+                        <a:latin typeface="Calibri" panose="020F0502020204030204" pitchFamily="34" charset="0"/>
+                        <a:ea typeface="Calibri" panose="020F0502020204030204" pitchFamily="34" charset="0"/>
+                        <a:cs typeface="Times New Roman" panose="02020603050405020304" pitchFamily="18" charset="0"/>
+                      </a:endParaRPr>
+                    </a:p>
+                  </a:txBody>
+                  <a:tcPr marL="68580" marR="68580" marT="0" marB="0"/>
+                </a:tc>
+                <a:tc>
+                  <a:txBody>
+                    <a:bodyPr/>
+                    <a:lstStyle/>
+                    <a:p>
+                      <a:pPr algn="ctr">
+                        <a:lnSpc>
+                          <a:spcPct val="107000"/>
+                        </a:lnSpc>
+                        <a:spcBef>
+                          <a:spcPts val="600"/>
+                        </a:spcBef>
+                        <a:spcAft>
+                          <a:spcPts val="800"/>
+                        </a:spcAft>
+                      </a:pPr>
+                      <a:r>
+                        <a:rPr lang="en-IN" sz="1200">
+                          <a:effectLst/>
+                        </a:rPr>
+                        <a:t>38935</a:t>
+                      </a:r>
+                      <a:endParaRPr lang="en-IN" sz="1100">
+                        <a:effectLst/>
+                        <a:latin typeface="Calibri" panose="020F0502020204030204" pitchFamily="34" charset="0"/>
+                        <a:ea typeface="Calibri" panose="020F0502020204030204" pitchFamily="34" charset="0"/>
+                        <a:cs typeface="Times New Roman" panose="02020603050405020304" pitchFamily="18" charset="0"/>
+                      </a:endParaRPr>
+                    </a:p>
+                  </a:txBody>
+                  <a:tcPr marL="68580" marR="68580" marT="0" marB="0"/>
+                </a:tc>
+                <a:extLst>
+                  <a:ext uri="{0D108BD9-81ED-4DB2-BD59-A6C34878D82A}">
+                    <a16:rowId xmlns:a16="http://schemas.microsoft.com/office/drawing/2014/main" val="1704605587"/>
+                  </a:ext>
+                </a:extLst>
+              </a:tr>
+              <a:tr h="504540">
+                <a:tc>
+                  <a:txBody>
+                    <a:bodyPr/>
+                    <a:lstStyle/>
+                    <a:p>
+                      <a:pPr algn="ctr">
+                        <a:lnSpc>
+                          <a:spcPct val="107000"/>
+                        </a:lnSpc>
+                        <a:spcBef>
+                          <a:spcPts val="600"/>
+                        </a:spcBef>
+                        <a:spcAft>
+                          <a:spcPts val="800"/>
+                        </a:spcAft>
+                      </a:pPr>
+                      <a:r>
+                        <a:rPr lang="en-IN" sz="1200">
+                          <a:effectLst/>
+                        </a:rPr>
+                        <a:t>Macro average</a:t>
+                      </a:r>
+                      <a:endParaRPr lang="en-IN" sz="1100">
+                        <a:effectLst/>
+                        <a:latin typeface="Calibri" panose="020F0502020204030204" pitchFamily="34" charset="0"/>
+                        <a:ea typeface="Calibri" panose="020F0502020204030204" pitchFamily="34" charset="0"/>
+                        <a:cs typeface="Times New Roman" panose="02020603050405020304" pitchFamily="18" charset="0"/>
+                      </a:endParaRPr>
+                    </a:p>
+                  </a:txBody>
+                  <a:tcPr marL="68580" marR="68580" marT="0" marB="0"/>
+                </a:tc>
+                <a:tc>
+                  <a:txBody>
+                    <a:bodyPr/>
+                    <a:lstStyle/>
+                    <a:p>
+                      <a:pPr algn="ctr">
+                        <a:lnSpc>
+                          <a:spcPct val="107000"/>
+                        </a:lnSpc>
+                        <a:spcBef>
+                          <a:spcPts val="600"/>
+                        </a:spcBef>
+                        <a:spcAft>
+                          <a:spcPts val="800"/>
+                        </a:spcAft>
+                      </a:pPr>
+                      <a:r>
+                        <a:rPr lang="en-IN" sz="1200">
+                          <a:effectLst/>
+                        </a:rPr>
+                        <a:t>0.63</a:t>
+                      </a:r>
+                      <a:endParaRPr lang="en-IN" sz="1100">
+                        <a:effectLst/>
+                        <a:latin typeface="Calibri" panose="020F0502020204030204" pitchFamily="34" charset="0"/>
+                        <a:ea typeface="Calibri" panose="020F0502020204030204" pitchFamily="34" charset="0"/>
+                        <a:cs typeface="Times New Roman" panose="02020603050405020304" pitchFamily="18" charset="0"/>
+                      </a:endParaRPr>
+                    </a:p>
+                  </a:txBody>
+                  <a:tcPr marL="68580" marR="68580" marT="0" marB="0"/>
+                </a:tc>
+                <a:tc>
+                  <a:txBody>
+                    <a:bodyPr/>
+                    <a:lstStyle/>
+                    <a:p>
+                      <a:pPr algn="ctr">
+                        <a:lnSpc>
+                          <a:spcPct val="107000"/>
+                        </a:lnSpc>
+                        <a:spcBef>
+                          <a:spcPts val="600"/>
+                        </a:spcBef>
+                        <a:spcAft>
+                          <a:spcPts val="800"/>
+                        </a:spcAft>
+                      </a:pPr>
+                      <a:r>
+                        <a:rPr lang="en-IN" sz="1200">
+                          <a:effectLst/>
+                        </a:rPr>
+                        <a:t>0.66</a:t>
+                      </a:r>
+                      <a:endParaRPr lang="en-IN" sz="1100">
+                        <a:effectLst/>
+                        <a:latin typeface="Calibri" panose="020F0502020204030204" pitchFamily="34" charset="0"/>
+                        <a:ea typeface="Calibri" panose="020F0502020204030204" pitchFamily="34" charset="0"/>
+                        <a:cs typeface="Times New Roman" panose="02020603050405020304" pitchFamily="18" charset="0"/>
+                      </a:endParaRPr>
+                    </a:p>
+                  </a:txBody>
+                  <a:tcPr marL="68580" marR="68580" marT="0" marB="0"/>
+                </a:tc>
+                <a:tc>
+                  <a:txBody>
+                    <a:bodyPr/>
+                    <a:lstStyle/>
+                    <a:p>
+                      <a:pPr algn="ctr">
+                        <a:lnSpc>
+                          <a:spcPct val="107000"/>
+                        </a:lnSpc>
+                        <a:spcBef>
+                          <a:spcPts val="600"/>
+                        </a:spcBef>
+                        <a:spcAft>
+                          <a:spcPts val="800"/>
+                        </a:spcAft>
+                      </a:pPr>
+                      <a:r>
+                        <a:rPr lang="en-IN" sz="1200">
+                          <a:effectLst/>
+                        </a:rPr>
+                        <a:t>0.61</a:t>
+                      </a:r>
+                      <a:endParaRPr lang="en-IN" sz="1100">
+                        <a:effectLst/>
+                        <a:latin typeface="Calibri" panose="020F0502020204030204" pitchFamily="34" charset="0"/>
+                        <a:ea typeface="Calibri" panose="020F0502020204030204" pitchFamily="34" charset="0"/>
+                        <a:cs typeface="Times New Roman" panose="02020603050405020304" pitchFamily="18" charset="0"/>
+                      </a:endParaRPr>
+                    </a:p>
+                  </a:txBody>
+                  <a:tcPr marL="68580" marR="68580" marT="0" marB="0"/>
+                </a:tc>
+                <a:tc>
+                  <a:txBody>
+                    <a:bodyPr/>
+                    <a:lstStyle/>
+                    <a:p>
+                      <a:pPr algn="ctr">
+                        <a:lnSpc>
+                          <a:spcPct val="107000"/>
+                        </a:lnSpc>
+                        <a:spcBef>
+                          <a:spcPts val="600"/>
+                        </a:spcBef>
+                        <a:spcAft>
+                          <a:spcPts val="800"/>
+                        </a:spcAft>
+                      </a:pPr>
+                      <a:r>
+                        <a:rPr lang="en-IN" sz="1200">
+                          <a:effectLst/>
+                        </a:rPr>
+                        <a:t>38935</a:t>
+                      </a:r>
+                      <a:endParaRPr lang="en-IN" sz="1100">
+                        <a:effectLst/>
+                        <a:latin typeface="Calibri" panose="020F0502020204030204" pitchFamily="34" charset="0"/>
+                        <a:ea typeface="Calibri" panose="020F0502020204030204" pitchFamily="34" charset="0"/>
+                        <a:cs typeface="Times New Roman" panose="02020603050405020304" pitchFamily="18" charset="0"/>
+                      </a:endParaRPr>
+                    </a:p>
+                  </a:txBody>
+                  <a:tcPr marL="68580" marR="68580" marT="0" marB="0"/>
+                </a:tc>
+                <a:extLst>
+                  <a:ext uri="{0D108BD9-81ED-4DB2-BD59-A6C34878D82A}">
+                    <a16:rowId xmlns:a16="http://schemas.microsoft.com/office/drawing/2014/main" val="2322876011"/>
+                  </a:ext>
+                </a:extLst>
+              </a:tr>
+              <a:tr h="632300">
+                <a:tc>
+                  <a:txBody>
+                    <a:bodyPr/>
+                    <a:lstStyle/>
+                    <a:p>
+                      <a:pPr algn="ctr">
+                        <a:lnSpc>
+                          <a:spcPct val="107000"/>
+                        </a:lnSpc>
+                        <a:spcBef>
+                          <a:spcPts val="600"/>
+                        </a:spcBef>
+                        <a:spcAft>
+                          <a:spcPts val="800"/>
+                        </a:spcAft>
+                      </a:pPr>
+                      <a:r>
+                        <a:rPr lang="en-IN" sz="1200">
+                          <a:effectLst/>
+                        </a:rPr>
+                        <a:t>Weighted average</a:t>
+                      </a:r>
+                      <a:endParaRPr lang="en-IN" sz="1100">
+                        <a:effectLst/>
+                        <a:latin typeface="Calibri" panose="020F0502020204030204" pitchFamily="34" charset="0"/>
+                        <a:ea typeface="Calibri" panose="020F0502020204030204" pitchFamily="34" charset="0"/>
+                        <a:cs typeface="Times New Roman" panose="02020603050405020304" pitchFamily="18" charset="0"/>
+                      </a:endParaRPr>
+                    </a:p>
+                  </a:txBody>
+                  <a:tcPr marL="68580" marR="68580" marT="0" marB="0"/>
+                </a:tc>
+                <a:tc>
+                  <a:txBody>
+                    <a:bodyPr/>
+                    <a:lstStyle/>
+                    <a:p>
+                      <a:pPr algn="ctr">
+                        <a:lnSpc>
+                          <a:spcPct val="107000"/>
+                        </a:lnSpc>
+                        <a:spcBef>
+                          <a:spcPts val="600"/>
+                        </a:spcBef>
+                        <a:spcAft>
+                          <a:spcPts val="800"/>
+                        </a:spcAft>
+                      </a:pPr>
+                      <a:r>
+                        <a:rPr lang="en-IN" sz="1200">
+                          <a:effectLst/>
+                        </a:rPr>
+                        <a:t>0.72</a:t>
+                      </a:r>
+                      <a:endParaRPr lang="en-IN" sz="1100">
+                        <a:effectLst/>
+                        <a:latin typeface="Calibri" panose="020F0502020204030204" pitchFamily="34" charset="0"/>
+                        <a:ea typeface="Calibri" panose="020F0502020204030204" pitchFamily="34" charset="0"/>
+                        <a:cs typeface="Times New Roman" panose="02020603050405020304" pitchFamily="18" charset="0"/>
+                      </a:endParaRPr>
+                    </a:p>
+                  </a:txBody>
+                  <a:tcPr marL="68580" marR="68580" marT="0" marB="0"/>
+                </a:tc>
+                <a:tc>
+                  <a:txBody>
+                    <a:bodyPr/>
+                    <a:lstStyle/>
+                    <a:p>
+                      <a:pPr algn="ctr">
+                        <a:lnSpc>
+                          <a:spcPct val="107000"/>
+                        </a:lnSpc>
+                        <a:spcBef>
+                          <a:spcPts val="600"/>
+                        </a:spcBef>
+                        <a:spcAft>
+                          <a:spcPts val="800"/>
+                        </a:spcAft>
+                      </a:pPr>
+                      <a:r>
+                        <a:rPr lang="en-IN" sz="1200">
+                          <a:effectLst/>
+                        </a:rPr>
+                        <a:t>0.63</a:t>
+                      </a:r>
+                      <a:endParaRPr lang="en-IN" sz="1100">
+                        <a:effectLst/>
+                        <a:latin typeface="Calibri" panose="020F0502020204030204" pitchFamily="34" charset="0"/>
+                        <a:ea typeface="Calibri" panose="020F0502020204030204" pitchFamily="34" charset="0"/>
+                        <a:cs typeface="Times New Roman" panose="02020603050405020304" pitchFamily="18" charset="0"/>
+                      </a:endParaRPr>
+                    </a:p>
+                  </a:txBody>
+                  <a:tcPr marL="68580" marR="68580" marT="0" marB="0"/>
+                </a:tc>
+                <a:tc>
+                  <a:txBody>
+                    <a:bodyPr/>
+                    <a:lstStyle/>
+                    <a:p>
+                      <a:pPr algn="ctr">
+                        <a:lnSpc>
+                          <a:spcPct val="107000"/>
+                        </a:lnSpc>
+                        <a:spcBef>
+                          <a:spcPts val="600"/>
+                        </a:spcBef>
+                        <a:spcAft>
+                          <a:spcPts val="800"/>
+                        </a:spcAft>
+                      </a:pPr>
+                      <a:r>
+                        <a:rPr lang="en-IN" sz="1200">
+                          <a:effectLst/>
+                        </a:rPr>
+                        <a:t>0.64</a:t>
+                      </a:r>
+                      <a:endParaRPr lang="en-IN" sz="1100">
+                        <a:effectLst/>
+                        <a:latin typeface="Calibri" panose="020F0502020204030204" pitchFamily="34" charset="0"/>
+                        <a:ea typeface="Calibri" panose="020F0502020204030204" pitchFamily="34" charset="0"/>
+                        <a:cs typeface="Times New Roman" panose="02020603050405020304" pitchFamily="18" charset="0"/>
+                      </a:endParaRPr>
+                    </a:p>
+                  </a:txBody>
+                  <a:tcPr marL="68580" marR="68580" marT="0" marB="0"/>
+                </a:tc>
+                <a:tc>
+                  <a:txBody>
+                    <a:bodyPr/>
+                    <a:lstStyle/>
+                    <a:p>
+                      <a:pPr algn="ctr">
+                        <a:lnSpc>
+                          <a:spcPct val="107000"/>
+                        </a:lnSpc>
+                        <a:spcBef>
+                          <a:spcPts val="600"/>
+                        </a:spcBef>
+                        <a:spcAft>
+                          <a:spcPts val="800"/>
+                        </a:spcAft>
+                      </a:pPr>
+                      <a:r>
+                        <a:rPr lang="en-IN" sz="1200" dirty="0">
+                          <a:effectLst/>
+                        </a:rPr>
+                        <a:t>38935</a:t>
+                      </a:r>
+                      <a:endParaRPr lang="en-IN" sz="1100" dirty="0">
+                        <a:effectLst/>
+                        <a:latin typeface="Calibri" panose="020F0502020204030204" pitchFamily="34" charset="0"/>
+                        <a:ea typeface="Calibri" panose="020F0502020204030204" pitchFamily="34" charset="0"/>
+                        <a:cs typeface="Times New Roman" panose="02020603050405020304" pitchFamily="18" charset="0"/>
+                      </a:endParaRPr>
+                    </a:p>
+                  </a:txBody>
+                  <a:tcPr marL="68580" marR="68580" marT="0" marB="0"/>
+                </a:tc>
+                <a:extLst>
+                  <a:ext uri="{0D108BD9-81ED-4DB2-BD59-A6C34878D82A}">
+                    <a16:rowId xmlns:a16="http://schemas.microsoft.com/office/drawing/2014/main" val="1817444526"/>
+                  </a:ext>
+                </a:extLst>
+              </a:tr>
+            </a:tbl>
+          </a:graphicData>
+        </a:graphic>
+      </p:graphicFrame>
     </p:spTree>
     <p:extLst>
       <p:ext uri="{BB962C8B-B14F-4D97-AF65-F5344CB8AC3E}">
-        <p14:creationId xmlns:p14="http://schemas.microsoft.com/office/powerpoint/2010/main" val="717416173"/>
+        <p14:creationId xmlns:p14="http://schemas.microsoft.com/office/powerpoint/2010/main" val="1818111110"/>
       </p:ext>
     </p:extLst>
   </p:cSld>
   <p:clrMapOvr>
     <a:masterClrMapping/>
   </p:clrMapOvr>
-  <mc:AlternateContent xmlns:mc="http://schemas.openxmlformats.org/markup-compatibility/2006">
-    <mc:Choice xmlns:p159="http://schemas.microsoft.com/office/powerpoint/2015/09/main" Requires="p159">
+  <mc:AlternateContent xmlns:mc="http://schemas.openxmlformats.org/markup-compatibility/2006" xmlns:p159="http://schemas.microsoft.com/office/powerpoint/2015/09/main">
+    <mc:Choice Requires="p159">
       <p:transition xmlns:p14="http://schemas.microsoft.com/office/powerpoint/2010/main" spd="slow" p14:dur="2000">
         <p159:morph option="byObject"/>
       </p:transition>
     </mc:Choice>
-    <mc:Fallback>
+    <mc:Fallback xmlns="">
       <p:transition spd="slow">
         <p:fade/>
       </p:transition>
@@ -3848,6 +6329,25 @@
 <file path=ppt/slides/slide14.xml><?xml version="1.0" encoding="utf-8"?>
 <p:sld xmlns:a="http://schemas.openxmlformats.org/drawingml/2006/main" xmlns:r="http://schemas.openxmlformats.org/officeDocument/2006/relationships" xmlns:p="http://schemas.openxmlformats.org/presentationml/2006/main">
   <p:cSld>
+    <p:bg>
+      <p:bgPr>
+        <a:gradFill rotWithShape="1">
+          <a:gsLst>
+            <a:gs pos="0">
+              <a:schemeClr val="tx1"/>
+            </a:gs>
+            <a:gs pos="50000">
+              <a:schemeClr val="tx1"/>
+            </a:gs>
+            <a:gs pos="100000">
+              <a:schemeClr val="tx1"/>
+            </a:gs>
+          </a:gsLst>
+          <a:lin ang="5400000" scaled="0"/>
+        </a:gradFill>
+        <a:effectLst/>
+      </p:bgPr>
+    </p:bg>
     <p:spTree>
       <p:nvGrpSpPr>
         <p:cNvPr id="1" name=""/>
@@ -3864,62 +6364,97 @@
       </p:grpSpPr>
       <p:sp>
         <p:nvSpPr>
-          <p:cNvPr id="2" name="Title 1">
-            <a:extLst>
-              <a:ext uri="{FF2B5EF4-FFF2-40B4-BE49-F238E27FC236}">
-                <a16:creationId xmlns:a16="http://schemas.microsoft.com/office/drawing/2014/main" id="{3664C017-D707-42F6-BF82-6B6C3A666635}"/>
-              </a:ext>
-            </a:extLst>
-          </p:cNvPr>
-          <p:cNvSpPr>
-            <a:spLocks noGrp="1"/>
-          </p:cNvSpPr>
-          <p:nvPr>
-            <p:ph type="title"/>
-          </p:nvPr>
+          <p:cNvPr id="2" name="Rectangle 1">
+            <a:extLst>
+              <a:ext uri="{FF2B5EF4-FFF2-40B4-BE49-F238E27FC236}">
+                <a16:creationId xmlns:a16="http://schemas.microsoft.com/office/drawing/2014/main" id="{E12E3C75-8A0E-46CA-B905-890E900B9B9A}"/>
+              </a:ext>
+            </a:extLst>
+          </p:cNvPr>
+          <p:cNvSpPr/>
+          <p:nvPr/>
         </p:nvSpPr>
-        <p:spPr/>
+        <p:spPr>
+          <a:xfrm>
+            <a:off x="1588957" y="314792"/>
+            <a:ext cx="4362138" cy="524657"/>
+          </a:xfrm>
+          <a:prstGeom prst="rect">
+            <a:avLst/>
+          </a:prstGeom>
+        </p:spPr>
+        <p:style>
+          <a:lnRef idx="2">
+            <a:schemeClr val="accent1">
+              <a:shade val="50000"/>
+            </a:schemeClr>
+          </a:lnRef>
+          <a:fillRef idx="1">
+            <a:schemeClr val="accent1"/>
+          </a:fillRef>
+          <a:effectRef idx="0">
+            <a:schemeClr val="accent1"/>
+          </a:effectRef>
+          <a:fontRef idx="minor">
+            <a:schemeClr val="lt1"/>
+          </a:fontRef>
+        </p:style>
         <p:txBody>
-          <a:bodyPr/>
+          <a:bodyPr rtlCol="0" anchor="ctr"/>
           <a:lstStyle/>
           <a:p>
-            <a:r>
-              <a:rPr lang="en-US"/>
-              <a:t>Conclusion:</a:t>
-            </a:r>
-            <a:endParaRPr lang="en-IN"/>
+            <a:pPr algn="ctr"/>
+            <a:r>
+              <a:rPr lang="en-US" sz="2400" b="1" dirty="0"/>
+              <a:t>Confusion Matrix</a:t>
+            </a:r>
+            <a:endParaRPr lang="en-IN" b="1" dirty="0"/>
           </a:p>
         </p:txBody>
       </p:sp>
-      <p:sp>
-        <p:nvSpPr>
-          <p:cNvPr id="3" name="Content Placeholder 2">
-            <a:extLst>
-              <a:ext uri="{FF2B5EF4-FFF2-40B4-BE49-F238E27FC236}">
-                <a16:creationId xmlns:a16="http://schemas.microsoft.com/office/drawing/2014/main" id="{E0341AA2-E753-4161-B67C-81AD778DC8BF}"/>
-              </a:ext>
-            </a:extLst>
-          </p:cNvPr>
-          <p:cNvSpPr>
-            <a:spLocks noGrp="1"/>
-          </p:cNvSpPr>
-          <p:nvPr>
-            <p:ph idx="1"/>
-          </p:nvPr>
-        </p:nvSpPr>
-        <p:spPr/>
-        <p:txBody>
-          <a:bodyPr/>
-          <a:lstStyle/>
-          <a:p>
-            <a:endParaRPr lang="en-IN"/>
-          </a:p>
-        </p:txBody>
-      </p:sp>
+      <p:pic>
+        <p:nvPicPr>
+          <p:cNvPr id="5" name="Picture 4">
+            <a:extLst>
+              <a:ext uri="{FF2B5EF4-FFF2-40B4-BE49-F238E27FC236}">
+                <a16:creationId xmlns:a16="http://schemas.microsoft.com/office/drawing/2014/main" id="{18697ED2-6251-482D-9F43-A9434BD12DC6}"/>
+              </a:ext>
+            </a:extLst>
+          </p:cNvPr>
+          <p:cNvPicPr/>
+          <p:nvPr/>
+        </p:nvPicPr>
+        <p:blipFill>
+          <a:blip r:embed="rId2">
+            <a:extLst>
+              <a:ext uri="{28A0092B-C50C-407E-A947-70E740481C1C}">
+                <a14:useLocalDpi xmlns:a14="http://schemas.microsoft.com/office/drawing/2010/main" val="0"/>
+              </a:ext>
+            </a:extLst>
+          </a:blip>
+          <a:srcRect/>
+          <a:stretch>
+            <a:fillRect/>
+          </a:stretch>
+        </p:blipFill>
+        <p:spPr bwMode="auto">
+          <a:xfrm>
+            <a:off x="1588957" y="314792"/>
+            <a:ext cx="9014086" cy="6228416"/>
+          </a:xfrm>
+          <a:prstGeom prst="rect">
+            <a:avLst/>
+          </a:prstGeom>
+          <a:noFill/>
+          <a:ln>
+            <a:noFill/>
+          </a:ln>
+        </p:spPr>
+      </p:pic>
     </p:spTree>
     <p:extLst>
       <p:ext uri="{BB962C8B-B14F-4D97-AF65-F5344CB8AC3E}">
-        <p14:creationId xmlns:p14="http://schemas.microsoft.com/office/powerpoint/2010/main" val="610179707"/>
+        <p14:creationId xmlns:p14="http://schemas.microsoft.com/office/powerpoint/2010/main" val="2959175147"/>
       </p:ext>
     </p:extLst>
   </p:cSld>
@@ -3960,6 +6495,1560 @@
       </p:grpSpPr>
       <p:sp>
         <p:nvSpPr>
+          <p:cNvPr id="2" name="Title 1">
+            <a:extLst>
+              <a:ext uri="{FF2B5EF4-FFF2-40B4-BE49-F238E27FC236}">
+                <a16:creationId xmlns:a16="http://schemas.microsoft.com/office/drawing/2014/main" id="{3664C017-D707-42F6-BF82-6B6C3A666635}"/>
+              </a:ext>
+            </a:extLst>
+          </p:cNvPr>
+          <p:cNvSpPr>
+            <a:spLocks noGrp="1"/>
+          </p:cNvSpPr>
+          <p:nvPr>
+            <p:ph type="title"/>
+          </p:nvPr>
+        </p:nvSpPr>
+        <p:spPr/>
+        <p:txBody>
+          <a:bodyPr/>
+          <a:lstStyle/>
+          <a:p>
+            <a:r>
+              <a:rPr lang="en-US" dirty="0"/>
+              <a:t>Model Evaluation:</a:t>
+            </a:r>
+            <a:endParaRPr lang="en-IN" dirty="0"/>
+          </a:p>
+        </p:txBody>
+      </p:sp>
+      <p:sp>
+        <p:nvSpPr>
+          <p:cNvPr id="3" name="Content Placeholder 2">
+            <a:extLst>
+              <a:ext uri="{FF2B5EF4-FFF2-40B4-BE49-F238E27FC236}">
+                <a16:creationId xmlns:a16="http://schemas.microsoft.com/office/drawing/2014/main" id="{E0341AA2-E753-4161-B67C-81AD778DC8BF}"/>
+              </a:ext>
+            </a:extLst>
+          </p:cNvPr>
+          <p:cNvSpPr>
+            <a:spLocks noGrp="1"/>
+          </p:cNvSpPr>
+          <p:nvPr>
+            <p:ph idx="1"/>
+          </p:nvPr>
+        </p:nvSpPr>
+        <p:spPr/>
+        <p:txBody>
+          <a:bodyPr/>
+          <a:lstStyle/>
+          <a:p>
+            <a:endParaRPr lang="en-US" dirty="0"/>
+          </a:p>
+          <a:p>
+            <a:r>
+              <a:rPr lang="en-US" dirty="0"/>
+              <a:t>Accuracy Score: </a:t>
+            </a:r>
+            <a:r>
+              <a:rPr lang="en-US" b="1" dirty="0"/>
+              <a:t>0.6251701553871838</a:t>
+            </a:r>
+          </a:p>
+          <a:p>
+            <a:endParaRPr lang="en-US" dirty="0"/>
+          </a:p>
+          <a:p>
+            <a:r>
+              <a:rPr lang="en-US" dirty="0"/>
+              <a:t>F1 – Score: </a:t>
+            </a:r>
+            <a:r>
+              <a:rPr lang="en-IN" b="1" dirty="0"/>
+              <a:t>0.5417033036050747</a:t>
+            </a:r>
+            <a:endParaRPr lang="en-US" b="1" dirty="0"/>
+          </a:p>
+          <a:p>
+            <a:pPr marL="0" indent="0">
+              <a:buNone/>
+            </a:pPr>
+            <a:endParaRPr lang="en-IN" dirty="0"/>
+          </a:p>
+        </p:txBody>
+      </p:sp>
+    </p:spTree>
+    <p:extLst>
+      <p:ext uri="{BB962C8B-B14F-4D97-AF65-F5344CB8AC3E}">
+        <p14:creationId xmlns:p14="http://schemas.microsoft.com/office/powerpoint/2010/main" val="4193029486"/>
+      </p:ext>
+    </p:extLst>
+  </p:cSld>
+  <p:clrMapOvr>
+    <a:masterClrMapping/>
+  </p:clrMapOvr>
+  <mc:AlternateContent xmlns:mc="http://schemas.openxmlformats.org/markup-compatibility/2006">
+    <mc:Choice xmlns:p159="http://schemas.microsoft.com/office/powerpoint/2015/09/main" Requires="p159">
+      <p:transition xmlns:p14="http://schemas.microsoft.com/office/powerpoint/2010/main" spd="slow" p14:dur="2000">
+        <p159:morph option="byObject"/>
+      </p:transition>
+    </mc:Choice>
+    <mc:Fallback>
+      <p:transition spd="slow">
+        <p:fade/>
+      </p:transition>
+    </mc:Fallback>
+  </mc:AlternateContent>
+</p:sld>
+</file>
+
+<file path=ppt/slides/slide16.xml><?xml version="1.0" encoding="utf-8"?>
+<p:sld xmlns:a="http://schemas.openxmlformats.org/drawingml/2006/main" xmlns:r="http://schemas.openxmlformats.org/officeDocument/2006/relationships" xmlns:p="http://schemas.openxmlformats.org/presentationml/2006/main">
+  <p:cSld>
+    <p:spTree>
+      <p:nvGrpSpPr>
+        <p:cNvPr id="1" name=""/>
+        <p:cNvGrpSpPr/>
+        <p:nvPr/>
+      </p:nvGrpSpPr>
+      <p:grpSpPr>
+        <a:xfrm>
+          <a:off x="0" y="0"/>
+          <a:ext cx="0" cy="0"/>
+          <a:chOff x="0" y="0"/>
+          <a:chExt cx="0" cy="0"/>
+        </a:xfrm>
+      </p:grpSpPr>
+      <p:sp>
+        <p:nvSpPr>
+          <p:cNvPr id="2" name="Title 1">
+            <a:extLst>
+              <a:ext uri="{FF2B5EF4-FFF2-40B4-BE49-F238E27FC236}">
+                <a16:creationId xmlns:a16="http://schemas.microsoft.com/office/drawing/2014/main" id="{3664C017-D707-42F6-BF82-6B6C3A666635}"/>
+              </a:ext>
+            </a:extLst>
+          </p:cNvPr>
+          <p:cNvSpPr>
+            <a:spLocks noGrp="1"/>
+          </p:cNvSpPr>
+          <p:nvPr>
+            <p:ph type="title"/>
+          </p:nvPr>
+        </p:nvSpPr>
+        <p:spPr/>
+        <p:txBody>
+          <a:bodyPr/>
+          <a:lstStyle/>
+          <a:p>
+            <a:r>
+              <a:rPr lang="en-US" dirty="0"/>
+              <a:t>Discussion:</a:t>
+            </a:r>
+            <a:endParaRPr lang="en-IN" dirty="0"/>
+          </a:p>
+        </p:txBody>
+      </p:sp>
+      <p:sp>
+        <p:nvSpPr>
+          <p:cNvPr id="3" name="Content Placeholder 2">
+            <a:extLst>
+              <a:ext uri="{FF2B5EF4-FFF2-40B4-BE49-F238E27FC236}">
+                <a16:creationId xmlns:a16="http://schemas.microsoft.com/office/drawing/2014/main" id="{E0341AA2-E753-4161-B67C-81AD778DC8BF}"/>
+              </a:ext>
+            </a:extLst>
+          </p:cNvPr>
+          <p:cNvSpPr>
+            <a:spLocks noGrp="1"/>
+          </p:cNvSpPr>
+          <p:nvPr>
+            <p:ph idx="1"/>
+          </p:nvPr>
+        </p:nvSpPr>
+        <p:spPr/>
+        <p:txBody>
+          <a:bodyPr/>
+          <a:lstStyle/>
+          <a:p>
+            <a:endParaRPr lang="en-US" dirty="0"/>
+          </a:p>
+          <a:p>
+            <a:endParaRPr lang="en-US" dirty="0"/>
+          </a:p>
+          <a:p>
+            <a:endParaRPr lang="en-US" dirty="0"/>
+          </a:p>
+          <a:p>
+            <a:endParaRPr lang="en-US" dirty="0"/>
+          </a:p>
+          <a:p>
+            <a:endParaRPr lang="en-US" dirty="0"/>
+          </a:p>
+          <a:p>
+            <a:r>
+              <a:rPr lang="en-US" dirty="0"/>
+              <a:t>Both models </a:t>
+            </a:r>
+            <a:r>
+              <a:rPr lang="en-US" dirty="0">
+                <a:sym typeface="Wingdings" panose="05000000000000000000" pitchFamily="2" charset="2"/>
+              </a:rPr>
+              <a:t> Similar Accuracy</a:t>
+            </a:r>
+          </a:p>
+          <a:p>
+            <a:r>
+              <a:rPr lang="en-US" dirty="0">
+                <a:sym typeface="Wingdings" panose="05000000000000000000" pitchFamily="2" charset="2"/>
+              </a:rPr>
+              <a:t>Logistic Regression: Balanced Recall</a:t>
+            </a:r>
+          </a:p>
+          <a:p>
+            <a:r>
+              <a:rPr lang="en-US" dirty="0">
+                <a:sym typeface="Wingdings" panose="05000000000000000000" pitchFamily="2" charset="2"/>
+              </a:rPr>
+              <a:t>Decision Tree: Better Precision</a:t>
+            </a:r>
+            <a:endParaRPr lang="en-IN" dirty="0"/>
+          </a:p>
+        </p:txBody>
+      </p:sp>
+      <p:graphicFrame>
+        <p:nvGraphicFramePr>
+          <p:cNvPr id="4" name="Table 3">
+            <a:extLst>
+              <a:ext uri="{FF2B5EF4-FFF2-40B4-BE49-F238E27FC236}">
+                <a16:creationId xmlns:a16="http://schemas.microsoft.com/office/drawing/2014/main" id="{224E456E-1C7C-490C-A0A9-F5A16D3C5CDF}"/>
+              </a:ext>
+            </a:extLst>
+          </p:cNvPr>
+          <p:cNvGraphicFramePr>
+            <a:graphicFrameLocks noGrp="1"/>
+          </p:cNvGraphicFramePr>
+          <p:nvPr>
+            <p:extLst>
+              <p:ext uri="{D42A27DB-BD31-4B8C-83A1-F6EECF244321}">
+                <p14:modId xmlns:p14="http://schemas.microsoft.com/office/powerpoint/2010/main" val="1538899511"/>
+              </p:ext>
+            </p:extLst>
+          </p:nvPr>
+        </p:nvGraphicFramePr>
+        <p:xfrm>
+          <a:off x="838199" y="1496012"/>
+          <a:ext cx="10515600" cy="2731214"/>
+        </p:xfrm>
+        <a:graphic>
+          <a:graphicData uri="http://schemas.openxmlformats.org/drawingml/2006/table">
+            <a:tbl>
+              <a:tblPr firstRow="1" firstCol="1" bandRow="1">
+                <a:tableStyleId>{5C22544A-7EE6-4342-B048-85BDC9FD1C3A}</a:tableStyleId>
+              </a:tblPr>
+              <a:tblGrid>
+                <a:gridCol w="2101760">
+                  <a:extLst>
+                    <a:ext uri="{9D8B030D-6E8A-4147-A177-3AD203B41FA5}">
+                      <a16:colId xmlns:a16="http://schemas.microsoft.com/office/drawing/2014/main" val="1332432677"/>
+                    </a:ext>
+                  </a:extLst>
+                </a:gridCol>
+                <a:gridCol w="2101760">
+                  <a:extLst>
+                    <a:ext uri="{9D8B030D-6E8A-4147-A177-3AD203B41FA5}">
+                      <a16:colId xmlns:a16="http://schemas.microsoft.com/office/drawing/2014/main" val="3088828149"/>
+                    </a:ext>
+                  </a:extLst>
+                </a:gridCol>
+                <a:gridCol w="2101760">
+                  <a:extLst>
+                    <a:ext uri="{9D8B030D-6E8A-4147-A177-3AD203B41FA5}">
+                      <a16:colId xmlns:a16="http://schemas.microsoft.com/office/drawing/2014/main" val="1694924504"/>
+                    </a:ext>
+                  </a:extLst>
+                </a:gridCol>
+                <a:gridCol w="2105160">
+                  <a:extLst>
+                    <a:ext uri="{9D8B030D-6E8A-4147-A177-3AD203B41FA5}">
+                      <a16:colId xmlns:a16="http://schemas.microsoft.com/office/drawing/2014/main" val="1072743407"/>
+                    </a:ext>
+                  </a:extLst>
+                </a:gridCol>
+                <a:gridCol w="2105160">
+                  <a:extLst>
+                    <a:ext uri="{9D8B030D-6E8A-4147-A177-3AD203B41FA5}">
+                      <a16:colId xmlns:a16="http://schemas.microsoft.com/office/drawing/2014/main" val="3958548907"/>
+                    </a:ext>
+                  </a:extLst>
+                </a:gridCol>
+              </a:tblGrid>
+              <a:tr h="934636">
+                <a:tc>
+                  <a:txBody>
+                    <a:bodyPr/>
+                    <a:lstStyle/>
+                    <a:p>
+                      <a:pPr algn="ctr">
+                        <a:spcBef>
+                          <a:spcPts val="1800"/>
+                        </a:spcBef>
+                      </a:pPr>
+                      <a:r>
+                        <a:rPr lang="en-IN" sz="1100">
+                          <a:effectLst/>
+                        </a:rPr>
+                        <a:t>Algorithm</a:t>
+                      </a:r>
+                      <a:endParaRPr lang="en-IN" sz="1100" b="1">
+                        <a:solidFill>
+                          <a:srgbClr val="E7E6E6"/>
+                        </a:solidFill>
+                        <a:effectLst/>
+                        <a:latin typeface="Calibri" panose="020F0502020204030204" pitchFamily="34" charset="0"/>
+                        <a:cs typeface="Times New Roman" panose="02020603050405020304" pitchFamily="18" charset="0"/>
+                      </a:endParaRPr>
+                    </a:p>
+                  </a:txBody>
+                  <a:tcPr marL="68580" marR="68580" marT="0" marB="0"/>
+                </a:tc>
+                <a:tc>
+                  <a:txBody>
+                    <a:bodyPr/>
+                    <a:lstStyle/>
+                    <a:p>
+                      <a:pPr algn="ctr">
+                        <a:lnSpc>
+                          <a:spcPct val="107000"/>
+                        </a:lnSpc>
+                        <a:spcBef>
+                          <a:spcPts val="1800"/>
+                        </a:spcBef>
+                        <a:spcAft>
+                          <a:spcPts val="800"/>
+                        </a:spcAft>
+                      </a:pPr>
+                      <a:r>
+                        <a:rPr lang="en-IN" sz="1400" dirty="0">
+                          <a:effectLst/>
+                        </a:rPr>
+                        <a:t>Average F1 Score</a:t>
+                      </a:r>
+                      <a:endParaRPr lang="en-IN" sz="1100" dirty="0">
+                        <a:effectLst/>
+                        <a:latin typeface="Calibri" panose="020F0502020204030204" pitchFamily="34" charset="0"/>
+                        <a:ea typeface="Calibri" panose="020F0502020204030204" pitchFamily="34" charset="0"/>
+                        <a:cs typeface="Times New Roman" panose="02020603050405020304" pitchFamily="18" charset="0"/>
+                      </a:endParaRPr>
+                    </a:p>
+                  </a:txBody>
+                  <a:tcPr marL="68580" marR="68580" marT="0" marB="0"/>
+                </a:tc>
+                <a:tc>
+                  <a:txBody>
+                    <a:bodyPr/>
+                    <a:lstStyle/>
+                    <a:p>
+                      <a:pPr algn="ctr">
+                        <a:lnSpc>
+                          <a:spcPct val="107000"/>
+                        </a:lnSpc>
+                        <a:spcBef>
+                          <a:spcPts val="600"/>
+                        </a:spcBef>
+                        <a:spcAft>
+                          <a:spcPts val="800"/>
+                        </a:spcAft>
+                      </a:pPr>
+                      <a:r>
+                        <a:rPr lang="en-IN" sz="1400">
+                          <a:effectLst/>
+                        </a:rPr>
+                        <a:t>Property Damage (0) vs Injury (1)</a:t>
+                      </a:r>
+                      <a:endParaRPr lang="en-IN" sz="1100">
+                        <a:effectLst/>
+                        <a:latin typeface="Calibri" panose="020F0502020204030204" pitchFamily="34" charset="0"/>
+                        <a:ea typeface="Calibri" panose="020F0502020204030204" pitchFamily="34" charset="0"/>
+                        <a:cs typeface="Times New Roman" panose="02020603050405020304" pitchFamily="18" charset="0"/>
+                      </a:endParaRPr>
+                    </a:p>
+                  </a:txBody>
+                  <a:tcPr marL="68580" marR="68580" marT="0" marB="0"/>
+                </a:tc>
+                <a:tc>
+                  <a:txBody>
+                    <a:bodyPr/>
+                    <a:lstStyle/>
+                    <a:p>
+                      <a:pPr algn="ctr">
+                        <a:spcBef>
+                          <a:spcPts val="1800"/>
+                        </a:spcBef>
+                      </a:pPr>
+                      <a:r>
+                        <a:rPr lang="en-IN" sz="1100">
+                          <a:effectLst/>
+                        </a:rPr>
+                        <a:t>Precision</a:t>
+                      </a:r>
+                      <a:endParaRPr lang="en-IN" sz="1100" b="1">
+                        <a:solidFill>
+                          <a:srgbClr val="E7E6E6"/>
+                        </a:solidFill>
+                        <a:effectLst/>
+                        <a:latin typeface="Calibri" panose="020F0502020204030204" pitchFamily="34" charset="0"/>
+                        <a:cs typeface="Times New Roman" panose="02020603050405020304" pitchFamily="18" charset="0"/>
+                      </a:endParaRPr>
+                    </a:p>
+                  </a:txBody>
+                  <a:tcPr marL="68580" marR="68580" marT="0" marB="0"/>
+                </a:tc>
+                <a:tc>
+                  <a:txBody>
+                    <a:bodyPr/>
+                    <a:lstStyle/>
+                    <a:p>
+                      <a:pPr algn="ctr">
+                        <a:spcBef>
+                          <a:spcPts val="1800"/>
+                        </a:spcBef>
+                      </a:pPr>
+                      <a:r>
+                        <a:rPr lang="en-IN" sz="1100">
+                          <a:effectLst/>
+                        </a:rPr>
+                        <a:t>Recall</a:t>
+                      </a:r>
+                      <a:endParaRPr lang="en-IN" sz="1100" b="1">
+                        <a:solidFill>
+                          <a:srgbClr val="E7E6E6"/>
+                        </a:solidFill>
+                        <a:effectLst/>
+                        <a:latin typeface="Calibri" panose="020F0502020204030204" pitchFamily="34" charset="0"/>
+                        <a:cs typeface="Times New Roman" panose="02020603050405020304" pitchFamily="18" charset="0"/>
+                      </a:endParaRPr>
+                    </a:p>
+                  </a:txBody>
+                  <a:tcPr marL="68580" marR="68580" marT="0" marB="0"/>
+                </a:tc>
+                <a:extLst>
+                  <a:ext uri="{0D108BD9-81ED-4DB2-BD59-A6C34878D82A}">
+                    <a16:rowId xmlns:a16="http://schemas.microsoft.com/office/drawing/2014/main" val="1352212275"/>
+                  </a:ext>
+                </a:extLst>
+              </a:tr>
+              <a:tr h="438389">
+                <a:tc rowSpan="2">
+                  <a:txBody>
+                    <a:bodyPr/>
+                    <a:lstStyle/>
+                    <a:p>
+                      <a:pPr algn="ctr">
+                        <a:lnSpc>
+                          <a:spcPct val="107000"/>
+                        </a:lnSpc>
+                        <a:spcBef>
+                          <a:spcPts val="1200"/>
+                        </a:spcBef>
+                        <a:spcAft>
+                          <a:spcPts val="800"/>
+                        </a:spcAft>
+                      </a:pPr>
+                      <a:r>
+                        <a:rPr lang="en-IN" sz="1400">
+                          <a:effectLst/>
+                        </a:rPr>
+                        <a:t>Logistic Regression</a:t>
+                      </a:r>
+                      <a:endParaRPr lang="en-IN" sz="1100">
+                        <a:effectLst/>
+                        <a:latin typeface="Calibri" panose="020F0502020204030204" pitchFamily="34" charset="0"/>
+                        <a:ea typeface="Calibri" panose="020F0502020204030204" pitchFamily="34" charset="0"/>
+                        <a:cs typeface="Times New Roman" panose="02020603050405020304" pitchFamily="18" charset="0"/>
+                      </a:endParaRPr>
+                    </a:p>
+                  </a:txBody>
+                  <a:tcPr marL="68580" marR="68580" marT="0" marB="0"/>
+                </a:tc>
+                <a:tc rowSpan="2">
+                  <a:txBody>
+                    <a:bodyPr/>
+                    <a:lstStyle/>
+                    <a:p>
+                      <a:pPr algn="ctr">
+                        <a:lnSpc>
+                          <a:spcPct val="107000"/>
+                        </a:lnSpc>
+                        <a:spcBef>
+                          <a:spcPts val="1800"/>
+                        </a:spcBef>
+                        <a:spcAft>
+                          <a:spcPts val="800"/>
+                        </a:spcAft>
+                      </a:pPr>
+                      <a:r>
+                        <a:rPr lang="en-IN" sz="1400">
+                          <a:effectLst/>
+                        </a:rPr>
+                        <a:t>0.65</a:t>
+                      </a:r>
+                      <a:endParaRPr lang="en-IN" sz="1100">
+                        <a:effectLst/>
+                        <a:latin typeface="Calibri" panose="020F0502020204030204" pitchFamily="34" charset="0"/>
+                        <a:ea typeface="Calibri" panose="020F0502020204030204" pitchFamily="34" charset="0"/>
+                        <a:cs typeface="Times New Roman" panose="02020603050405020304" pitchFamily="18" charset="0"/>
+                      </a:endParaRPr>
+                    </a:p>
+                  </a:txBody>
+                  <a:tcPr marL="68580" marR="68580" marT="0" marB="0"/>
+                </a:tc>
+                <a:tc>
+                  <a:txBody>
+                    <a:bodyPr/>
+                    <a:lstStyle/>
+                    <a:p>
+                      <a:pPr algn="ctr">
+                        <a:lnSpc>
+                          <a:spcPct val="107000"/>
+                        </a:lnSpc>
+                        <a:spcBef>
+                          <a:spcPts val="600"/>
+                        </a:spcBef>
+                        <a:spcAft>
+                          <a:spcPts val="800"/>
+                        </a:spcAft>
+                      </a:pPr>
+                      <a:r>
+                        <a:rPr lang="en-IN" sz="1400">
+                          <a:effectLst/>
+                        </a:rPr>
+                        <a:t>0</a:t>
+                      </a:r>
+                      <a:endParaRPr lang="en-IN" sz="1100">
+                        <a:effectLst/>
+                        <a:latin typeface="Calibri" panose="020F0502020204030204" pitchFamily="34" charset="0"/>
+                        <a:ea typeface="Calibri" panose="020F0502020204030204" pitchFamily="34" charset="0"/>
+                        <a:cs typeface="Times New Roman" panose="02020603050405020304" pitchFamily="18" charset="0"/>
+                      </a:endParaRPr>
+                    </a:p>
+                  </a:txBody>
+                  <a:tcPr marL="68580" marR="68580" marT="0" marB="0"/>
+                </a:tc>
+                <a:tc>
+                  <a:txBody>
+                    <a:bodyPr/>
+                    <a:lstStyle/>
+                    <a:p>
+                      <a:pPr algn="ctr">
+                        <a:lnSpc>
+                          <a:spcPct val="107000"/>
+                        </a:lnSpc>
+                        <a:spcBef>
+                          <a:spcPts val="600"/>
+                        </a:spcBef>
+                        <a:spcAft>
+                          <a:spcPts val="800"/>
+                        </a:spcAft>
+                      </a:pPr>
+                      <a:r>
+                        <a:rPr lang="en-IN" sz="1400">
+                          <a:effectLst/>
+                        </a:rPr>
+                        <a:t>0.82</a:t>
+                      </a:r>
+                      <a:endParaRPr lang="en-IN" sz="1100">
+                        <a:effectLst/>
+                        <a:latin typeface="Calibri" panose="020F0502020204030204" pitchFamily="34" charset="0"/>
+                        <a:ea typeface="Calibri" panose="020F0502020204030204" pitchFamily="34" charset="0"/>
+                        <a:cs typeface="Times New Roman" panose="02020603050405020304" pitchFamily="18" charset="0"/>
+                      </a:endParaRPr>
+                    </a:p>
+                  </a:txBody>
+                  <a:tcPr marL="68580" marR="68580" marT="0" marB="0"/>
+                </a:tc>
+                <a:tc>
+                  <a:txBody>
+                    <a:bodyPr/>
+                    <a:lstStyle/>
+                    <a:p>
+                      <a:pPr algn="ctr">
+                        <a:lnSpc>
+                          <a:spcPct val="107000"/>
+                        </a:lnSpc>
+                        <a:spcBef>
+                          <a:spcPts val="600"/>
+                        </a:spcBef>
+                        <a:spcAft>
+                          <a:spcPts val="800"/>
+                        </a:spcAft>
+                      </a:pPr>
+                      <a:r>
+                        <a:rPr lang="en-IN" sz="1400">
+                          <a:effectLst/>
+                        </a:rPr>
+                        <a:t>0.63</a:t>
+                      </a:r>
+                      <a:endParaRPr lang="en-IN" sz="1100">
+                        <a:effectLst/>
+                        <a:latin typeface="Calibri" panose="020F0502020204030204" pitchFamily="34" charset="0"/>
+                        <a:ea typeface="Calibri" panose="020F0502020204030204" pitchFamily="34" charset="0"/>
+                        <a:cs typeface="Times New Roman" panose="02020603050405020304" pitchFamily="18" charset="0"/>
+                      </a:endParaRPr>
+                    </a:p>
+                  </a:txBody>
+                  <a:tcPr marL="68580" marR="68580" marT="0" marB="0"/>
+                </a:tc>
+                <a:extLst>
+                  <a:ext uri="{0D108BD9-81ED-4DB2-BD59-A6C34878D82A}">
+                    <a16:rowId xmlns:a16="http://schemas.microsoft.com/office/drawing/2014/main" val="531921528"/>
+                  </a:ext>
+                </a:extLst>
+              </a:tr>
+              <a:tr h="459900">
+                <a:tc vMerge="1">
+                  <a:txBody>
+                    <a:bodyPr/>
+                    <a:lstStyle/>
+                    <a:p>
+                      <a:endParaRPr lang="en-IN"/>
+                    </a:p>
+                  </a:txBody>
+                  <a:tcPr/>
+                </a:tc>
+                <a:tc vMerge="1">
+                  <a:txBody>
+                    <a:bodyPr/>
+                    <a:lstStyle/>
+                    <a:p>
+                      <a:endParaRPr lang="en-IN"/>
+                    </a:p>
+                  </a:txBody>
+                  <a:tcPr/>
+                </a:tc>
+                <a:tc>
+                  <a:txBody>
+                    <a:bodyPr/>
+                    <a:lstStyle/>
+                    <a:p>
+                      <a:pPr algn="ctr">
+                        <a:lnSpc>
+                          <a:spcPct val="107000"/>
+                        </a:lnSpc>
+                        <a:spcBef>
+                          <a:spcPts val="600"/>
+                        </a:spcBef>
+                        <a:spcAft>
+                          <a:spcPts val="800"/>
+                        </a:spcAft>
+                      </a:pPr>
+                      <a:r>
+                        <a:rPr lang="en-IN" sz="1400">
+                          <a:effectLst/>
+                        </a:rPr>
+                        <a:t>1</a:t>
+                      </a:r>
+                      <a:endParaRPr lang="en-IN" sz="1100">
+                        <a:effectLst/>
+                        <a:latin typeface="Calibri" panose="020F0502020204030204" pitchFamily="34" charset="0"/>
+                        <a:ea typeface="Calibri" panose="020F0502020204030204" pitchFamily="34" charset="0"/>
+                        <a:cs typeface="Times New Roman" panose="02020603050405020304" pitchFamily="18" charset="0"/>
+                      </a:endParaRPr>
+                    </a:p>
+                  </a:txBody>
+                  <a:tcPr marL="68580" marR="68580" marT="0" marB="0"/>
+                </a:tc>
+                <a:tc>
+                  <a:txBody>
+                    <a:bodyPr/>
+                    <a:lstStyle/>
+                    <a:p>
+                      <a:pPr algn="ctr">
+                        <a:lnSpc>
+                          <a:spcPct val="107000"/>
+                        </a:lnSpc>
+                        <a:spcBef>
+                          <a:spcPts val="600"/>
+                        </a:spcBef>
+                        <a:spcAft>
+                          <a:spcPts val="800"/>
+                        </a:spcAft>
+                      </a:pPr>
+                      <a:r>
+                        <a:rPr lang="en-IN" sz="1400">
+                          <a:effectLst/>
+                        </a:rPr>
+                        <a:t>0.43</a:t>
+                      </a:r>
+                      <a:endParaRPr lang="en-IN" sz="1100">
+                        <a:effectLst/>
+                        <a:latin typeface="Calibri" panose="020F0502020204030204" pitchFamily="34" charset="0"/>
+                        <a:ea typeface="Calibri" panose="020F0502020204030204" pitchFamily="34" charset="0"/>
+                        <a:cs typeface="Times New Roman" panose="02020603050405020304" pitchFamily="18" charset="0"/>
+                      </a:endParaRPr>
+                    </a:p>
+                  </a:txBody>
+                  <a:tcPr marL="68580" marR="68580" marT="0" marB="0"/>
+                </a:tc>
+                <a:tc>
+                  <a:txBody>
+                    <a:bodyPr/>
+                    <a:lstStyle/>
+                    <a:p>
+                      <a:pPr algn="ctr">
+                        <a:lnSpc>
+                          <a:spcPct val="107000"/>
+                        </a:lnSpc>
+                        <a:spcBef>
+                          <a:spcPts val="600"/>
+                        </a:spcBef>
+                        <a:spcAft>
+                          <a:spcPts val="800"/>
+                        </a:spcAft>
+                      </a:pPr>
+                      <a:r>
+                        <a:rPr lang="en-IN" sz="1400">
+                          <a:effectLst/>
+                        </a:rPr>
+                        <a:t>0.67</a:t>
+                      </a:r>
+                      <a:endParaRPr lang="en-IN" sz="1100">
+                        <a:effectLst/>
+                        <a:latin typeface="Calibri" panose="020F0502020204030204" pitchFamily="34" charset="0"/>
+                        <a:ea typeface="Calibri" panose="020F0502020204030204" pitchFamily="34" charset="0"/>
+                        <a:cs typeface="Times New Roman" panose="02020603050405020304" pitchFamily="18" charset="0"/>
+                      </a:endParaRPr>
+                    </a:p>
+                  </a:txBody>
+                  <a:tcPr marL="68580" marR="68580" marT="0" marB="0"/>
+                </a:tc>
+                <a:extLst>
+                  <a:ext uri="{0D108BD9-81ED-4DB2-BD59-A6C34878D82A}">
+                    <a16:rowId xmlns:a16="http://schemas.microsoft.com/office/drawing/2014/main" val="3163873533"/>
+                  </a:ext>
+                </a:extLst>
+              </a:tr>
+              <a:tr h="438389">
+                <a:tc rowSpan="2">
+                  <a:txBody>
+                    <a:bodyPr/>
+                    <a:lstStyle/>
+                    <a:p>
+                      <a:pPr algn="ctr">
+                        <a:lnSpc>
+                          <a:spcPct val="107000"/>
+                        </a:lnSpc>
+                        <a:spcBef>
+                          <a:spcPts val="1200"/>
+                        </a:spcBef>
+                        <a:spcAft>
+                          <a:spcPts val="800"/>
+                        </a:spcAft>
+                      </a:pPr>
+                      <a:r>
+                        <a:rPr lang="en-IN" sz="1400">
+                          <a:effectLst/>
+                        </a:rPr>
+                        <a:t>Decision Tree</a:t>
+                      </a:r>
+                      <a:endParaRPr lang="en-IN" sz="1100">
+                        <a:effectLst/>
+                        <a:latin typeface="Calibri" panose="020F0502020204030204" pitchFamily="34" charset="0"/>
+                        <a:ea typeface="Calibri" panose="020F0502020204030204" pitchFamily="34" charset="0"/>
+                        <a:cs typeface="Times New Roman" panose="02020603050405020304" pitchFamily="18" charset="0"/>
+                      </a:endParaRPr>
+                    </a:p>
+                  </a:txBody>
+                  <a:tcPr marL="68580" marR="68580" marT="0" marB="0"/>
+                </a:tc>
+                <a:tc rowSpan="2">
+                  <a:txBody>
+                    <a:bodyPr/>
+                    <a:lstStyle/>
+                    <a:p>
+                      <a:pPr algn="ctr">
+                        <a:lnSpc>
+                          <a:spcPct val="107000"/>
+                        </a:lnSpc>
+                        <a:spcBef>
+                          <a:spcPts val="1800"/>
+                        </a:spcBef>
+                        <a:spcAft>
+                          <a:spcPts val="800"/>
+                        </a:spcAft>
+                      </a:pPr>
+                      <a:r>
+                        <a:rPr lang="en-IN" sz="1400">
+                          <a:effectLst/>
+                        </a:rPr>
+                        <a:t>0.64</a:t>
+                      </a:r>
+                      <a:endParaRPr lang="en-IN" sz="1100">
+                        <a:effectLst/>
+                        <a:latin typeface="Calibri" panose="020F0502020204030204" pitchFamily="34" charset="0"/>
+                        <a:ea typeface="Calibri" panose="020F0502020204030204" pitchFamily="34" charset="0"/>
+                        <a:cs typeface="Times New Roman" panose="02020603050405020304" pitchFamily="18" charset="0"/>
+                      </a:endParaRPr>
+                    </a:p>
+                  </a:txBody>
+                  <a:tcPr marL="68580" marR="68580" marT="0" marB="0"/>
+                </a:tc>
+                <a:tc>
+                  <a:txBody>
+                    <a:bodyPr/>
+                    <a:lstStyle/>
+                    <a:p>
+                      <a:pPr algn="ctr">
+                        <a:lnSpc>
+                          <a:spcPct val="107000"/>
+                        </a:lnSpc>
+                        <a:spcBef>
+                          <a:spcPts val="600"/>
+                        </a:spcBef>
+                        <a:spcAft>
+                          <a:spcPts val="800"/>
+                        </a:spcAft>
+                      </a:pPr>
+                      <a:r>
+                        <a:rPr lang="en-IN" sz="1400">
+                          <a:effectLst/>
+                        </a:rPr>
+                        <a:t>0</a:t>
+                      </a:r>
+                      <a:endParaRPr lang="en-IN" sz="1100">
+                        <a:effectLst/>
+                        <a:latin typeface="Calibri" panose="020F0502020204030204" pitchFamily="34" charset="0"/>
+                        <a:ea typeface="Calibri" panose="020F0502020204030204" pitchFamily="34" charset="0"/>
+                        <a:cs typeface="Times New Roman" panose="02020603050405020304" pitchFamily="18" charset="0"/>
+                      </a:endParaRPr>
+                    </a:p>
+                  </a:txBody>
+                  <a:tcPr marL="68580" marR="68580" marT="0" marB="0"/>
+                </a:tc>
+                <a:tc>
+                  <a:txBody>
+                    <a:bodyPr/>
+                    <a:lstStyle/>
+                    <a:p>
+                      <a:pPr algn="ctr">
+                        <a:lnSpc>
+                          <a:spcPct val="107000"/>
+                        </a:lnSpc>
+                        <a:spcBef>
+                          <a:spcPts val="600"/>
+                        </a:spcBef>
+                        <a:spcAft>
+                          <a:spcPts val="800"/>
+                        </a:spcAft>
+                      </a:pPr>
+                      <a:r>
+                        <a:rPr lang="en-IN" sz="1400">
+                          <a:effectLst/>
+                        </a:rPr>
+                        <a:t>0.84</a:t>
+                      </a:r>
+                      <a:endParaRPr lang="en-IN" sz="1100">
+                        <a:effectLst/>
+                        <a:latin typeface="Calibri" panose="020F0502020204030204" pitchFamily="34" charset="0"/>
+                        <a:ea typeface="Calibri" panose="020F0502020204030204" pitchFamily="34" charset="0"/>
+                        <a:cs typeface="Times New Roman" panose="02020603050405020304" pitchFamily="18" charset="0"/>
+                      </a:endParaRPr>
+                    </a:p>
+                  </a:txBody>
+                  <a:tcPr marL="68580" marR="68580" marT="0" marB="0"/>
+                </a:tc>
+                <a:tc>
+                  <a:txBody>
+                    <a:bodyPr/>
+                    <a:lstStyle/>
+                    <a:p>
+                      <a:pPr algn="ctr">
+                        <a:lnSpc>
+                          <a:spcPct val="107000"/>
+                        </a:lnSpc>
+                        <a:spcBef>
+                          <a:spcPts val="600"/>
+                        </a:spcBef>
+                        <a:spcAft>
+                          <a:spcPts val="800"/>
+                        </a:spcAft>
+                      </a:pPr>
+                      <a:r>
+                        <a:rPr lang="en-IN" sz="1400">
+                          <a:effectLst/>
+                        </a:rPr>
+                        <a:t>0.57</a:t>
+                      </a:r>
+                      <a:endParaRPr lang="en-IN" sz="1100">
+                        <a:effectLst/>
+                        <a:latin typeface="Calibri" panose="020F0502020204030204" pitchFamily="34" charset="0"/>
+                        <a:ea typeface="Calibri" panose="020F0502020204030204" pitchFamily="34" charset="0"/>
+                        <a:cs typeface="Times New Roman" panose="02020603050405020304" pitchFamily="18" charset="0"/>
+                      </a:endParaRPr>
+                    </a:p>
+                  </a:txBody>
+                  <a:tcPr marL="68580" marR="68580" marT="0" marB="0"/>
+                </a:tc>
+                <a:extLst>
+                  <a:ext uri="{0D108BD9-81ED-4DB2-BD59-A6C34878D82A}">
+                    <a16:rowId xmlns:a16="http://schemas.microsoft.com/office/drawing/2014/main" val="1658197677"/>
+                  </a:ext>
+                </a:extLst>
+              </a:tr>
+              <a:tr h="459900">
+                <a:tc vMerge="1">
+                  <a:txBody>
+                    <a:bodyPr/>
+                    <a:lstStyle/>
+                    <a:p>
+                      <a:endParaRPr lang="en-IN"/>
+                    </a:p>
+                  </a:txBody>
+                  <a:tcPr/>
+                </a:tc>
+                <a:tc vMerge="1">
+                  <a:txBody>
+                    <a:bodyPr/>
+                    <a:lstStyle/>
+                    <a:p>
+                      <a:endParaRPr lang="en-IN"/>
+                    </a:p>
+                  </a:txBody>
+                  <a:tcPr/>
+                </a:tc>
+                <a:tc>
+                  <a:txBody>
+                    <a:bodyPr/>
+                    <a:lstStyle/>
+                    <a:p>
+                      <a:pPr algn="ctr">
+                        <a:lnSpc>
+                          <a:spcPct val="107000"/>
+                        </a:lnSpc>
+                        <a:spcBef>
+                          <a:spcPts val="600"/>
+                        </a:spcBef>
+                        <a:spcAft>
+                          <a:spcPts val="800"/>
+                        </a:spcAft>
+                      </a:pPr>
+                      <a:r>
+                        <a:rPr lang="en-IN" sz="1400">
+                          <a:effectLst/>
+                        </a:rPr>
+                        <a:t>1</a:t>
+                      </a:r>
+                      <a:endParaRPr lang="en-IN" sz="1100">
+                        <a:effectLst/>
+                        <a:latin typeface="Calibri" panose="020F0502020204030204" pitchFamily="34" charset="0"/>
+                        <a:ea typeface="Calibri" panose="020F0502020204030204" pitchFamily="34" charset="0"/>
+                        <a:cs typeface="Times New Roman" panose="02020603050405020304" pitchFamily="18" charset="0"/>
+                      </a:endParaRPr>
+                    </a:p>
+                  </a:txBody>
+                  <a:tcPr marL="68580" marR="68580" marT="0" marB="0"/>
+                </a:tc>
+                <a:tc>
+                  <a:txBody>
+                    <a:bodyPr/>
+                    <a:lstStyle/>
+                    <a:p>
+                      <a:pPr algn="ctr">
+                        <a:lnSpc>
+                          <a:spcPct val="107000"/>
+                        </a:lnSpc>
+                        <a:spcBef>
+                          <a:spcPts val="600"/>
+                        </a:spcBef>
+                        <a:spcAft>
+                          <a:spcPts val="800"/>
+                        </a:spcAft>
+                      </a:pPr>
+                      <a:r>
+                        <a:rPr lang="en-IN" sz="1400">
+                          <a:effectLst/>
+                        </a:rPr>
+                        <a:t>0.43</a:t>
+                      </a:r>
+                      <a:endParaRPr lang="en-IN" sz="1100">
+                        <a:effectLst/>
+                        <a:latin typeface="Calibri" panose="020F0502020204030204" pitchFamily="34" charset="0"/>
+                        <a:ea typeface="Calibri" panose="020F0502020204030204" pitchFamily="34" charset="0"/>
+                        <a:cs typeface="Times New Roman" panose="02020603050405020304" pitchFamily="18" charset="0"/>
+                      </a:endParaRPr>
+                    </a:p>
+                  </a:txBody>
+                  <a:tcPr marL="68580" marR="68580" marT="0" marB="0"/>
+                </a:tc>
+                <a:tc>
+                  <a:txBody>
+                    <a:bodyPr/>
+                    <a:lstStyle/>
+                    <a:p>
+                      <a:pPr algn="ctr">
+                        <a:lnSpc>
+                          <a:spcPct val="107000"/>
+                        </a:lnSpc>
+                        <a:spcBef>
+                          <a:spcPts val="600"/>
+                        </a:spcBef>
+                        <a:spcAft>
+                          <a:spcPts val="800"/>
+                        </a:spcAft>
+                      </a:pPr>
+                      <a:r>
+                        <a:rPr lang="en-IN" sz="1400" dirty="0">
+                          <a:effectLst/>
+                        </a:rPr>
+                        <a:t>0.74</a:t>
+                      </a:r>
+                      <a:endParaRPr lang="en-IN" sz="1100" dirty="0">
+                        <a:effectLst/>
+                        <a:latin typeface="Calibri" panose="020F0502020204030204" pitchFamily="34" charset="0"/>
+                        <a:ea typeface="Calibri" panose="020F0502020204030204" pitchFamily="34" charset="0"/>
+                        <a:cs typeface="Times New Roman" panose="02020603050405020304" pitchFamily="18" charset="0"/>
+                      </a:endParaRPr>
+                    </a:p>
+                  </a:txBody>
+                  <a:tcPr marL="68580" marR="68580" marT="0" marB="0"/>
+                </a:tc>
+                <a:extLst>
+                  <a:ext uri="{0D108BD9-81ED-4DB2-BD59-A6C34878D82A}">
+                    <a16:rowId xmlns:a16="http://schemas.microsoft.com/office/drawing/2014/main" val="666098146"/>
+                  </a:ext>
+                </a:extLst>
+              </a:tr>
+            </a:tbl>
+          </a:graphicData>
+        </a:graphic>
+      </p:graphicFrame>
+    </p:spTree>
+    <p:extLst>
+      <p:ext uri="{BB962C8B-B14F-4D97-AF65-F5344CB8AC3E}">
+        <p14:creationId xmlns:p14="http://schemas.microsoft.com/office/powerpoint/2010/main" val="779334792"/>
+      </p:ext>
+    </p:extLst>
+  </p:cSld>
+  <p:clrMapOvr>
+    <a:masterClrMapping/>
+  </p:clrMapOvr>
+  <mc:AlternateContent xmlns:mc="http://schemas.openxmlformats.org/markup-compatibility/2006" xmlns:p159="http://schemas.microsoft.com/office/powerpoint/2015/09/main">
+    <mc:Choice Requires="p159">
+      <p:transition xmlns:p14="http://schemas.microsoft.com/office/powerpoint/2010/main" spd="slow" p14:dur="2000">
+        <p159:morph option="byObject"/>
+      </p:transition>
+    </mc:Choice>
+    <mc:Fallback xmlns="">
+      <p:transition spd="slow">
+        <p:fade/>
+      </p:transition>
+    </mc:Fallback>
+  </mc:AlternateContent>
+</p:sld>
+</file>
+
+<file path=ppt/slides/slide17.xml><?xml version="1.0" encoding="utf-8"?>
+<p:sld xmlns:a="http://schemas.openxmlformats.org/drawingml/2006/main" xmlns:r="http://schemas.openxmlformats.org/officeDocument/2006/relationships" xmlns:p="http://schemas.openxmlformats.org/presentationml/2006/main">
+  <p:cSld>
+    <p:spTree>
+      <p:nvGrpSpPr>
+        <p:cNvPr id="1" name=""/>
+        <p:cNvGrpSpPr/>
+        <p:nvPr/>
+      </p:nvGrpSpPr>
+      <p:grpSpPr>
+        <a:xfrm>
+          <a:off x="0" y="0"/>
+          <a:ext cx="0" cy="0"/>
+          <a:chOff x="0" y="0"/>
+          <a:chExt cx="0" cy="0"/>
+        </a:xfrm>
+      </p:grpSpPr>
+      <p:sp>
+        <p:nvSpPr>
+          <p:cNvPr id="2" name="Title 1">
+            <a:extLst>
+              <a:ext uri="{FF2B5EF4-FFF2-40B4-BE49-F238E27FC236}">
+                <a16:creationId xmlns:a16="http://schemas.microsoft.com/office/drawing/2014/main" id="{3664C017-D707-42F6-BF82-6B6C3A666635}"/>
+              </a:ext>
+            </a:extLst>
+          </p:cNvPr>
+          <p:cNvSpPr>
+            <a:spLocks noGrp="1"/>
+          </p:cNvSpPr>
+          <p:nvPr>
+            <p:ph type="title"/>
+          </p:nvPr>
+        </p:nvSpPr>
+        <p:spPr/>
+        <p:txBody>
+          <a:bodyPr/>
+          <a:lstStyle/>
+          <a:p>
+            <a:r>
+              <a:rPr lang="en-US" dirty="0"/>
+              <a:t>Recommendations:</a:t>
+            </a:r>
+            <a:endParaRPr lang="en-IN" dirty="0"/>
+          </a:p>
+        </p:txBody>
+      </p:sp>
+      <p:sp>
+        <p:nvSpPr>
+          <p:cNvPr id="3" name="Content Placeholder 2">
+            <a:extLst>
+              <a:ext uri="{FF2B5EF4-FFF2-40B4-BE49-F238E27FC236}">
+                <a16:creationId xmlns:a16="http://schemas.microsoft.com/office/drawing/2014/main" id="{E0341AA2-E753-4161-B67C-81AD778DC8BF}"/>
+              </a:ext>
+            </a:extLst>
+          </p:cNvPr>
+          <p:cNvSpPr>
+            <a:spLocks noGrp="1"/>
+          </p:cNvSpPr>
+          <p:nvPr>
+            <p:ph idx="1"/>
+          </p:nvPr>
+        </p:nvSpPr>
+        <p:spPr/>
+        <p:txBody>
+          <a:bodyPr>
+            <a:normAutofit/>
+          </a:bodyPr>
+          <a:lstStyle/>
+          <a:p>
+            <a:pPr marL="342900" lvl="0" indent="-342900">
+              <a:lnSpc>
+                <a:spcPct val="107000"/>
+              </a:lnSpc>
+              <a:buFont typeface="Symbol" panose="05050102010706020507" pitchFamily="18" charset="2"/>
+              <a:buChar char=""/>
+            </a:pPr>
+            <a:endParaRPr lang="en-IN" sz="2000" dirty="0">
+              <a:effectLst/>
+              <a:latin typeface="Cambria" panose="02040503050406030204" pitchFamily="18" charset="0"/>
+              <a:ea typeface="Calibri" panose="020F0502020204030204" pitchFamily="34" charset="0"/>
+              <a:cs typeface="Times New Roman" panose="02020603050405020304" pitchFamily="18" charset="0"/>
+            </a:endParaRPr>
+          </a:p>
+          <a:p>
+            <a:pPr marL="342900" lvl="0" indent="-342900">
+              <a:lnSpc>
+                <a:spcPct val="107000"/>
+              </a:lnSpc>
+              <a:buFont typeface="Symbol" panose="05050102010706020507" pitchFamily="18" charset="2"/>
+              <a:buChar char=""/>
+            </a:pPr>
+            <a:r>
+              <a:rPr lang="en-IN" sz="2000" dirty="0">
+                <a:effectLst/>
+                <a:latin typeface="Cambria" panose="02040503050406030204" pitchFamily="18" charset="0"/>
+                <a:ea typeface="Calibri" panose="020F0502020204030204" pitchFamily="34" charset="0"/>
+                <a:cs typeface="Times New Roman" panose="02020603050405020304" pitchFamily="18" charset="0"/>
+              </a:rPr>
+              <a:t>Launch development projects for those areas with higher concentration of accidents and most severe accidents in order to minimize the effects of these two factors.</a:t>
+            </a:r>
+            <a:endParaRPr lang="en-IN" sz="2000" dirty="0">
+              <a:effectLst/>
+              <a:latin typeface="Calibri" panose="020F0502020204030204" pitchFamily="34" charset="0"/>
+              <a:ea typeface="Calibri" panose="020F0502020204030204" pitchFamily="34" charset="0"/>
+              <a:cs typeface="Times New Roman" panose="02020603050405020304" pitchFamily="18" charset="0"/>
+            </a:endParaRPr>
+          </a:p>
+          <a:p>
+            <a:pPr marL="342900" lvl="0" indent="-342900">
+              <a:lnSpc>
+                <a:spcPct val="107000"/>
+              </a:lnSpc>
+              <a:spcAft>
+                <a:spcPts val="800"/>
+              </a:spcAft>
+              <a:buFont typeface="Symbol" panose="05050102010706020507" pitchFamily="18" charset="2"/>
+              <a:buChar char=""/>
+            </a:pPr>
+            <a:endParaRPr lang="en-IN" sz="2000" dirty="0">
+              <a:effectLst/>
+              <a:latin typeface="Cambria" panose="02040503050406030204" pitchFamily="18" charset="0"/>
+              <a:ea typeface="Calibri" panose="020F0502020204030204" pitchFamily="34" charset="0"/>
+              <a:cs typeface="Times New Roman" panose="02020603050405020304" pitchFamily="18" charset="0"/>
+            </a:endParaRPr>
+          </a:p>
+          <a:p>
+            <a:pPr marL="342900" lvl="0" indent="-342900">
+              <a:lnSpc>
+                <a:spcPct val="107000"/>
+              </a:lnSpc>
+              <a:spcAft>
+                <a:spcPts val="800"/>
+              </a:spcAft>
+              <a:buFont typeface="Symbol" panose="05050102010706020507" pitchFamily="18" charset="2"/>
+              <a:buChar char=""/>
+            </a:pPr>
+            <a:r>
+              <a:rPr lang="en-IN" sz="2000" dirty="0">
+                <a:effectLst/>
+                <a:latin typeface="Cambria" panose="02040503050406030204" pitchFamily="18" charset="0"/>
+                <a:ea typeface="Calibri" panose="020F0502020204030204" pitchFamily="34" charset="0"/>
+                <a:cs typeface="Times New Roman" panose="02020603050405020304" pitchFamily="18" charset="0"/>
+              </a:rPr>
+              <a:t>Install safety signs on roads and ensure all necessary precautionary measures are taken by the people living in the area.</a:t>
+            </a:r>
+            <a:endParaRPr lang="en-IN" sz="2000" dirty="0">
+              <a:latin typeface="Calibri" panose="020F0502020204030204" pitchFamily="34" charset="0"/>
+              <a:ea typeface="Calibri" panose="020F0502020204030204" pitchFamily="34" charset="0"/>
+              <a:cs typeface="Times New Roman" panose="02020603050405020304" pitchFamily="18" charset="0"/>
+            </a:endParaRPr>
+          </a:p>
+          <a:p>
+            <a:pPr marL="342900" lvl="0" indent="-342900">
+              <a:lnSpc>
+                <a:spcPct val="107000"/>
+              </a:lnSpc>
+              <a:spcAft>
+                <a:spcPts val="800"/>
+              </a:spcAft>
+              <a:buFont typeface="Symbol" panose="05050102010706020507" pitchFamily="18" charset="2"/>
+              <a:buChar char=""/>
+            </a:pPr>
+            <a:endParaRPr lang="en-IN" sz="2000" dirty="0">
+              <a:effectLst/>
+              <a:latin typeface="Cambria" panose="02040503050406030204" pitchFamily="18" charset="0"/>
+              <a:ea typeface="Calibri" panose="020F0502020204030204" pitchFamily="34" charset="0"/>
+              <a:cs typeface="Times New Roman" panose="02020603050405020304" pitchFamily="18" charset="0"/>
+            </a:endParaRPr>
+          </a:p>
+          <a:p>
+            <a:pPr marL="342900" lvl="0" indent="-342900">
+              <a:lnSpc>
+                <a:spcPct val="107000"/>
+              </a:lnSpc>
+              <a:spcAft>
+                <a:spcPts val="800"/>
+              </a:spcAft>
+              <a:buFont typeface="Symbol" panose="05050102010706020507" pitchFamily="18" charset="2"/>
+              <a:buChar char=""/>
+            </a:pPr>
+            <a:r>
+              <a:rPr lang="en-IN" sz="2000" dirty="0">
+                <a:effectLst/>
+                <a:latin typeface="Cambria" panose="02040503050406030204" pitchFamily="18" charset="0"/>
+                <a:ea typeface="Calibri" panose="020F0502020204030204" pitchFamily="34" charset="0"/>
+                <a:cs typeface="Times New Roman" panose="02020603050405020304" pitchFamily="18" charset="0"/>
+              </a:rPr>
+              <a:t>Be extra careful around the highways along the city’s centre as it has the highest number of accidents reported.	</a:t>
+            </a:r>
+            <a:endParaRPr lang="en-IN" sz="3200" dirty="0"/>
+          </a:p>
+        </p:txBody>
+      </p:sp>
+    </p:spTree>
+    <p:extLst>
+      <p:ext uri="{BB962C8B-B14F-4D97-AF65-F5344CB8AC3E}">
+        <p14:creationId xmlns:p14="http://schemas.microsoft.com/office/powerpoint/2010/main" val="717416173"/>
+      </p:ext>
+    </p:extLst>
+  </p:cSld>
+  <p:clrMapOvr>
+    <a:masterClrMapping/>
+  </p:clrMapOvr>
+  <mc:AlternateContent xmlns:mc="http://schemas.openxmlformats.org/markup-compatibility/2006" xmlns:p159="http://schemas.microsoft.com/office/powerpoint/2015/09/main">
+    <mc:Choice Requires="p159">
+      <p:transition xmlns:p14="http://schemas.microsoft.com/office/powerpoint/2010/main" spd="slow" p14:dur="2000">
+        <p159:morph option="byObject"/>
+      </p:transition>
+    </mc:Choice>
+    <mc:Fallback xmlns="">
+      <p:transition spd="slow">
+        <p:fade/>
+      </p:transition>
+    </mc:Fallback>
+  </mc:AlternateContent>
+</p:sld>
+</file>
+
+<file path=ppt/slides/slide18.xml><?xml version="1.0" encoding="utf-8"?>
+<p:sld xmlns:a="http://schemas.openxmlformats.org/drawingml/2006/main" xmlns:r="http://schemas.openxmlformats.org/officeDocument/2006/relationships" xmlns:p="http://schemas.openxmlformats.org/presentationml/2006/main">
+  <p:cSld>
+    <p:spTree>
+      <p:nvGrpSpPr>
+        <p:cNvPr id="1" name=""/>
+        <p:cNvGrpSpPr/>
+        <p:nvPr/>
+      </p:nvGrpSpPr>
+      <p:grpSpPr>
+        <a:xfrm>
+          <a:off x="0" y="0"/>
+          <a:ext cx="0" cy="0"/>
+          <a:chOff x="0" y="0"/>
+          <a:chExt cx="0" cy="0"/>
+        </a:xfrm>
+      </p:grpSpPr>
+      <p:sp>
+        <p:nvSpPr>
+          <p:cNvPr id="2" name="Title 1">
+            <a:extLst>
+              <a:ext uri="{FF2B5EF4-FFF2-40B4-BE49-F238E27FC236}">
+                <a16:creationId xmlns:a16="http://schemas.microsoft.com/office/drawing/2014/main" id="{3664C017-D707-42F6-BF82-6B6C3A666635}"/>
+              </a:ext>
+            </a:extLst>
+          </p:cNvPr>
+          <p:cNvSpPr>
+            <a:spLocks noGrp="1"/>
+          </p:cNvSpPr>
+          <p:nvPr>
+            <p:ph type="title"/>
+          </p:nvPr>
+        </p:nvSpPr>
+        <p:spPr/>
+        <p:txBody>
+          <a:bodyPr/>
+          <a:lstStyle/>
+          <a:p>
+            <a:r>
+              <a:rPr lang="en-US"/>
+              <a:t>Conclusion:</a:t>
+            </a:r>
+            <a:endParaRPr lang="en-IN"/>
+          </a:p>
+        </p:txBody>
+      </p:sp>
+      <p:sp>
+        <p:nvSpPr>
+          <p:cNvPr id="3" name="Content Placeholder 2">
+            <a:extLst>
+              <a:ext uri="{FF2B5EF4-FFF2-40B4-BE49-F238E27FC236}">
+                <a16:creationId xmlns:a16="http://schemas.microsoft.com/office/drawing/2014/main" id="{E0341AA2-E753-4161-B67C-81AD778DC8BF}"/>
+              </a:ext>
+            </a:extLst>
+          </p:cNvPr>
+          <p:cNvSpPr>
+            <a:spLocks noGrp="1"/>
+          </p:cNvSpPr>
+          <p:nvPr>
+            <p:ph idx="1"/>
+          </p:nvPr>
+        </p:nvSpPr>
+        <p:spPr/>
+        <p:txBody>
+          <a:bodyPr/>
+          <a:lstStyle/>
+          <a:p>
+            <a:r>
+              <a:rPr lang="en-US" dirty="0"/>
+              <a:t>Comparing both models</a:t>
+            </a:r>
+          </a:p>
+          <a:p>
+            <a:pPr lvl="1"/>
+            <a:r>
+              <a:rPr lang="en-US" dirty="0"/>
+              <a:t>Similar accuracy scores for target variables</a:t>
+            </a:r>
+          </a:p>
+          <a:p>
+            <a:pPr lvl="1"/>
+            <a:r>
+              <a:rPr lang="en-US" dirty="0"/>
+              <a:t>Decision Tree </a:t>
+            </a:r>
+            <a:r>
+              <a:rPr lang="en-US" dirty="0">
+                <a:sym typeface="Wingdings" panose="05000000000000000000" pitchFamily="2" charset="2"/>
+              </a:rPr>
+              <a:t> Higher Precision</a:t>
+            </a:r>
+            <a:endParaRPr lang="en-US" dirty="0"/>
+          </a:p>
+          <a:p>
+            <a:pPr lvl="1"/>
+            <a:r>
+              <a:rPr lang="en-US" dirty="0"/>
+              <a:t>Logistic Regression </a:t>
+            </a:r>
+            <a:r>
+              <a:rPr lang="en-US" dirty="0">
+                <a:sym typeface="Wingdings" panose="05000000000000000000" pitchFamily="2" charset="2"/>
+              </a:rPr>
+              <a:t> Balanced Recall</a:t>
+            </a:r>
+          </a:p>
+          <a:p>
+            <a:pPr lvl="1"/>
+            <a:r>
+              <a:rPr lang="en-US" dirty="0">
+                <a:sym typeface="Wingdings" panose="05000000000000000000" pitchFamily="2" charset="2"/>
+              </a:rPr>
+              <a:t>Suggestion: Use both models based on requirements.</a:t>
+            </a:r>
+            <a:endParaRPr lang="en-US" dirty="0"/>
+          </a:p>
+          <a:p>
+            <a:pPr>
+              <a:lnSpc>
+                <a:spcPct val="107000"/>
+              </a:lnSpc>
+              <a:spcAft>
+                <a:spcPts val="800"/>
+              </a:spcAft>
+            </a:pPr>
+            <a:r>
+              <a:rPr lang="en-IN" sz="2000" dirty="0">
+                <a:effectLst/>
+                <a:latin typeface="Cambria" panose="02040503050406030204" pitchFamily="18" charset="0"/>
+                <a:ea typeface="Calibri" panose="020F0502020204030204" pitchFamily="34" charset="0"/>
+                <a:cs typeface="Times New Roman" panose="02020603050405020304" pitchFamily="18" charset="0"/>
+              </a:rPr>
+              <a:t>The models could have performed better if a few more things were available:</a:t>
+            </a:r>
+            <a:endParaRPr lang="en-IN" sz="2000" dirty="0">
+              <a:effectLst/>
+              <a:latin typeface="Calibri" panose="020F0502020204030204" pitchFamily="34" charset="0"/>
+              <a:ea typeface="Calibri" panose="020F0502020204030204" pitchFamily="34" charset="0"/>
+              <a:cs typeface="Times New Roman" panose="02020603050405020304" pitchFamily="18" charset="0"/>
+            </a:endParaRPr>
+          </a:p>
+          <a:p>
+            <a:pPr marL="800100" lvl="1" indent="-342900">
+              <a:lnSpc>
+                <a:spcPct val="107000"/>
+              </a:lnSpc>
+              <a:buFont typeface="Symbol" panose="05050102010706020507" pitchFamily="18" charset="2"/>
+              <a:buChar char=""/>
+            </a:pPr>
+            <a:r>
+              <a:rPr lang="en-IN" sz="1600" dirty="0">
+                <a:effectLst/>
+                <a:latin typeface="Cambria" panose="02040503050406030204" pitchFamily="18" charset="0"/>
+                <a:ea typeface="Calibri" panose="020F0502020204030204" pitchFamily="34" charset="0"/>
+                <a:cs typeface="Times New Roman" panose="02020603050405020304" pitchFamily="18" charset="0"/>
+              </a:rPr>
+              <a:t>A balanced dataset for the target variable</a:t>
+            </a:r>
+            <a:endParaRPr lang="en-IN" sz="1600" dirty="0">
+              <a:effectLst/>
+              <a:latin typeface="Calibri" panose="020F0502020204030204" pitchFamily="34" charset="0"/>
+              <a:ea typeface="Calibri" panose="020F0502020204030204" pitchFamily="34" charset="0"/>
+              <a:cs typeface="Times New Roman" panose="02020603050405020304" pitchFamily="18" charset="0"/>
+            </a:endParaRPr>
+          </a:p>
+          <a:p>
+            <a:pPr marL="800100" lvl="1" indent="-342900">
+              <a:lnSpc>
+                <a:spcPct val="107000"/>
+              </a:lnSpc>
+              <a:buFont typeface="Symbol" panose="05050102010706020507" pitchFamily="18" charset="2"/>
+              <a:buChar char=""/>
+            </a:pPr>
+            <a:r>
+              <a:rPr lang="en-IN" sz="1600" dirty="0">
+                <a:effectLst/>
+                <a:latin typeface="Cambria" panose="02040503050406030204" pitchFamily="18" charset="0"/>
+                <a:ea typeface="Calibri" panose="020F0502020204030204" pitchFamily="34" charset="0"/>
+                <a:cs typeface="Times New Roman" panose="02020603050405020304" pitchFamily="18" charset="0"/>
+              </a:rPr>
+              <a:t>More instances of the accidents recorded that took place in Seattle, Washington.</a:t>
+            </a:r>
+            <a:endParaRPr lang="en-IN" sz="1600" dirty="0">
+              <a:effectLst/>
+              <a:latin typeface="Calibri" panose="020F0502020204030204" pitchFamily="34" charset="0"/>
+              <a:ea typeface="Calibri" panose="020F0502020204030204" pitchFamily="34" charset="0"/>
+              <a:cs typeface="Times New Roman" panose="02020603050405020304" pitchFamily="18" charset="0"/>
+            </a:endParaRPr>
+          </a:p>
+          <a:p>
+            <a:pPr marL="800100" lvl="1" indent="-342900">
+              <a:lnSpc>
+                <a:spcPct val="107000"/>
+              </a:lnSpc>
+              <a:buFont typeface="Symbol" panose="05050102010706020507" pitchFamily="18" charset="2"/>
+              <a:buChar char=""/>
+            </a:pPr>
+            <a:r>
+              <a:rPr lang="en-IN" sz="1600" dirty="0">
+                <a:effectLst/>
+                <a:latin typeface="Cambria" panose="02040503050406030204" pitchFamily="18" charset="0"/>
+                <a:ea typeface="Calibri" panose="020F0502020204030204" pitchFamily="34" charset="0"/>
+                <a:cs typeface="Times New Roman" panose="02020603050405020304" pitchFamily="18" charset="0"/>
+              </a:rPr>
+              <a:t>Less missing values for features such as Speeding and Under Influence.</a:t>
+            </a:r>
+            <a:endParaRPr lang="en-IN" sz="1600" dirty="0">
+              <a:effectLst/>
+              <a:latin typeface="Calibri" panose="020F0502020204030204" pitchFamily="34" charset="0"/>
+              <a:ea typeface="Calibri" panose="020F0502020204030204" pitchFamily="34" charset="0"/>
+              <a:cs typeface="Times New Roman" panose="02020603050405020304" pitchFamily="18" charset="0"/>
+            </a:endParaRPr>
+          </a:p>
+          <a:p>
+            <a:pPr marL="800100" lvl="1" indent="-342900">
+              <a:lnSpc>
+                <a:spcPct val="107000"/>
+              </a:lnSpc>
+              <a:spcAft>
+                <a:spcPts val="800"/>
+              </a:spcAft>
+              <a:buFont typeface="Symbol" panose="05050102010706020507" pitchFamily="18" charset="2"/>
+              <a:buChar char=""/>
+            </a:pPr>
+            <a:r>
+              <a:rPr lang="en-IN" sz="1600" dirty="0">
+                <a:effectLst/>
+                <a:latin typeface="Cambria" panose="02040503050406030204" pitchFamily="18" charset="0"/>
+                <a:ea typeface="Calibri" panose="020F0502020204030204" pitchFamily="34" charset="0"/>
+                <a:cs typeface="Times New Roman" panose="02020603050405020304" pitchFamily="18" charset="0"/>
+              </a:rPr>
+              <a:t>More factors, such as precautionary measures taken while driving, etc.</a:t>
+            </a:r>
+            <a:endParaRPr lang="en-IN" sz="1600" dirty="0">
+              <a:effectLst/>
+              <a:latin typeface="Calibri" panose="020F0502020204030204" pitchFamily="34" charset="0"/>
+              <a:ea typeface="Calibri" panose="020F0502020204030204" pitchFamily="34" charset="0"/>
+              <a:cs typeface="Times New Roman" panose="02020603050405020304" pitchFamily="18" charset="0"/>
+            </a:endParaRPr>
+          </a:p>
+        </p:txBody>
+      </p:sp>
+    </p:spTree>
+    <p:extLst>
+      <p:ext uri="{BB962C8B-B14F-4D97-AF65-F5344CB8AC3E}">
+        <p14:creationId xmlns:p14="http://schemas.microsoft.com/office/powerpoint/2010/main" val="610179707"/>
+      </p:ext>
+    </p:extLst>
+  </p:cSld>
+  <p:clrMapOvr>
+    <a:masterClrMapping/>
+  </p:clrMapOvr>
+  <mc:AlternateContent xmlns:mc="http://schemas.openxmlformats.org/markup-compatibility/2006" xmlns:p159="http://schemas.microsoft.com/office/powerpoint/2015/09/main">
+    <mc:Choice Requires="p159">
+      <p:transition xmlns:p14="http://schemas.microsoft.com/office/powerpoint/2010/main" spd="slow" p14:dur="2000">
+        <p159:morph option="byObject"/>
+      </p:transition>
+    </mc:Choice>
+    <mc:Fallback xmlns="">
+      <p:transition spd="slow">
+        <p:fade/>
+      </p:transition>
+    </mc:Fallback>
+  </mc:AlternateContent>
+</p:sld>
+</file>
+
+<file path=ppt/slides/slide19.xml><?xml version="1.0" encoding="utf-8"?>
+<p:sld xmlns:a="http://schemas.openxmlformats.org/drawingml/2006/main" xmlns:r="http://schemas.openxmlformats.org/officeDocument/2006/relationships" xmlns:p="http://schemas.openxmlformats.org/presentationml/2006/main">
+  <p:cSld>
+    <p:spTree>
+      <p:nvGrpSpPr>
+        <p:cNvPr id="1" name=""/>
+        <p:cNvGrpSpPr/>
+        <p:nvPr/>
+      </p:nvGrpSpPr>
+      <p:grpSpPr>
+        <a:xfrm>
+          <a:off x="0" y="0"/>
+          <a:ext cx="0" cy="0"/>
+          <a:chOff x="0" y="0"/>
+          <a:chExt cx="0" cy="0"/>
+        </a:xfrm>
+      </p:grpSpPr>
+      <p:sp>
+        <p:nvSpPr>
           <p:cNvPr id="4" name="Title 3">
             <a:extLst>
               <a:ext uri="{FF2B5EF4-FFF2-40B4-BE49-F238E27FC236}">
@@ -4003,13 +8092,13 @@
   <p:clrMapOvr>
     <a:masterClrMapping/>
   </p:clrMapOvr>
-  <mc:AlternateContent xmlns:mc="http://schemas.openxmlformats.org/markup-compatibility/2006">
-    <mc:Choice xmlns:p159="http://schemas.microsoft.com/office/powerpoint/2015/09/main" Requires="p159">
+  <mc:AlternateContent xmlns:mc="http://schemas.openxmlformats.org/markup-compatibility/2006" xmlns:p159="http://schemas.microsoft.com/office/powerpoint/2015/09/main">
+    <mc:Choice Requires="p159">
       <p:transition xmlns:p14="http://schemas.microsoft.com/office/powerpoint/2010/main" spd="slow" p14:dur="2000">
         <p159:morph option="byObject"/>
       </p:transition>
     </mc:Choice>
-    <mc:Fallback>
+    <mc:Fallback xmlns="">
       <p:transition spd="slow">
         <p:fade/>
       </p:transition>
@@ -4085,7 +8174,54 @@
           <a:bodyPr/>
           <a:lstStyle/>
           <a:p>
+            <a:endParaRPr lang="en-US" dirty="0"/>
+          </a:p>
+          <a:p>
+            <a:r>
+              <a:rPr lang="en-US" dirty="0"/>
+              <a:t>Car Accidents </a:t>
+            </a:r>
+            <a:r>
+              <a:rPr lang="en-US" dirty="0">
+                <a:sym typeface="Wingdings" panose="05000000000000000000" pitchFamily="2" charset="2"/>
+              </a:rPr>
+              <a:t> Major issue around the globe</a:t>
+            </a:r>
+          </a:p>
+          <a:p>
+            <a:endParaRPr lang="en-US" dirty="0">
+              <a:sym typeface="Wingdings" panose="05000000000000000000" pitchFamily="2" charset="2"/>
+            </a:endParaRPr>
+          </a:p>
+          <a:p>
+            <a:r>
+              <a:rPr lang="en-US" dirty="0">
+                <a:sym typeface="Wingdings" panose="05000000000000000000" pitchFamily="2" charset="2"/>
+              </a:rPr>
+              <a:t>Personal vehicles: Increasing day by day</a:t>
+            </a:r>
+          </a:p>
+          <a:p>
+            <a:endParaRPr lang="en-US" dirty="0">
+              <a:sym typeface="Wingdings" panose="05000000000000000000" pitchFamily="2" charset="2"/>
+            </a:endParaRPr>
+          </a:p>
+          <a:p>
+            <a:r>
+              <a:rPr lang="en-US" dirty="0">
+                <a:sym typeface="Wingdings" panose="05000000000000000000" pitchFamily="2" charset="2"/>
+              </a:rPr>
+              <a:t>Seattle, Washington: 2x cars since 2010</a:t>
+            </a:r>
+          </a:p>
+          <a:p>
             <a:endParaRPr lang="en-IN" dirty="0"/>
+          </a:p>
+          <a:p>
+            <a:r>
+              <a:rPr lang="en-IN" dirty="0"/>
+              <a:t>Increase in Car Accidents around the city</a:t>
+            </a:r>
           </a:p>
         </p:txBody>
       </p:sp>
@@ -4099,13 +8235,13 @@
   <p:clrMapOvr>
     <a:masterClrMapping/>
   </p:clrMapOvr>
-  <mc:AlternateContent xmlns:mc="http://schemas.openxmlformats.org/markup-compatibility/2006">
-    <mc:Choice xmlns:p159="http://schemas.microsoft.com/office/powerpoint/2015/09/main" Requires="p159">
+  <mc:AlternateContent xmlns:mc="http://schemas.openxmlformats.org/markup-compatibility/2006" xmlns:p159="http://schemas.microsoft.com/office/powerpoint/2015/09/main">
+    <mc:Choice Requires="p159">
       <p:transition xmlns:p14="http://schemas.microsoft.com/office/powerpoint/2010/main" spd="slow" p14:dur="2000">
         <p159:morph option="byObject"/>
       </p:transition>
     </mc:Choice>
-    <mc:Fallback>
+    <mc:Fallback xmlns="">
       <p:transition spd="slow">
         <p:fade/>
       </p:transition>
@@ -4181,7 +8317,128 @@
           <a:bodyPr/>
           <a:lstStyle/>
           <a:p>
-            <a:endParaRPr lang="en-IN"/>
+            <a:r>
+              <a:rPr lang="en-US" dirty="0"/>
+              <a:t>Data Source: Given by IBM for the project.</a:t>
+            </a:r>
+            <a:endParaRPr lang="en-IN" dirty="0"/>
+          </a:p>
+          <a:p>
+            <a:r>
+              <a:rPr lang="en-IN" dirty="0"/>
+              <a:t>Metadata: </a:t>
+            </a:r>
+            <a:r>
+              <a:rPr lang="en-IN" dirty="0">
+                <a:hlinkClick r:id="rId2"/>
+              </a:rPr>
+              <a:t>Link</a:t>
+            </a:r>
+            <a:endParaRPr lang="en-IN" dirty="0"/>
+          </a:p>
+          <a:p>
+            <a:r>
+              <a:rPr lang="en-IN" dirty="0"/>
+              <a:t>Dataset: 37 Features, 194673 </a:t>
+            </a:r>
+            <a:r>
+              <a:rPr lang="en-IN" dirty="0" err="1"/>
+              <a:t>Obervations</a:t>
+            </a:r>
+            <a:r>
+              <a:rPr lang="en-IN" dirty="0"/>
+              <a:t>.</a:t>
+            </a:r>
+          </a:p>
+          <a:p>
+            <a:r>
+              <a:rPr lang="en-IN" dirty="0"/>
+              <a:t>Pre-Processing:</a:t>
+            </a:r>
+          </a:p>
+          <a:p>
+            <a:pPr lvl="1"/>
+            <a:r>
+              <a:rPr lang="en-IN" dirty="0"/>
+              <a:t>SEVERITYCODE: 0 </a:t>
+            </a:r>
+            <a:r>
+              <a:rPr lang="en-IN" dirty="0">
+                <a:sym typeface="Wingdings" panose="05000000000000000000" pitchFamily="2" charset="2"/>
+              </a:rPr>
+              <a:t> Property Damage, 1  Injury</a:t>
+            </a:r>
+            <a:endParaRPr lang="en-US" dirty="0"/>
+          </a:p>
+          <a:p>
+            <a:pPr lvl="1"/>
+            <a:r>
+              <a:rPr lang="en-US" dirty="0"/>
+              <a:t>Integer Encoding: </a:t>
+            </a:r>
+            <a:r>
+              <a:rPr lang="en-IN" sz="1800" dirty="0">
+                <a:effectLst/>
+                <a:latin typeface="Cambria" panose="02040503050406030204" pitchFamily="18" charset="0"/>
+                <a:ea typeface="Calibri" panose="020F0502020204030204" pitchFamily="34" charset="0"/>
+                <a:cs typeface="Times New Roman" panose="02020603050405020304" pitchFamily="18" charset="0"/>
+              </a:rPr>
+              <a:t>INATTENTIONIND, UNDERINFL, SPEEDING</a:t>
+            </a:r>
+            <a:r>
+              <a:rPr kumimoji="0" lang="en-IN" sz="1800" b="0" i="0" u="none" strike="noStrike" kern="1200" cap="none" spc="0" normalizeH="0" baseline="0" noProof="0" dirty="0">
+                <a:ln>
+                  <a:noFill/>
+                </a:ln>
+                <a:solidFill>
+                  <a:prstClr val="white"/>
+                </a:solidFill>
+                <a:effectLst/>
+                <a:uLnTx/>
+                <a:uFillTx/>
+                <a:latin typeface="Cambria" panose="02040503050406030204" pitchFamily="18" charset="0"/>
+                <a:ea typeface="Calibri" panose="020F0502020204030204" pitchFamily="34" charset="0"/>
+                <a:cs typeface="Times New Roman" panose="02020603050405020304" pitchFamily="18" charset="0"/>
+              </a:rPr>
+              <a:t> , JUNCTIONTYPE</a:t>
+            </a:r>
+            <a:endParaRPr lang="en-IN" sz="1800" dirty="0">
+              <a:effectLst/>
+              <a:latin typeface="Cambria" panose="02040503050406030204" pitchFamily="18" charset="0"/>
+              <a:ea typeface="Calibri" panose="020F0502020204030204" pitchFamily="34" charset="0"/>
+              <a:cs typeface="Times New Roman" panose="02020603050405020304" pitchFamily="18" charset="0"/>
+            </a:endParaRPr>
+          </a:p>
+          <a:p>
+            <a:pPr lvl="1"/>
+            <a:r>
+              <a:rPr lang="en-US" dirty="0"/>
+              <a:t>One-hot Encoding: </a:t>
+            </a:r>
+            <a:r>
+              <a:rPr kumimoji="0" lang="en-IN" sz="1800" b="0" i="0" u="none" strike="noStrike" kern="1200" cap="none" spc="0" normalizeH="0" baseline="0" noProof="0" dirty="0">
+                <a:ln>
+                  <a:noFill/>
+                </a:ln>
+                <a:solidFill>
+                  <a:prstClr val="white"/>
+                </a:solidFill>
+                <a:effectLst/>
+                <a:uLnTx/>
+                <a:uFillTx/>
+                <a:latin typeface="Cambria" panose="02040503050406030204" pitchFamily="18" charset="0"/>
+                <a:ea typeface="Calibri" panose="020F0502020204030204" pitchFamily="34" charset="0"/>
+                <a:cs typeface="Times New Roman" panose="02020603050405020304" pitchFamily="18" charset="0"/>
+              </a:rPr>
+              <a:t>LIGHTCOND, ROADCOND, WEATHER</a:t>
+            </a:r>
+          </a:p>
+          <a:p>
+            <a:pPr lvl="1"/>
+            <a:r>
+              <a:rPr lang="en-US" dirty="0"/>
+              <a:t>Normalize</a:t>
+            </a:r>
           </a:p>
         </p:txBody>
       </p:sp>
@@ -4195,13 +8452,13 @@
   <p:clrMapOvr>
     <a:masterClrMapping/>
   </p:clrMapOvr>
-  <mc:AlternateContent xmlns:mc="http://schemas.openxmlformats.org/markup-compatibility/2006">
-    <mc:Choice xmlns:p159="http://schemas.microsoft.com/office/powerpoint/2015/09/main" Requires="p159">
+  <mc:AlternateContent xmlns:mc="http://schemas.openxmlformats.org/markup-compatibility/2006" xmlns:p159="http://schemas.microsoft.com/office/powerpoint/2015/09/main">
+    <mc:Choice Requires="p159">
       <p:transition xmlns:p14="http://schemas.microsoft.com/office/powerpoint/2010/main" spd="slow" p14:dur="2000">
         <p159:morph option="byObject"/>
       </p:transition>
     </mc:Choice>
-    <mc:Fallback>
+    <mc:Fallback xmlns="">
       <p:transition spd="slow">
         <p:fade/>
       </p:transition>
@@ -4256,28 +8513,90 @@
           </a:p>
         </p:txBody>
       </p:sp>
+      <p:pic>
+        <p:nvPicPr>
+          <p:cNvPr id="4" name="Picture 3">
+            <a:extLst>
+              <a:ext uri="{FF2B5EF4-FFF2-40B4-BE49-F238E27FC236}">
+                <a16:creationId xmlns:a16="http://schemas.microsoft.com/office/drawing/2014/main" id="{508FD32E-4C47-4A46-8C4B-7D9E104E9FFC}"/>
+              </a:ext>
+            </a:extLst>
+          </p:cNvPr>
+          <p:cNvPicPr/>
+          <p:nvPr/>
+        </p:nvPicPr>
+        <p:blipFill>
+          <a:blip r:embed="rId2">
+            <a:extLst>
+              <a:ext uri="{28A0092B-C50C-407E-A947-70E740481C1C}">
+                <a14:useLocalDpi xmlns:a14="http://schemas.microsoft.com/office/drawing/2010/main" val="0"/>
+              </a:ext>
+            </a:extLst>
+          </a:blip>
+          <a:srcRect/>
+          <a:stretch>
+            <a:fillRect/>
+          </a:stretch>
+        </p:blipFill>
+        <p:spPr bwMode="auto">
+          <a:xfrm>
+            <a:off x="1439056" y="2173574"/>
+            <a:ext cx="9069049" cy="4452078"/>
+          </a:xfrm>
+          <a:prstGeom prst="rect">
+            <a:avLst/>
+          </a:prstGeom>
+          <a:noFill/>
+          <a:ln>
+            <a:noFill/>
+          </a:ln>
+        </p:spPr>
+      </p:pic>
       <p:sp>
         <p:nvSpPr>
-          <p:cNvPr id="3" name="Content Placeholder 2">
-            <a:extLst>
-              <a:ext uri="{FF2B5EF4-FFF2-40B4-BE49-F238E27FC236}">
-                <a16:creationId xmlns:a16="http://schemas.microsoft.com/office/drawing/2014/main" id="{E0341AA2-E753-4161-B67C-81AD778DC8BF}"/>
-              </a:ext>
-            </a:extLst>
-          </p:cNvPr>
-          <p:cNvSpPr>
-            <a:spLocks noGrp="1"/>
-          </p:cNvSpPr>
-          <p:nvPr>
-            <p:ph idx="1"/>
-          </p:nvPr>
+          <p:cNvPr id="5" name="Rectangle: Rounded Corners 4">
+            <a:extLst>
+              <a:ext uri="{FF2B5EF4-FFF2-40B4-BE49-F238E27FC236}">
+                <a16:creationId xmlns:a16="http://schemas.microsoft.com/office/drawing/2014/main" id="{08AFB41A-777E-47C3-8250-260AC2869442}"/>
+              </a:ext>
+            </a:extLst>
+          </p:cNvPr>
+          <p:cNvSpPr/>
+          <p:nvPr/>
         </p:nvSpPr>
-        <p:spPr/>
+        <p:spPr>
+          <a:xfrm>
+            <a:off x="3537679" y="1558977"/>
+            <a:ext cx="4856813" cy="449705"/>
+          </a:xfrm>
+          <a:prstGeom prst="roundRect">
+            <a:avLst/>
+          </a:prstGeom>
+        </p:spPr>
+        <p:style>
+          <a:lnRef idx="2">
+            <a:schemeClr val="accent6"/>
+          </a:lnRef>
+          <a:fillRef idx="1">
+            <a:schemeClr val="lt1"/>
+          </a:fillRef>
+          <a:effectRef idx="0">
+            <a:schemeClr val="accent6"/>
+          </a:effectRef>
+          <a:fontRef idx="minor">
+            <a:schemeClr val="dk1"/>
+          </a:fontRef>
+        </p:style>
         <p:txBody>
-          <a:bodyPr/>
+          <a:bodyPr rtlCol="0" anchor="ctr"/>
           <a:lstStyle/>
           <a:p>
-            <a:endParaRPr lang="en-IN"/>
+            <a:pPr algn="ctr"/>
+            <a:r>
+              <a:rPr lang="en-US" dirty="0"/>
+              <a:t>Highly Skewed Target Variable</a:t>
+            </a:r>
+            <a:endParaRPr lang="en-IN" dirty="0"/>
           </a:p>
         </p:txBody>
       </p:sp>
@@ -4291,13 +8610,13 @@
   <p:clrMapOvr>
     <a:masterClrMapping/>
   </p:clrMapOvr>
-  <mc:AlternateContent xmlns:mc="http://schemas.openxmlformats.org/markup-compatibility/2006">
-    <mc:Choice xmlns:p159="http://schemas.microsoft.com/office/powerpoint/2015/09/main" Requires="p159">
+  <mc:AlternateContent xmlns:mc="http://schemas.openxmlformats.org/markup-compatibility/2006" xmlns:p159="http://schemas.microsoft.com/office/powerpoint/2015/09/main">
+    <mc:Choice Requires="p159">
       <p:transition xmlns:p14="http://schemas.microsoft.com/office/powerpoint/2010/main" spd="slow" p14:dur="2000">
         <p159:morph option="byObject"/>
       </p:transition>
     </mc:Choice>
-    <mc:Fallback>
+    <mc:Fallback xmlns="">
       <p:transition spd="slow">
         <p:fade/>
       </p:transition>
@@ -4323,53 +8642,351 @@
           <a:chExt cx="0" cy="0"/>
         </a:xfrm>
       </p:grpSpPr>
+      <p:pic>
+        <p:nvPicPr>
+          <p:cNvPr id="4" name="Picture 3">
+            <a:extLst>
+              <a:ext uri="{FF2B5EF4-FFF2-40B4-BE49-F238E27FC236}">
+                <a16:creationId xmlns:a16="http://schemas.microsoft.com/office/drawing/2014/main" id="{A203C6B2-95D2-4D7B-A6C9-1DB91726DCDE}"/>
+              </a:ext>
+            </a:extLst>
+          </p:cNvPr>
+          <p:cNvPicPr/>
+          <p:nvPr/>
+        </p:nvPicPr>
+        <p:blipFill>
+          <a:blip r:embed="rId2">
+            <a:extLst>
+              <a:ext uri="{28A0092B-C50C-407E-A947-70E740481C1C}">
+                <a14:useLocalDpi xmlns:a14="http://schemas.microsoft.com/office/drawing/2010/main" val="0"/>
+              </a:ext>
+            </a:extLst>
+          </a:blip>
+          <a:srcRect/>
+          <a:stretch>
+            <a:fillRect/>
+          </a:stretch>
+        </p:blipFill>
+        <p:spPr bwMode="auto">
+          <a:xfrm>
+            <a:off x="838200" y="0"/>
+            <a:ext cx="4420235" cy="2699385"/>
+          </a:xfrm>
+          <a:prstGeom prst="rect">
+            <a:avLst/>
+          </a:prstGeom>
+          <a:noFill/>
+          <a:ln>
+            <a:noFill/>
+          </a:ln>
+        </p:spPr>
+      </p:pic>
+      <p:pic>
+        <p:nvPicPr>
+          <p:cNvPr id="5" name="Picture 4">
+            <a:extLst>
+              <a:ext uri="{FF2B5EF4-FFF2-40B4-BE49-F238E27FC236}">
+                <a16:creationId xmlns:a16="http://schemas.microsoft.com/office/drawing/2014/main" id="{4578518F-C48A-4C03-B4A6-0E4D2D0561AD}"/>
+              </a:ext>
+            </a:extLst>
+          </p:cNvPr>
+          <p:cNvPicPr/>
+          <p:nvPr/>
+        </p:nvPicPr>
+        <p:blipFill>
+          <a:blip r:embed="rId3">
+            <a:extLst>
+              <a:ext uri="{28A0092B-C50C-407E-A947-70E740481C1C}">
+                <a14:useLocalDpi xmlns:a14="http://schemas.microsoft.com/office/drawing/2010/main" val="0"/>
+              </a:ext>
+            </a:extLst>
+          </a:blip>
+          <a:srcRect/>
+          <a:stretch>
+            <a:fillRect/>
+          </a:stretch>
+        </p:blipFill>
+        <p:spPr bwMode="auto">
+          <a:xfrm>
+            <a:off x="838200" y="3477578"/>
+            <a:ext cx="4420235" cy="2699385"/>
+          </a:xfrm>
+          <a:prstGeom prst="rect">
+            <a:avLst/>
+          </a:prstGeom>
+          <a:noFill/>
+          <a:ln>
+            <a:noFill/>
+          </a:ln>
+        </p:spPr>
+      </p:pic>
+      <p:pic>
+        <p:nvPicPr>
+          <p:cNvPr id="6" name="Picture 5">
+            <a:extLst>
+              <a:ext uri="{FF2B5EF4-FFF2-40B4-BE49-F238E27FC236}">
+                <a16:creationId xmlns:a16="http://schemas.microsoft.com/office/drawing/2014/main" id="{B344AECF-3497-4DA4-990C-9CEBB4ED54DC}"/>
+              </a:ext>
+            </a:extLst>
+          </p:cNvPr>
+          <p:cNvPicPr/>
+          <p:nvPr/>
+        </p:nvPicPr>
+        <p:blipFill>
+          <a:blip r:embed="rId4">
+            <a:extLst>
+              <a:ext uri="{28A0092B-C50C-407E-A947-70E740481C1C}">
+                <a14:useLocalDpi xmlns:a14="http://schemas.microsoft.com/office/drawing/2010/main" val="0"/>
+              </a:ext>
+            </a:extLst>
+          </a:blip>
+          <a:srcRect/>
+          <a:stretch>
+            <a:fillRect/>
+          </a:stretch>
+        </p:blipFill>
+        <p:spPr bwMode="auto">
+          <a:xfrm>
+            <a:off x="6933567" y="0"/>
+            <a:ext cx="4420235" cy="2699385"/>
+          </a:xfrm>
+          <a:prstGeom prst="rect">
+            <a:avLst/>
+          </a:prstGeom>
+          <a:noFill/>
+          <a:ln>
+            <a:noFill/>
+          </a:ln>
+        </p:spPr>
+      </p:pic>
+      <p:pic>
+        <p:nvPicPr>
+          <p:cNvPr id="7" name="Picture 6">
+            <a:extLst>
+              <a:ext uri="{FF2B5EF4-FFF2-40B4-BE49-F238E27FC236}">
+                <a16:creationId xmlns:a16="http://schemas.microsoft.com/office/drawing/2014/main" id="{382A58C0-AF4F-4F9B-9B6E-D4C785C3C52D}"/>
+              </a:ext>
+            </a:extLst>
+          </p:cNvPr>
+          <p:cNvPicPr/>
+          <p:nvPr/>
+        </p:nvPicPr>
+        <p:blipFill>
+          <a:blip r:embed="rId5">
+            <a:extLst>
+              <a:ext uri="{28A0092B-C50C-407E-A947-70E740481C1C}">
+                <a14:useLocalDpi xmlns:a14="http://schemas.microsoft.com/office/drawing/2010/main" val="0"/>
+              </a:ext>
+            </a:extLst>
+          </a:blip>
+          <a:srcRect/>
+          <a:stretch>
+            <a:fillRect/>
+          </a:stretch>
+        </p:blipFill>
+        <p:spPr bwMode="auto">
+          <a:xfrm>
+            <a:off x="6933565" y="3477578"/>
+            <a:ext cx="4420235" cy="2699385"/>
+          </a:xfrm>
+          <a:prstGeom prst="rect">
+            <a:avLst/>
+          </a:prstGeom>
+          <a:noFill/>
+          <a:ln>
+            <a:noFill/>
+          </a:ln>
+        </p:spPr>
+      </p:pic>
       <p:sp>
         <p:nvSpPr>
-          <p:cNvPr id="2" name="Title 1">
-            <a:extLst>
-              <a:ext uri="{FF2B5EF4-FFF2-40B4-BE49-F238E27FC236}">
-                <a16:creationId xmlns:a16="http://schemas.microsoft.com/office/drawing/2014/main" id="{3664C017-D707-42F6-BF82-6B6C3A666635}"/>
-              </a:ext>
-            </a:extLst>
-          </p:cNvPr>
-          <p:cNvSpPr>
-            <a:spLocks noGrp="1"/>
-          </p:cNvSpPr>
-          <p:nvPr>
-            <p:ph type="title"/>
-          </p:nvPr>
+          <p:cNvPr id="8" name="Rectangle: Rounded Corners 7">
+            <a:extLst>
+              <a:ext uri="{FF2B5EF4-FFF2-40B4-BE49-F238E27FC236}">
+                <a16:creationId xmlns:a16="http://schemas.microsoft.com/office/drawing/2014/main" id="{0DED5290-811B-42C4-A55C-C4BF221A48C8}"/>
+              </a:ext>
+            </a:extLst>
+          </p:cNvPr>
+          <p:cNvSpPr/>
+          <p:nvPr/>
         </p:nvSpPr>
-        <p:spPr/>
+        <p:spPr>
+          <a:xfrm>
+            <a:off x="1364105" y="2804246"/>
+            <a:ext cx="3342806" cy="568471"/>
+          </a:xfrm>
+          <a:prstGeom prst="roundRect">
+            <a:avLst/>
+          </a:prstGeom>
+        </p:spPr>
+        <p:style>
+          <a:lnRef idx="2">
+            <a:schemeClr val="accent6"/>
+          </a:lnRef>
+          <a:fillRef idx="1">
+            <a:schemeClr val="lt1"/>
+          </a:fillRef>
+          <a:effectRef idx="0">
+            <a:schemeClr val="accent6"/>
+          </a:effectRef>
+          <a:fontRef idx="minor">
+            <a:schemeClr val="dk1"/>
+          </a:fontRef>
+        </p:style>
         <p:txBody>
-          <a:bodyPr/>
+          <a:bodyPr rtlCol="0" anchor="ctr"/>
           <a:lstStyle/>
           <a:p>
-            <a:endParaRPr lang="en-IN"/>
+            <a:pPr algn="ctr"/>
+            <a:r>
+              <a:rPr lang="en-US" dirty="0"/>
+              <a:t>“ADDRTYPE”</a:t>
+            </a:r>
+            <a:endParaRPr lang="en-IN" dirty="0"/>
           </a:p>
         </p:txBody>
       </p:sp>
       <p:sp>
         <p:nvSpPr>
-          <p:cNvPr id="3" name="Content Placeholder 2">
-            <a:extLst>
-              <a:ext uri="{FF2B5EF4-FFF2-40B4-BE49-F238E27FC236}">
-                <a16:creationId xmlns:a16="http://schemas.microsoft.com/office/drawing/2014/main" id="{E0341AA2-E753-4161-B67C-81AD778DC8BF}"/>
-              </a:ext>
-            </a:extLst>
-          </p:cNvPr>
-          <p:cNvSpPr>
-            <a:spLocks noGrp="1"/>
-          </p:cNvSpPr>
-          <p:nvPr>
-            <p:ph idx="1"/>
-          </p:nvPr>
+          <p:cNvPr id="9" name="Rectangle: Rounded Corners 8">
+            <a:extLst>
+              <a:ext uri="{FF2B5EF4-FFF2-40B4-BE49-F238E27FC236}">
+                <a16:creationId xmlns:a16="http://schemas.microsoft.com/office/drawing/2014/main" id="{A63E809D-EE68-46CD-8094-42C13E540148}"/>
+              </a:ext>
+            </a:extLst>
+          </p:cNvPr>
+          <p:cNvSpPr/>
+          <p:nvPr/>
         </p:nvSpPr>
-        <p:spPr/>
+        <p:spPr>
+          <a:xfrm>
+            <a:off x="7485091" y="2804246"/>
+            <a:ext cx="3342806" cy="568471"/>
+          </a:xfrm>
+          <a:prstGeom prst="roundRect">
+            <a:avLst/>
+          </a:prstGeom>
+        </p:spPr>
+        <p:style>
+          <a:lnRef idx="2">
+            <a:schemeClr val="accent6"/>
+          </a:lnRef>
+          <a:fillRef idx="1">
+            <a:schemeClr val="lt1"/>
+          </a:fillRef>
+          <a:effectRef idx="0">
+            <a:schemeClr val="accent6"/>
+          </a:effectRef>
+          <a:fontRef idx="minor">
+            <a:schemeClr val="dk1"/>
+          </a:fontRef>
+        </p:style>
         <p:txBody>
-          <a:bodyPr/>
+          <a:bodyPr rtlCol="0" anchor="ctr"/>
           <a:lstStyle/>
           <a:p>
-            <a:endParaRPr lang="en-IN"/>
+            <a:pPr algn="ctr"/>
+            <a:r>
+              <a:rPr lang="en-US" dirty="0"/>
+              <a:t>LIGHTCOND</a:t>
+            </a:r>
+            <a:endParaRPr lang="en-IN" dirty="0"/>
+          </a:p>
+        </p:txBody>
+      </p:sp>
+      <p:sp>
+        <p:nvSpPr>
+          <p:cNvPr id="10" name="Rectangle: Rounded Corners 9">
+            <a:extLst>
+              <a:ext uri="{FF2B5EF4-FFF2-40B4-BE49-F238E27FC236}">
+                <a16:creationId xmlns:a16="http://schemas.microsoft.com/office/drawing/2014/main" id="{B648E1BC-3CB2-44E2-A9CB-D047726DE04A}"/>
+              </a:ext>
+            </a:extLst>
+          </p:cNvPr>
+          <p:cNvSpPr/>
+          <p:nvPr/>
+        </p:nvSpPr>
+        <p:spPr>
+          <a:xfrm>
+            <a:off x="7485091" y="6261258"/>
+            <a:ext cx="3342806" cy="568471"/>
+          </a:xfrm>
+          <a:prstGeom prst="roundRect">
+            <a:avLst/>
+          </a:prstGeom>
+        </p:spPr>
+        <p:style>
+          <a:lnRef idx="2">
+            <a:schemeClr val="accent6"/>
+          </a:lnRef>
+          <a:fillRef idx="1">
+            <a:schemeClr val="lt1"/>
+          </a:fillRef>
+          <a:effectRef idx="0">
+            <a:schemeClr val="accent6"/>
+          </a:effectRef>
+          <a:fontRef idx="minor">
+            <a:schemeClr val="dk1"/>
+          </a:fontRef>
+        </p:style>
+        <p:txBody>
+          <a:bodyPr rtlCol="0" anchor="ctr"/>
+          <a:lstStyle/>
+          <a:p>
+            <a:pPr algn="ctr"/>
+            <a:r>
+              <a:rPr lang="en-US" dirty="0"/>
+              <a:t>ROADCOND</a:t>
+            </a:r>
+            <a:endParaRPr lang="en-IN" dirty="0"/>
+          </a:p>
+        </p:txBody>
+      </p:sp>
+      <p:sp>
+        <p:nvSpPr>
+          <p:cNvPr id="11" name="Rectangle: Rounded Corners 10">
+            <a:extLst>
+              <a:ext uri="{FF2B5EF4-FFF2-40B4-BE49-F238E27FC236}">
+                <a16:creationId xmlns:a16="http://schemas.microsoft.com/office/drawing/2014/main" id="{F8F89B3F-7FC1-42FC-A2FD-03939240C076}"/>
+              </a:ext>
+            </a:extLst>
+          </p:cNvPr>
+          <p:cNvSpPr/>
+          <p:nvPr/>
+        </p:nvSpPr>
+        <p:spPr>
+          <a:xfrm>
+            <a:off x="1364105" y="6261259"/>
+            <a:ext cx="3342806" cy="568471"/>
+          </a:xfrm>
+          <a:prstGeom prst="roundRect">
+            <a:avLst/>
+          </a:prstGeom>
+        </p:spPr>
+        <p:style>
+          <a:lnRef idx="2">
+            <a:schemeClr val="accent6"/>
+          </a:lnRef>
+          <a:fillRef idx="1">
+            <a:schemeClr val="lt1"/>
+          </a:fillRef>
+          <a:effectRef idx="0">
+            <a:schemeClr val="accent6"/>
+          </a:effectRef>
+          <a:fontRef idx="minor">
+            <a:schemeClr val="dk1"/>
+          </a:fontRef>
+        </p:style>
+        <p:txBody>
+          <a:bodyPr rtlCol="0" anchor="ctr"/>
+          <a:lstStyle/>
+          <a:p>
+            <a:pPr algn="ctr"/>
+            <a:r>
+              <a:rPr lang="en-US" dirty="0"/>
+              <a:t>“JUNCTIONTYPE”</a:t>
+            </a:r>
+            <a:endParaRPr lang="en-IN" dirty="0"/>
           </a:p>
         </p:txBody>
       </p:sp>
@@ -4383,13 +9000,13 @@
   <p:clrMapOvr>
     <a:masterClrMapping/>
   </p:clrMapOvr>
-  <mc:AlternateContent xmlns:mc="http://schemas.openxmlformats.org/markup-compatibility/2006">
-    <mc:Choice xmlns:p159="http://schemas.microsoft.com/office/powerpoint/2015/09/main" Requires="p159">
+  <mc:AlternateContent xmlns:mc="http://schemas.openxmlformats.org/markup-compatibility/2006" xmlns:p159="http://schemas.microsoft.com/office/powerpoint/2015/09/main">
+    <mc:Choice Requires="p159">
       <p:transition xmlns:p14="http://schemas.microsoft.com/office/powerpoint/2010/main" spd="slow" p14:dur="2000">
         <p159:morph option="byObject"/>
       </p:transition>
     </mc:Choice>
-    <mc:Fallback>
+    <mc:Fallback xmlns="">
       <p:transition spd="slow">
         <p:fade/>
       </p:transition>
@@ -4415,53 +9032,351 @@
           <a:chExt cx="0" cy="0"/>
         </a:xfrm>
       </p:grpSpPr>
+      <p:pic>
+        <p:nvPicPr>
+          <p:cNvPr id="4" name="Picture 3">
+            <a:extLst>
+              <a:ext uri="{FF2B5EF4-FFF2-40B4-BE49-F238E27FC236}">
+                <a16:creationId xmlns:a16="http://schemas.microsoft.com/office/drawing/2014/main" id="{112D36F3-6202-4716-82B6-683DD7DBDA22}"/>
+              </a:ext>
+            </a:extLst>
+          </p:cNvPr>
+          <p:cNvPicPr/>
+          <p:nvPr/>
+        </p:nvPicPr>
+        <p:blipFill>
+          <a:blip r:embed="rId2">
+            <a:extLst>
+              <a:ext uri="{28A0092B-C50C-407E-A947-70E740481C1C}">
+                <a14:useLocalDpi xmlns:a14="http://schemas.microsoft.com/office/drawing/2010/main" val="0"/>
+              </a:ext>
+            </a:extLst>
+          </a:blip>
+          <a:srcRect/>
+          <a:stretch>
+            <a:fillRect/>
+          </a:stretch>
+        </p:blipFill>
+        <p:spPr bwMode="auto">
+          <a:xfrm>
+            <a:off x="838199" y="-1"/>
+            <a:ext cx="4420235" cy="2699385"/>
+          </a:xfrm>
+          <a:prstGeom prst="rect">
+            <a:avLst/>
+          </a:prstGeom>
+          <a:noFill/>
+          <a:ln>
+            <a:noFill/>
+          </a:ln>
+        </p:spPr>
+      </p:pic>
+      <p:pic>
+        <p:nvPicPr>
+          <p:cNvPr id="5" name="Picture 4">
+            <a:extLst>
+              <a:ext uri="{FF2B5EF4-FFF2-40B4-BE49-F238E27FC236}">
+                <a16:creationId xmlns:a16="http://schemas.microsoft.com/office/drawing/2014/main" id="{886D1A1C-7CDD-49EF-B8C5-2BB0A35A8026}"/>
+              </a:ext>
+            </a:extLst>
+          </p:cNvPr>
+          <p:cNvPicPr/>
+          <p:nvPr/>
+        </p:nvPicPr>
+        <p:blipFill>
+          <a:blip r:embed="rId3">
+            <a:extLst>
+              <a:ext uri="{28A0092B-C50C-407E-A947-70E740481C1C}">
+                <a14:useLocalDpi xmlns:a14="http://schemas.microsoft.com/office/drawing/2010/main" val="0"/>
+              </a:ext>
+            </a:extLst>
+          </a:blip>
+          <a:srcRect/>
+          <a:stretch>
+            <a:fillRect/>
+          </a:stretch>
+        </p:blipFill>
+        <p:spPr bwMode="auto">
+          <a:xfrm>
+            <a:off x="838199" y="3455587"/>
+            <a:ext cx="4420235" cy="2699385"/>
+          </a:xfrm>
+          <a:prstGeom prst="rect">
+            <a:avLst/>
+          </a:prstGeom>
+          <a:noFill/>
+          <a:ln>
+            <a:noFill/>
+          </a:ln>
+        </p:spPr>
+      </p:pic>
+      <p:pic>
+        <p:nvPicPr>
+          <p:cNvPr id="6" name="Picture 5">
+            <a:extLst>
+              <a:ext uri="{FF2B5EF4-FFF2-40B4-BE49-F238E27FC236}">
+                <a16:creationId xmlns:a16="http://schemas.microsoft.com/office/drawing/2014/main" id="{6BFBB537-A72E-43DF-BEB5-147D19382965}"/>
+              </a:ext>
+            </a:extLst>
+          </p:cNvPr>
+          <p:cNvPicPr/>
+          <p:nvPr/>
+        </p:nvPicPr>
+        <p:blipFill>
+          <a:blip r:embed="rId4">
+            <a:extLst>
+              <a:ext uri="{28A0092B-C50C-407E-A947-70E740481C1C}">
+                <a14:useLocalDpi xmlns:a14="http://schemas.microsoft.com/office/drawing/2010/main" val="0"/>
+              </a:ext>
+            </a:extLst>
+          </a:blip>
+          <a:srcRect/>
+          <a:stretch>
+            <a:fillRect/>
+          </a:stretch>
+        </p:blipFill>
+        <p:spPr bwMode="auto">
+          <a:xfrm>
+            <a:off x="6933564" y="3477578"/>
+            <a:ext cx="4420235" cy="2699385"/>
+          </a:xfrm>
+          <a:prstGeom prst="rect">
+            <a:avLst/>
+          </a:prstGeom>
+          <a:noFill/>
+          <a:ln>
+            <a:noFill/>
+          </a:ln>
+        </p:spPr>
+      </p:pic>
       <p:sp>
         <p:nvSpPr>
-          <p:cNvPr id="2" name="Title 1">
-            <a:extLst>
-              <a:ext uri="{FF2B5EF4-FFF2-40B4-BE49-F238E27FC236}">
-                <a16:creationId xmlns:a16="http://schemas.microsoft.com/office/drawing/2014/main" id="{3664C017-D707-42F6-BF82-6B6C3A666635}"/>
-              </a:ext>
-            </a:extLst>
-          </p:cNvPr>
-          <p:cNvSpPr>
-            <a:spLocks noGrp="1"/>
-          </p:cNvSpPr>
-          <p:nvPr>
-            <p:ph type="title"/>
-          </p:nvPr>
+          <p:cNvPr id="8" name="Rectangle: Rounded Corners 7">
+            <a:extLst>
+              <a:ext uri="{FF2B5EF4-FFF2-40B4-BE49-F238E27FC236}">
+                <a16:creationId xmlns:a16="http://schemas.microsoft.com/office/drawing/2014/main" id="{EC9BE0D7-EA26-41A2-8847-804F0003A166}"/>
+              </a:ext>
+            </a:extLst>
+          </p:cNvPr>
+          <p:cNvSpPr/>
+          <p:nvPr/>
         </p:nvSpPr>
-        <p:spPr/>
+        <p:spPr>
+          <a:xfrm>
+            <a:off x="1376917" y="2780273"/>
+            <a:ext cx="3342806" cy="568471"/>
+          </a:xfrm>
+          <a:prstGeom prst="roundRect">
+            <a:avLst/>
+          </a:prstGeom>
+        </p:spPr>
+        <p:style>
+          <a:lnRef idx="2">
+            <a:schemeClr val="accent6"/>
+          </a:lnRef>
+          <a:fillRef idx="1">
+            <a:schemeClr val="lt1"/>
+          </a:fillRef>
+          <a:effectRef idx="0">
+            <a:schemeClr val="accent6"/>
+          </a:effectRef>
+          <a:fontRef idx="minor">
+            <a:schemeClr val="dk1"/>
+          </a:fontRef>
+        </p:style>
         <p:txBody>
-          <a:bodyPr/>
+          <a:bodyPr rtlCol="0" anchor="ctr"/>
           <a:lstStyle/>
           <a:p>
-            <a:endParaRPr lang="en-IN"/>
+            <a:pPr algn="ctr"/>
+            <a:r>
+              <a:rPr lang="en-US" dirty="0"/>
+              <a:t>“WEATHER”</a:t>
+            </a:r>
+            <a:endParaRPr lang="en-IN" dirty="0"/>
           </a:p>
         </p:txBody>
       </p:sp>
       <p:sp>
         <p:nvSpPr>
-          <p:cNvPr id="3" name="Content Placeholder 2">
-            <a:extLst>
-              <a:ext uri="{FF2B5EF4-FFF2-40B4-BE49-F238E27FC236}">
-                <a16:creationId xmlns:a16="http://schemas.microsoft.com/office/drawing/2014/main" id="{E0341AA2-E753-4161-B67C-81AD778DC8BF}"/>
-              </a:ext>
-            </a:extLst>
-          </p:cNvPr>
-          <p:cNvSpPr>
-            <a:spLocks noGrp="1"/>
-          </p:cNvSpPr>
-          <p:nvPr>
-            <p:ph idx="1"/>
-          </p:nvPr>
+          <p:cNvPr id="10" name="Rectangle: Rounded Corners 9">
+            <a:extLst>
+              <a:ext uri="{FF2B5EF4-FFF2-40B4-BE49-F238E27FC236}">
+                <a16:creationId xmlns:a16="http://schemas.microsoft.com/office/drawing/2014/main" id="{D608799E-6C3A-42E6-886F-EBADD53BFC74}"/>
+              </a:ext>
+            </a:extLst>
+          </p:cNvPr>
+          <p:cNvSpPr/>
+          <p:nvPr/>
         </p:nvSpPr>
-        <p:spPr/>
+        <p:spPr>
+          <a:xfrm>
+            <a:off x="7472278" y="6267340"/>
+            <a:ext cx="3342806" cy="568471"/>
+          </a:xfrm>
+          <a:prstGeom prst="roundRect">
+            <a:avLst/>
+          </a:prstGeom>
+        </p:spPr>
+        <p:style>
+          <a:lnRef idx="2">
+            <a:schemeClr val="accent6"/>
+          </a:lnRef>
+          <a:fillRef idx="1">
+            <a:schemeClr val="lt1"/>
+          </a:fillRef>
+          <a:effectRef idx="0">
+            <a:schemeClr val="accent6"/>
+          </a:effectRef>
+          <a:fontRef idx="minor">
+            <a:schemeClr val="dk1"/>
+          </a:fontRef>
+        </p:style>
         <p:txBody>
-          <a:bodyPr/>
+          <a:bodyPr rtlCol="0" anchor="ctr"/>
           <a:lstStyle/>
           <a:p>
-            <a:endParaRPr lang="en-IN"/>
+            <a:pPr algn="ctr"/>
+            <a:r>
+              <a:rPr lang="en-US" dirty="0"/>
+              <a:t>“UNDERINFL”</a:t>
+            </a:r>
+            <a:endParaRPr lang="en-IN" dirty="0"/>
+          </a:p>
+        </p:txBody>
+      </p:sp>
+      <p:sp>
+        <p:nvSpPr>
+          <p:cNvPr id="12" name="Rectangle: Rounded Corners 11">
+            <a:extLst>
+              <a:ext uri="{FF2B5EF4-FFF2-40B4-BE49-F238E27FC236}">
+                <a16:creationId xmlns:a16="http://schemas.microsoft.com/office/drawing/2014/main" id="{5FA739DA-C2C5-49FA-8C71-009BE535076D}"/>
+              </a:ext>
+            </a:extLst>
+          </p:cNvPr>
+          <p:cNvSpPr/>
+          <p:nvPr/>
+        </p:nvSpPr>
+        <p:spPr>
+          <a:xfrm>
+            <a:off x="7472278" y="2804245"/>
+            <a:ext cx="3342806" cy="568471"/>
+          </a:xfrm>
+          <a:prstGeom prst="roundRect">
+            <a:avLst/>
+          </a:prstGeom>
+        </p:spPr>
+        <p:style>
+          <a:lnRef idx="2">
+            <a:schemeClr val="accent6"/>
+          </a:lnRef>
+          <a:fillRef idx="1">
+            <a:schemeClr val="lt1"/>
+          </a:fillRef>
+          <a:effectRef idx="0">
+            <a:schemeClr val="accent6"/>
+          </a:effectRef>
+          <a:fontRef idx="minor">
+            <a:schemeClr val="dk1"/>
+          </a:fontRef>
+        </p:style>
+        <p:txBody>
+          <a:bodyPr rtlCol="0" anchor="ctr"/>
+          <a:lstStyle/>
+          <a:p>
+            <a:pPr algn="ctr"/>
+            <a:r>
+              <a:rPr lang="en-US" dirty="0"/>
+              <a:t>“INATTENTIONIND”</a:t>
+            </a:r>
+            <a:endParaRPr lang="en-IN" dirty="0"/>
+          </a:p>
+        </p:txBody>
+      </p:sp>
+      <p:pic>
+        <p:nvPicPr>
+          <p:cNvPr id="13" name="Picture 12">
+            <a:extLst>
+              <a:ext uri="{FF2B5EF4-FFF2-40B4-BE49-F238E27FC236}">
+                <a16:creationId xmlns:a16="http://schemas.microsoft.com/office/drawing/2014/main" id="{1D980277-7F5C-4103-9CFD-3E30297FD434}"/>
+              </a:ext>
+            </a:extLst>
+          </p:cNvPr>
+          <p:cNvPicPr/>
+          <p:nvPr/>
+        </p:nvPicPr>
+        <p:blipFill>
+          <a:blip r:embed="rId5">
+            <a:extLst>
+              <a:ext uri="{28A0092B-C50C-407E-A947-70E740481C1C}">
+                <a14:useLocalDpi xmlns:a14="http://schemas.microsoft.com/office/drawing/2010/main" val="0"/>
+              </a:ext>
+            </a:extLst>
+          </a:blip>
+          <a:srcRect/>
+          <a:stretch>
+            <a:fillRect/>
+          </a:stretch>
+        </p:blipFill>
+        <p:spPr bwMode="auto">
+          <a:xfrm>
+            <a:off x="6933563" y="-2"/>
+            <a:ext cx="4420235" cy="2699385"/>
+          </a:xfrm>
+          <a:prstGeom prst="rect">
+            <a:avLst/>
+          </a:prstGeom>
+          <a:noFill/>
+          <a:ln>
+            <a:noFill/>
+          </a:ln>
+        </p:spPr>
+      </p:pic>
+      <p:sp>
+        <p:nvSpPr>
+          <p:cNvPr id="14" name="Rectangle: Rounded Corners 13">
+            <a:extLst>
+              <a:ext uri="{FF2B5EF4-FFF2-40B4-BE49-F238E27FC236}">
+                <a16:creationId xmlns:a16="http://schemas.microsoft.com/office/drawing/2014/main" id="{CF14C799-D1B5-473F-8B8F-BC87B261CB40}"/>
+              </a:ext>
+            </a:extLst>
+          </p:cNvPr>
+          <p:cNvSpPr/>
+          <p:nvPr/>
+        </p:nvSpPr>
+        <p:spPr>
+          <a:xfrm>
+            <a:off x="1376913" y="6267340"/>
+            <a:ext cx="3342806" cy="568471"/>
+          </a:xfrm>
+          <a:prstGeom prst="roundRect">
+            <a:avLst/>
+          </a:prstGeom>
+        </p:spPr>
+        <p:style>
+          <a:lnRef idx="2">
+            <a:schemeClr val="accent6"/>
+          </a:lnRef>
+          <a:fillRef idx="1">
+            <a:schemeClr val="lt1"/>
+          </a:fillRef>
+          <a:effectRef idx="0">
+            <a:schemeClr val="accent6"/>
+          </a:effectRef>
+          <a:fontRef idx="minor">
+            <a:schemeClr val="dk1"/>
+          </a:fontRef>
+        </p:style>
+        <p:txBody>
+          <a:bodyPr rtlCol="0" anchor="ctr"/>
+          <a:lstStyle/>
+          <a:p>
+            <a:pPr algn="ctr"/>
+            <a:r>
+              <a:rPr lang="en-US" dirty="0"/>
+              <a:t>“SPEEDING”</a:t>
+            </a:r>
+            <a:endParaRPr lang="en-IN" dirty="0"/>
           </a:p>
         </p:txBody>
       </p:sp>
@@ -4475,13 +9390,13 @@
   <p:clrMapOvr>
     <a:masterClrMapping/>
   </p:clrMapOvr>
-  <mc:AlternateContent xmlns:mc="http://schemas.openxmlformats.org/markup-compatibility/2006">
-    <mc:Choice xmlns:p159="http://schemas.microsoft.com/office/powerpoint/2015/09/main" Requires="p159">
+  <mc:AlternateContent xmlns:mc="http://schemas.openxmlformats.org/markup-compatibility/2006" xmlns:p159="http://schemas.microsoft.com/office/powerpoint/2015/09/main">
+    <mc:Choice Requires="p159">
       <p:transition xmlns:p14="http://schemas.microsoft.com/office/powerpoint/2010/main" spd="slow" p14:dur="2000">
         <p159:morph option="byObject"/>
       </p:transition>
     </mc:Choice>
-    <mc:Fallback>
+    <mc:Fallback xmlns="">
       <p:transition spd="slow">
         <p:fade/>
       </p:transition>
@@ -4507,30 +9422,127 @@
           <a:chExt cx="0" cy="0"/>
         </a:xfrm>
       </p:grpSpPr>
+      <p:pic>
+        <p:nvPicPr>
+          <p:cNvPr id="4" name="Picture 3">
+            <a:extLst>
+              <a:ext uri="{FF2B5EF4-FFF2-40B4-BE49-F238E27FC236}">
+                <a16:creationId xmlns:a16="http://schemas.microsoft.com/office/drawing/2014/main" id="{D2134A02-5B8D-44AC-929C-048B0060F7A0}"/>
+              </a:ext>
+            </a:extLst>
+          </p:cNvPr>
+          <p:cNvPicPr/>
+          <p:nvPr/>
+        </p:nvPicPr>
+        <p:blipFill>
+          <a:blip r:embed="rId2">
+            <a:extLst>
+              <a:ext uri="{28A0092B-C50C-407E-A947-70E740481C1C}">
+                <a14:useLocalDpi xmlns:a14="http://schemas.microsoft.com/office/drawing/2010/main" val="0"/>
+              </a:ext>
+            </a:extLst>
+          </a:blip>
+          <a:srcRect/>
+          <a:stretch>
+            <a:fillRect/>
+          </a:stretch>
+        </p:blipFill>
+        <p:spPr bwMode="auto">
+          <a:xfrm>
+            <a:off x="838200" y="340995"/>
+            <a:ext cx="4918023" cy="3136583"/>
+          </a:xfrm>
+          <a:prstGeom prst="rect">
+            <a:avLst/>
+          </a:prstGeom>
+          <a:noFill/>
+          <a:ln>
+            <a:noFill/>
+          </a:ln>
+        </p:spPr>
+      </p:pic>
+      <p:pic>
+        <p:nvPicPr>
+          <p:cNvPr id="7" name="Picture 6">
+            <a:extLst>
+              <a:ext uri="{FF2B5EF4-FFF2-40B4-BE49-F238E27FC236}">
+                <a16:creationId xmlns:a16="http://schemas.microsoft.com/office/drawing/2014/main" id="{CE5B891E-D405-49C8-9535-FC588464B8FA}"/>
+              </a:ext>
+            </a:extLst>
+          </p:cNvPr>
+          <p:cNvPicPr/>
+          <p:nvPr/>
+        </p:nvPicPr>
+        <p:blipFill>
+          <a:blip r:embed="rId3">
+            <a:extLst>
+              <a:ext uri="{28A0092B-C50C-407E-A947-70E740481C1C}">
+                <a14:useLocalDpi xmlns:a14="http://schemas.microsoft.com/office/drawing/2010/main" val="0"/>
+              </a:ext>
+            </a:extLst>
+          </a:blip>
+          <a:srcRect/>
+          <a:stretch>
+            <a:fillRect/>
+          </a:stretch>
+        </p:blipFill>
+        <p:spPr bwMode="auto">
+          <a:xfrm>
+            <a:off x="6325850" y="3040380"/>
+            <a:ext cx="5027950" cy="3136583"/>
+          </a:xfrm>
+          <a:prstGeom prst="rect">
+            <a:avLst/>
+          </a:prstGeom>
+          <a:noFill/>
+          <a:ln>
+            <a:noFill/>
+          </a:ln>
+        </p:spPr>
+      </p:pic>
       <p:sp>
         <p:nvSpPr>
-          <p:cNvPr id="2" name="Title 1">
-            <a:extLst>
-              <a:ext uri="{FF2B5EF4-FFF2-40B4-BE49-F238E27FC236}">
-                <a16:creationId xmlns:a16="http://schemas.microsoft.com/office/drawing/2014/main" id="{3664C017-D707-42F6-BF82-6B6C3A666635}"/>
-              </a:ext>
-            </a:extLst>
-          </p:cNvPr>
-          <p:cNvSpPr>
-            <a:spLocks noGrp="1"/>
-          </p:cNvSpPr>
-          <p:nvPr>
-            <p:ph type="title"/>
-          </p:nvPr>
+          <p:cNvPr id="9" name="Rectangle: Rounded Corners 8">
+            <a:extLst>
+              <a:ext uri="{FF2B5EF4-FFF2-40B4-BE49-F238E27FC236}">
+                <a16:creationId xmlns:a16="http://schemas.microsoft.com/office/drawing/2014/main" id="{C0239592-27D5-4759-86F5-2A0DECCB785F}"/>
+              </a:ext>
+            </a:extLst>
+          </p:cNvPr>
+          <p:cNvSpPr/>
+          <p:nvPr/>
         </p:nvSpPr>
-        <p:spPr/>
+        <p:spPr>
+          <a:xfrm>
+            <a:off x="1625808" y="3612515"/>
+            <a:ext cx="3342806" cy="568471"/>
+          </a:xfrm>
+          <a:prstGeom prst="roundRect">
+            <a:avLst/>
+          </a:prstGeom>
+        </p:spPr>
+        <p:style>
+          <a:lnRef idx="2">
+            <a:schemeClr val="accent6"/>
+          </a:lnRef>
+          <a:fillRef idx="1">
+            <a:schemeClr val="lt1"/>
+          </a:fillRef>
+          <a:effectRef idx="0">
+            <a:schemeClr val="accent6"/>
+          </a:effectRef>
+          <a:fontRef idx="minor">
+            <a:schemeClr val="dk1"/>
+          </a:fontRef>
+        </p:style>
         <p:txBody>
-          <a:bodyPr/>
+          <a:bodyPr rtlCol="0" anchor="ctr"/>
           <a:lstStyle/>
           <a:p>
+            <a:pPr algn="ctr"/>
             <a:r>
               <a:rPr lang="en-US" dirty="0"/>
-              <a:t>Model Building</a:t>
+              <a:t>“PERSONCOUNT”</a:t>
             </a:r>
             <a:endParaRPr lang="en-IN" dirty="0"/>
           </a:p>
@@ -4538,46 +9550,69 @@
       </p:sp>
       <p:sp>
         <p:nvSpPr>
-          <p:cNvPr id="3" name="Content Placeholder 2">
-            <a:extLst>
-              <a:ext uri="{FF2B5EF4-FFF2-40B4-BE49-F238E27FC236}">
-                <a16:creationId xmlns:a16="http://schemas.microsoft.com/office/drawing/2014/main" id="{E0341AA2-E753-4161-B67C-81AD778DC8BF}"/>
-              </a:ext>
-            </a:extLst>
-          </p:cNvPr>
-          <p:cNvSpPr>
-            <a:spLocks noGrp="1"/>
-          </p:cNvSpPr>
-          <p:nvPr>
-            <p:ph idx="1"/>
-          </p:nvPr>
+          <p:cNvPr id="11" name="Rectangle: Rounded Corners 10">
+            <a:extLst>
+              <a:ext uri="{FF2B5EF4-FFF2-40B4-BE49-F238E27FC236}">
+                <a16:creationId xmlns:a16="http://schemas.microsoft.com/office/drawing/2014/main" id="{ADCBC32D-4438-46D0-A014-08008D72F91D}"/>
+              </a:ext>
+            </a:extLst>
+          </p:cNvPr>
+          <p:cNvSpPr/>
+          <p:nvPr/>
         </p:nvSpPr>
-        <p:spPr/>
+        <p:spPr>
+          <a:xfrm>
+            <a:off x="7168422" y="2304343"/>
+            <a:ext cx="3342806" cy="568471"/>
+          </a:xfrm>
+          <a:prstGeom prst="roundRect">
+            <a:avLst/>
+          </a:prstGeom>
+        </p:spPr>
+        <p:style>
+          <a:lnRef idx="2">
+            <a:schemeClr val="accent6"/>
+          </a:lnRef>
+          <a:fillRef idx="1">
+            <a:schemeClr val="lt1"/>
+          </a:fillRef>
+          <a:effectRef idx="0">
+            <a:schemeClr val="accent6"/>
+          </a:effectRef>
+          <a:fontRef idx="minor">
+            <a:schemeClr val="dk1"/>
+          </a:fontRef>
+        </p:style>
         <p:txBody>
-          <a:bodyPr/>
+          <a:bodyPr rtlCol="0" anchor="ctr"/>
           <a:lstStyle/>
           <a:p>
-            <a:endParaRPr lang="en-IN"/>
+            <a:pPr algn="ctr"/>
+            <a:r>
+              <a:rPr lang="en-US"/>
+              <a:t>“VEHCOUNT”</a:t>
+            </a:r>
+            <a:endParaRPr lang="en-IN" dirty="0"/>
           </a:p>
         </p:txBody>
       </p:sp>
     </p:spTree>
     <p:extLst>
       <p:ext uri="{BB962C8B-B14F-4D97-AF65-F5344CB8AC3E}">
-        <p14:creationId xmlns:p14="http://schemas.microsoft.com/office/powerpoint/2010/main" val="3261598085"/>
+        <p14:creationId xmlns:p14="http://schemas.microsoft.com/office/powerpoint/2010/main" val="2325077893"/>
       </p:ext>
     </p:extLst>
   </p:cSld>
   <p:clrMapOvr>
     <a:masterClrMapping/>
   </p:clrMapOvr>
-  <mc:AlternateContent xmlns:mc="http://schemas.openxmlformats.org/markup-compatibility/2006">
-    <mc:Choice xmlns:p159="http://schemas.microsoft.com/office/powerpoint/2015/09/main" Requires="p159">
+  <mc:AlternateContent xmlns:mc="http://schemas.openxmlformats.org/markup-compatibility/2006" xmlns:p159="http://schemas.microsoft.com/office/powerpoint/2015/09/main">
+    <mc:Choice Requires="p159">
       <p:transition xmlns:p14="http://schemas.microsoft.com/office/powerpoint/2010/main" spd="slow" p14:dur="2000">
         <p159:morph option="byObject"/>
       </p:transition>
     </mc:Choice>
-    <mc:Fallback>
+    <mc:Fallback xmlns="">
       <p:transition spd="slow">
         <p:fade/>
       </p:transition>
@@ -4619,48 +9654,97 @@
             <p:ph type="title"/>
           </p:nvPr>
         </p:nvSpPr>
-        <p:spPr/>
+        <p:spPr>
+          <a:xfrm>
+            <a:off x="838200" y="365124"/>
+            <a:ext cx="10515600" cy="5945733"/>
+          </a:xfrm>
+        </p:spPr>
         <p:txBody>
-          <a:bodyPr/>
+          <a:bodyPr>
+            <a:normAutofit/>
+          </a:bodyPr>
           <a:lstStyle/>
           <a:p>
             <a:r>
               <a:rPr lang="en-US" dirty="0"/>
-              <a:t>Logistic Regression:</a:t>
+              <a:t>Map of </a:t>
+            </a:r>
+            <a:br>
+              <a:rPr lang="en-US" dirty="0"/>
+            </a:br>
+            <a:r>
+              <a:rPr lang="en-US" dirty="0"/>
+              <a:t>Seattle, Washington</a:t>
+            </a:r>
+            <a:br>
+              <a:rPr lang="en-US" dirty="0"/>
+            </a:br>
+            <a:r>
+              <a:rPr lang="en-US" dirty="0"/>
+              <a:t>explaining </a:t>
+            </a:r>
+            <a:br>
+              <a:rPr lang="en-US" dirty="0"/>
+            </a:br>
+            <a:r>
+              <a:rPr lang="en-US" dirty="0"/>
+              <a:t>car accidents </a:t>
+            </a:r>
+            <a:br>
+              <a:rPr lang="en-US" dirty="0"/>
+            </a:br>
+            <a:r>
+              <a:rPr lang="en-US" dirty="0"/>
+              <a:t>in different locations</a:t>
             </a:r>
             <a:endParaRPr lang="en-IN" dirty="0"/>
           </a:p>
         </p:txBody>
       </p:sp>
-      <p:sp>
-        <p:nvSpPr>
-          <p:cNvPr id="3" name="Content Placeholder 2">
-            <a:extLst>
-              <a:ext uri="{FF2B5EF4-FFF2-40B4-BE49-F238E27FC236}">
-                <a16:creationId xmlns:a16="http://schemas.microsoft.com/office/drawing/2014/main" id="{E0341AA2-E753-4161-B67C-81AD778DC8BF}"/>
-              </a:ext>
-            </a:extLst>
-          </p:cNvPr>
-          <p:cNvSpPr>
-            <a:spLocks noGrp="1"/>
-          </p:cNvSpPr>
-          <p:nvPr>
-            <p:ph idx="1"/>
-          </p:nvPr>
-        </p:nvSpPr>
-        <p:spPr/>
-        <p:txBody>
-          <a:bodyPr/>
-          <a:lstStyle/>
-          <a:p>
-            <a:endParaRPr lang="en-IN"/>
-          </a:p>
-        </p:txBody>
-      </p:sp>
+      <p:pic>
+        <p:nvPicPr>
+          <p:cNvPr id="8" name="Picture 7">
+            <a:extLst>
+              <a:ext uri="{FF2B5EF4-FFF2-40B4-BE49-F238E27FC236}">
+                <a16:creationId xmlns:a16="http://schemas.microsoft.com/office/drawing/2014/main" id="{F072980C-C38D-4E58-9505-19ED72009F6F}"/>
+              </a:ext>
+            </a:extLst>
+          </p:cNvPr>
+          <p:cNvPicPr/>
+          <p:nvPr/>
+        </p:nvPicPr>
+        <p:blipFill>
+          <a:blip r:embed="rId2">
+            <a:extLst>
+              <a:ext uri="{28A0092B-C50C-407E-A947-70E740481C1C}">
+                <a14:useLocalDpi xmlns:a14="http://schemas.microsoft.com/office/drawing/2010/main" val="0"/>
+              </a:ext>
+            </a:extLst>
+          </a:blip>
+          <a:srcRect/>
+          <a:stretch>
+            <a:fillRect/>
+          </a:stretch>
+        </p:blipFill>
+        <p:spPr bwMode="auto">
+          <a:xfrm>
+            <a:off x="6448425" y="365125"/>
+            <a:ext cx="4905375" cy="5945734"/>
+          </a:xfrm>
+          <a:prstGeom prst="rect">
+            <a:avLst/>
+          </a:prstGeom>
+          <a:noFill/>
+          <a:ln>
+            <a:noFill/>
+          </a:ln>
+        </p:spPr>
+      </p:pic>
     </p:spTree>
     <p:extLst>
       <p:ext uri="{BB962C8B-B14F-4D97-AF65-F5344CB8AC3E}">
-        <p14:creationId xmlns:p14="http://schemas.microsoft.com/office/powerpoint/2010/main" val="1908697213"/>
+        <p14:creationId xmlns:p14="http://schemas.microsoft.com/office/powerpoint/2010/main" val="49827394"/>
       </p:ext>
     </p:extLst>
   </p:cSld>
@@ -4720,7 +9804,11 @@
           <a:bodyPr/>
           <a:lstStyle/>
           <a:p>
-            <a:endParaRPr lang="en-IN"/>
+            <a:r>
+              <a:rPr lang="en-US" dirty="0"/>
+              <a:t>Model Building</a:t>
+            </a:r>
+            <a:endParaRPr lang="en-IN" dirty="0"/>
           </a:p>
         </p:txBody>
       </p:sp>
@@ -4745,27 +9833,71 @@
           <a:bodyPr/>
           <a:lstStyle/>
           <a:p>
-            <a:endParaRPr lang="en-IN"/>
+            <a:r>
+              <a:rPr lang="en-US" dirty="0"/>
+              <a:t>Classification Problem</a:t>
+            </a:r>
+          </a:p>
+          <a:p>
+            <a:endParaRPr lang="en-US" dirty="0"/>
+          </a:p>
+          <a:p>
+            <a:r>
+              <a:rPr lang="en-US" dirty="0"/>
+              <a:t>Use:</a:t>
+            </a:r>
+          </a:p>
+          <a:p>
+            <a:pPr lvl="1"/>
+            <a:r>
+              <a:rPr lang="en-US" dirty="0"/>
+              <a:t>Logistic Regression</a:t>
+            </a:r>
+          </a:p>
+          <a:p>
+            <a:pPr lvl="1"/>
+            <a:r>
+              <a:rPr lang="en-US" dirty="0"/>
+              <a:t>Decision Tree</a:t>
+            </a:r>
+          </a:p>
+          <a:p>
+            <a:endParaRPr lang="en-IN" dirty="0"/>
+          </a:p>
+          <a:p>
+            <a:r>
+              <a:rPr lang="en-IN" dirty="0"/>
+              <a:t>KNN – Performs poorly for highly skewed datasets.</a:t>
+            </a:r>
+          </a:p>
+          <a:p>
+            <a:r>
+              <a:rPr lang="en-IN" dirty="0"/>
+              <a:t>SVM – Not suitable for large datasets.</a:t>
+            </a:r>
+          </a:p>
+          <a:p>
+            <a:endParaRPr lang="en-IN" dirty="0"/>
           </a:p>
         </p:txBody>
       </p:sp>
     </p:spTree>
     <p:extLst>
       <p:ext uri="{BB962C8B-B14F-4D97-AF65-F5344CB8AC3E}">
-        <p14:creationId xmlns:p14="http://schemas.microsoft.com/office/powerpoint/2010/main" val="212726525"/>
+        <p14:creationId xmlns:p14="http://schemas.microsoft.com/office/powerpoint/2010/main" val="3261598085"/>
       </p:ext>
     </p:extLst>
   </p:cSld>
   <p:clrMapOvr>
     <a:masterClrMapping/>
   </p:clrMapOvr>
-  <mc:AlternateContent xmlns:mc="http://schemas.openxmlformats.org/markup-compatibility/2006">
-    <mc:Choice xmlns:p159="http://schemas.microsoft.com/office/powerpoint/2015/09/main" Requires="p159">
+  <mc:AlternateContent xmlns:mc="http://schemas.openxmlformats.org/markup-compatibility/2006" xmlns:p159="http://schemas.microsoft.com/office/powerpoint/2015/09/main">
+    <mc:Choice Requires="p159">
       <p:transition xmlns:p14="http://schemas.microsoft.com/office/powerpoint/2010/main" spd="slow" p14:dur="2000">
         <p159:morph option="byObject"/>
       </p:transition>
     </mc:Choice>
-    <mc:Fallback>
+    <mc:Fallback xmlns="">
       <p:transition spd="slow">
         <p:fade/>
       </p:transition>
